--- a/5G Technologies.pptx
+++ b/5G Technologies.pptx
@@ -105,7 +105,16 @@
       </a:defRPr>
     </a:lvl9pPr>
   </p:defaultTextStyle>
+  <p:extLst>
+    <p:ext uri="{EFAFB233-063F-42B5-8137-9DF3F51BA10A}">
+      <p15:sldGuideLst xmlns:p15="http://schemas.microsoft.com/office/powerpoint/2012/main"/>
+    </p:ext>
+  </p:extLst>
 </p:presentation>
+</file>
+
+<file path=ppt/revisionInfo.xml><?xml version="1.0" encoding="utf-8"?>
+<p1510:revInfo xmlns:a="http://schemas.openxmlformats.org/drawingml/2006/main" xmlns:r="http://schemas.openxmlformats.org/officeDocument/2006/relationships" xmlns:p1510="http://schemas.microsoft.com/office/powerpoint/2015/10/main"/>
 </file>
 
 <file path=ppt/slideLayouts/slideLayout1.xml><?xml version="1.0" encoding="utf-8"?>
@@ -203,7 +212,7 @@
           <a:effectLst/>
           <a:extLst>
             <a:ext uri="{91240B29-F687-4f45-9708-019B960494DF}">
-              <a14:hiddenLine xmlns:a14="http://schemas.microsoft.com/office/drawing/2010/main" xmlns="" w="9525">
+              <a14:hiddenLine xmlns="" xmlns:a14="http://schemas.microsoft.com/office/drawing/2010/main" w="9525">
                 <a:solidFill>
                   <a:srgbClr val="000000"/>
                 </a:solidFill>
@@ -254,7 +263,7 @@
           </a:lstStyle>
           <a:p>
             <a:r>
-              <a:rPr lang="en-US" smtClean="0"/>
+              <a:rPr lang="en-US"/>
               <a:t>Click to edit Master title style</a:t>
             </a:r>
             <a:endParaRPr lang="en-US" dirty="0"/>
@@ -371,7 +380,7 @@
           </a:lstStyle>
           <a:p>
             <a:r>
-              <a:rPr lang="en-US" smtClean="0"/>
+              <a:rPr lang="en-US"/>
               <a:t>Click to edit Master subtitle style</a:t>
             </a:r>
             <a:endParaRPr lang="en-US" dirty="0"/>
@@ -497,7 +506,7 @@
           </a:lstStyle>
           <a:p>
             <a:r>
-              <a:rPr lang="en-US" smtClean="0"/>
+              <a:rPr lang="en-US"/>
               <a:t>Click to edit Master title style</a:t>
             </a:r>
             <a:endParaRPr lang="en-US" dirty="0"/>
@@ -619,7 +628,7 @@
           </a:lstStyle>
           <a:p>
             <a:r>
-              <a:rPr lang="en-US" smtClean="0"/>
+              <a:rPr lang="en-US"/>
               <a:t>Click icon to add picture</a:t>
             </a:r>
             <a:endParaRPr lang="en-US" dirty="0"/>
@@ -687,7 +696,7 @@
           <a:p>
             <a:pPr lvl="0"/>
             <a:r>
-              <a:rPr lang="en-US" smtClean="0"/>
+              <a:rPr lang="en-US"/>
               <a:t>Click to edit Master text styles</a:t>
             </a:r>
           </a:p>
@@ -1018,7 +1027,7 @@
           </a:lstStyle>
           <a:p>
             <a:r>
-              <a:rPr lang="en-US" smtClean="0"/>
+              <a:rPr lang="en-US"/>
               <a:t>Click to edit Master title style</a:t>
             </a:r>
             <a:endParaRPr lang="en-US" dirty="0"/>
@@ -1138,7 +1147,7 @@
           <a:p>
             <a:pPr lvl="0"/>
             <a:r>
-              <a:rPr lang="en-US" smtClean="0"/>
+              <a:rPr lang="en-US"/>
               <a:t>Click to edit Master text styles</a:t>
             </a:r>
           </a:p>
@@ -1172,7 +1181,7 @@
           <a:p>
             <a:pPr lvl="0"/>
             <a:r>
-              <a:rPr lang="en-US" smtClean="0"/>
+              <a:rPr lang="en-US"/>
               <a:t>Click to edit Master text styles</a:t>
             </a:r>
           </a:p>
@@ -1503,7 +1512,7 @@
           </a:lstStyle>
           <a:p>
             <a:r>
-              <a:rPr lang="en-US" smtClean="0"/>
+              <a:rPr lang="en-US"/>
               <a:t>Click to edit Master title style</a:t>
             </a:r>
             <a:endParaRPr lang="en-US" dirty="0"/>
@@ -1538,7 +1547,7 @@
           <a:p>
             <a:pPr lvl="0"/>
             <a:r>
-              <a:rPr lang="en-US" smtClean="0"/>
+              <a:rPr lang="en-US"/>
               <a:t>Click to edit Master text styles</a:t>
             </a:r>
           </a:p>
@@ -1713,7 +1722,7 @@
           <a:ln/>
           <a:extLst>
             <a:ext uri="{91240B29-F687-4f45-9708-019B960494DF}">
-              <a14:hiddenLine xmlns:a14="http://schemas.microsoft.com/office/drawing/2010/main" xmlns="" w="9525">
+              <a14:hiddenLine xmlns="" xmlns:a14="http://schemas.microsoft.com/office/drawing/2010/main" w="9525">
                 <a:solidFill>
                   <a:srgbClr val="000000"/>
                 </a:solidFill>
@@ -1755,7 +1764,7 @@
           <a:lstStyle/>
           <a:p>
             <a:r>
-              <a:rPr lang="en-US" smtClean="0"/>
+              <a:rPr lang="en-US"/>
               <a:t>Click to edit Master title style</a:t>
             </a:r>
             <a:endParaRPr lang="en-US" dirty="0"/>
@@ -1779,35 +1788,35 @@
           <a:p>
             <a:pPr lvl="0"/>
             <a:r>
-              <a:rPr lang="en-US" smtClean="0"/>
+              <a:rPr lang="en-US"/>
               <a:t>Click to edit Master text styles</a:t>
             </a:r>
           </a:p>
           <a:p>
             <a:pPr lvl="1"/>
             <a:r>
-              <a:rPr lang="en-US" smtClean="0"/>
+              <a:rPr lang="en-US"/>
               <a:t>Second level</a:t>
             </a:r>
           </a:p>
           <a:p>
             <a:pPr lvl="2"/>
             <a:r>
-              <a:rPr lang="en-US" smtClean="0"/>
+              <a:rPr lang="en-US"/>
               <a:t>Third level</a:t>
             </a:r>
           </a:p>
           <a:p>
             <a:pPr lvl="3"/>
             <a:r>
-              <a:rPr lang="en-US" smtClean="0"/>
+              <a:rPr lang="en-US"/>
               <a:t>Fourth level</a:t>
             </a:r>
           </a:p>
           <a:p>
             <a:pPr lvl="4"/>
             <a:r>
-              <a:rPr lang="en-US" smtClean="0"/>
+              <a:rPr lang="en-US"/>
               <a:t>Fifth level</a:t>
             </a:r>
             <a:endParaRPr lang="en-US" dirty="0"/>
@@ -1985,7 +1994,7 @@
           <a:ln/>
           <a:extLst>
             <a:ext uri="{91240B29-F687-4f45-9708-019B960494DF}">
-              <a14:hiddenLine xmlns:a14="http://schemas.microsoft.com/office/drawing/2010/main" xmlns="" w="9525">
+              <a14:hiddenLine xmlns="" xmlns:a14="http://schemas.microsoft.com/office/drawing/2010/main" w="9525">
                 <a:solidFill>
                   <a:srgbClr val="000000"/>
                 </a:solidFill>
@@ -2032,7 +2041,7 @@
           <a:lstStyle/>
           <a:p>
             <a:r>
-              <a:rPr lang="en-US" smtClean="0"/>
+              <a:rPr lang="en-US"/>
               <a:t>Click to edit Master title style</a:t>
             </a:r>
             <a:endParaRPr lang="en-US" dirty="0"/>
@@ -2061,35 +2070,35 @@
           <a:p>
             <a:pPr lvl="0"/>
             <a:r>
-              <a:rPr lang="en-US" smtClean="0"/>
+              <a:rPr lang="en-US"/>
               <a:t>Click to edit Master text styles</a:t>
             </a:r>
           </a:p>
           <a:p>
             <a:pPr lvl="1"/>
             <a:r>
-              <a:rPr lang="en-US" smtClean="0"/>
+              <a:rPr lang="en-US"/>
               <a:t>Second level</a:t>
             </a:r>
           </a:p>
           <a:p>
             <a:pPr lvl="2"/>
             <a:r>
-              <a:rPr lang="en-US" smtClean="0"/>
+              <a:rPr lang="en-US"/>
               <a:t>Third level</a:t>
             </a:r>
           </a:p>
           <a:p>
             <a:pPr lvl="3"/>
             <a:r>
-              <a:rPr lang="en-US" smtClean="0"/>
+              <a:rPr lang="en-US"/>
               <a:t>Fourth level</a:t>
             </a:r>
           </a:p>
           <a:p>
             <a:pPr lvl="4"/>
             <a:r>
-              <a:rPr lang="en-US" smtClean="0"/>
+              <a:rPr lang="en-US"/>
               <a:t>Fifth level</a:t>
             </a:r>
             <a:endParaRPr lang="en-US" dirty="0"/>
@@ -2265,7 +2274,7 @@
           <a:ln/>
           <a:extLst>
             <a:ext uri="{91240B29-F687-4f45-9708-019B960494DF}">
-              <a14:hiddenLine xmlns:a14="http://schemas.microsoft.com/office/drawing/2010/main" xmlns="" w="9525">
+              <a14:hiddenLine xmlns="" xmlns:a14="http://schemas.microsoft.com/office/drawing/2010/main" w="9525">
                 <a:solidFill>
                   <a:srgbClr val="000000"/>
                 </a:solidFill>
@@ -2312,7 +2321,7 @@
           <a:lstStyle/>
           <a:p>
             <a:r>
-              <a:rPr lang="en-US" smtClean="0"/>
+              <a:rPr lang="en-US"/>
               <a:t>Click to edit Master title style</a:t>
             </a:r>
             <a:endParaRPr lang="en-US" dirty="0"/>
@@ -2341,35 +2350,35 @@
           <a:p>
             <a:pPr lvl="0"/>
             <a:r>
-              <a:rPr lang="en-US" smtClean="0"/>
+              <a:rPr lang="en-US"/>
               <a:t>Click to edit Master text styles</a:t>
             </a:r>
           </a:p>
           <a:p>
             <a:pPr lvl="1"/>
             <a:r>
-              <a:rPr lang="en-US" smtClean="0"/>
+              <a:rPr lang="en-US"/>
               <a:t>Second level</a:t>
             </a:r>
           </a:p>
           <a:p>
             <a:pPr lvl="2"/>
             <a:r>
-              <a:rPr lang="en-US" smtClean="0"/>
+              <a:rPr lang="en-US"/>
               <a:t>Third level</a:t>
             </a:r>
           </a:p>
           <a:p>
             <a:pPr lvl="3"/>
             <a:r>
-              <a:rPr lang="en-US" smtClean="0"/>
+              <a:rPr lang="en-US"/>
               <a:t>Fourth level</a:t>
             </a:r>
           </a:p>
           <a:p>
             <a:pPr lvl="4"/>
             <a:r>
-              <a:rPr lang="en-US" smtClean="0"/>
+              <a:rPr lang="en-US"/>
               <a:t>Fifth level</a:t>
             </a:r>
             <a:endParaRPr lang="en-US" dirty="0"/>
@@ -2590,7 +2599,7 @@
           </a:lstStyle>
           <a:p>
             <a:r>
-              <a:rPr lang="en-US" smtClean="0"/>
+              <a:rPr lang="en-US"/>
               <a:t>Click to edit Master title style</a:t>
             </a:r>
             <a:endParaRPr lang="en-US" dirty="0"/>
@@ -2710,7 +2719,7 @@
           <a:p>
             <a:pPr lvl="0"/>
             <a:r>
-              <a:rPr lang="en-US" smtClean="0"/>
+              <a:rPr lang="en-US"/>
               <a:t>Click to edit Master text styles</a:t>
             </a:r>
           </a:p>
@@ -2885,7 +2894,7 @@
           <a:ln/>
           <a:extLst>
             <a:ext uri="{91240B29-F687-4f45-9708-019B960494DF}">
-              <a14:hiddenLine xmlns:a14="http://schemas.microsoft.com/office/drawing/2010/main" xmlns="" w="9525">
+              <a14:hiddenLine xmlns="" xmlns:a14="http://schemas.microsoft.com/office/drawing/2010/main" w="9525">
                 <a:solidFill>
                   <a:srgbClr val="000000"/>
                 </a:solidFill>
@@ -2927,7 +2936,7 @@
           <a:lstStyle/>
           <a:p>
             <a:r>
-              <a:rPr lang="en-US" smtClean="0"/>
+              <a:rPr lang="en-US"/>
               <a:t>Click to edit Master title style</a:t>
             </a:r>
             <a:endParaRPr lang="en-US" dirty="0"/>
@@ -2958,35 +2967,35 @@
           <a:p>
             <a:pPr lvl="0"/>
             <a:r>
-              <a:rPr lang="en-US" smtClean="0"/>
+              <a:rPr lang="en-US"/>
               <a:t>Click to edit Master text styles</a:t>
             </a:r>
           </a:p>
           <a:p>
             <a:pPr lvl="1"/>
             <a:r>
-              <a:rPr lang="en-US" smtClean="0"/>
+              <a:rPr lang="en-US"/>
               <a:t>Second level</a:t>
             </a:r>
           </a:p>
           <a:p>
             <a:pPr lvl="2"/>
             <a:r>
-              <a:rPr lang="en-US" smtClean="0"/>
+              <a:rPr lang="en-US"/>
               <a:t>Third level</a:t>
             </a:r>
           </a:p>
           <a:p>
             <a:pPr lvl="3"/>
             <a:r>
-              <a:rPr lang="en-US" smtClean="0"/>
+              <a:rPr lang="en-US"/>
               <a:t>Fourth level</a:t>
             </a:r>
           </a:p>
           <a:p>
             <a:pPr lvl="4"/>
             <a:r>
-              <a:rPr lang="en-US" smtClean="0"/>
+              <a:rPr lang="en-US"/>
               <a:t>Fifth level</a:t>
             </a:r>
             <a:endParaRPr lang="en-US" dirty="0"/>
@@ -3017,35 +3026,35 @@
           <a:p>
             <a:pPr lvl="0"/>
             <a:r>
-              <a:rPr lang="en-US" smtClean="0"/>
+              <a:rPr lang="en-US"/>
               <a:t>Click to edit Master text styles</a:t>
             </a:r>
           </a:p>
           <a:p>
             <a:pPr lvl="1"/>
             <a:r>
-              <a:rPr lang="en-US" smtClean="0"/>
+              <a:rPr lang="en-US"/>
               <a:t>Second level</a:t>
             </a:r>
           </a:p>
           <a:p>
             <a:pPr lvl="2"/>
             <a:r>
-              <a:rPr lang="en-US" smtClean="0"/>
+              <a:rPr lang="en-US"/>
               <a:t>Third level</a:t>
             </a:r>
           </a:p>
           <a:p>
             <a:pPr lvl="3"/>
             <a:r>
-              <a:rPr lang="en-US" smtClean="0"/>
+              <a:rPr lang="en-US"/>
               <a:t>Fourth level</a:t>
             </a:r>
           </a:p>
           <a:p>
             <a:pPr lvl="4"/>
             <a:r>
-              <a:rPr lang="en-US" smtClean="0"/>
+              <a:rPr lang="en-US"/>
               <a:t>Fifth level</a:t>
             </a:r>
             <a:endParaRPr lang="en-US" dirty="0"/>
@@ -3221,7 +3230,7 @@
           <a:ln/>
           <a:extLst>
             <a:ext uri="{91240B29-F687-4f45-9708-019B960494DF}">
-              <a14:hiddenLine xmlns:a14="http://schemas.microsoft.com/office/drawing/2010/main" xmlns="" w="9525">
+              <a14:hiddenLine xmlns="" xmlns:a14="http://schemas.microsoft.com/office/drawing/2010/main" w="9525">
                 <a:solidFill>
                   <a:srgbClr val="000000"/>
                 </a:solidFill>
@@ -3267,7 +3276,7 @@
           </a:lstStyle>
           <a:p>
             <a:r>
-              <a:rPr lang="en-US" smtClean="0"/>
+              <a:rPr lang="en-US"/>
               <a:t>Click to edit Master title style</a:t>
             </a:r>
             <a:endParaRPr lang="en-US" dirty="0"/>
@@ -3335,7 +3344,7 @@
           <a:p>
             <a:pPr lvl="0"/>
             <a:r>
-              <a:rPr lang="en-US" smtClean="0"/>
+              <a:rPr lang="en-US"/>
               <a:t>Click to edit Master text styles</a:t>
             </a:r>
           </a:p>
@@ -3365,35 +3374,35 @@
           <a:p>
             <a:pPr lvl="0"/>
             <a:r>
-              <a:rPr lang="en-US" smtClean="0"/>
+              <a:rPr lang="en-US"/>
               <a:t>Click to edit Master text styles</a:t>
             </a:r>
           </a:p>
           <a:p>
             <a:pPr lvl="1"/>
             <a:r>
-              <a:rPr lang="en-US" smtClean="0"/>
+              <a:rPr lang="en-US"/>
               <a:t>Second level</a:t>
             </a:r>
           </a:p>
           <a:p>
             <a:pPr lvl="2"/>
             <a:r>
-              <a:rPr lang="en-US" smtClean="0"/>
+              <a:rPr lang="en-US"/>
               <a:t>Third level</a:t>
             </a:r>
           </a:p>
           <a:p>
             <a:pPr lvl="3"/>
             <a:r>
-              <a:rPr lang="en-US" smtClean="0"/>
+              <a:rPr lang="en-US"/>
               <a:t>Fourth level</a:t>
             </a:r>
           </a:p>
           <a:p>
             <a:pPr lvl="4"/>
             <a:r>
-              <a:rPr lang="en-US" smtClean="0"/>
+              <a:rPr lang="en-US"/>
               <a:t>Fifth level</a:t>
             </a:r>
             <a:endParaRPr lang="en-US" dirty="0"/>
@@ -3461,7 +3470,7 @@
           <a:p>
             <a:pPr lvl="0"/>
             <a:r>
-              <a:rPr lang="en-US" smtClean="0"/>
+              <a:rPr lang="en-US"/>
               <a:t>Click to edit Master text styles</a:t>
             </a:r>
           </a:p>
@@ -3491,35 +3500,35 @@
           <a:p>
             <a:pPr lvl="0"/>
             <a:r>
-              <a:rPr lang="en-US" smtClean="0"/>
+              <a:rPr lang="en-US"/>
               <a:t>Click to edit Master text styles</a:t>
             </a:r>
           </a:p>
           <a:p>
             <a:pPr lvl="1"/>
             <a:r>
-              <a:rPr lang="en-US" smtClean="0"/>
+              <a:rPr lang="en-US"/>
               <a:t>Second level</a:t>
             </a:r>
           </a:p>
           <a:p>
             <a:pPr lvl="2"/>
             <a:r>
-              <a:rPr lang="en-US" smtClean="0"/>
+              <a:rPr lang="en-US"/>
               <a:t>Third level</a:t>
             </a:r>
           </a:p>
           <a:p>
             <a:pPr lvl="3"/>
             <a:r>
-              <a:rPr lang="en-US" smtClean="0"/>
+              <a:rPr lang="en-US"/>
               <a:t>Fourth level</a:t>
             </a:r>
           </a:p>
           <a:p>
             <a:pPr lvl="4"/>
             <a:r>
-              <a:rPr lang="en-US" smtClean="0"/>
+              <a:rPr lang="en-US"/>
               <a:t>Fifth level</a:t>
             </a:r>
             <a:endParaRPr lang="en-US" dirty="0"/>
@@ -3695,7 +3704,7 @@
           <a:ln/>
           <a:extLst>
             <a:ext uri="{91240B29-F687-4f45-9708-019B960494DF}">
-              <a14:hiddenLine xmlns:a14="http://schemas.microsoft.com/office/drawing/2010/main" xmlns="" w="9525">
+              <a14:hiddenLine xmlns="" xmlns:a14="http://schemas.microsoft.com/office/drawing/2010/main" w="9525">
                 <a:solidFill>
                   <a:srgbClr val="000000"/>
                 </a:solidFill>
@@ -3737,7 +3746,7 @@
           <a:lstStyle/>
           <a:p>
             <a:r>
-              <a:rPr lang="en-US" smtClean="0"/>
+              <a:rPr lang="en-US"/>
               <a:t>Click to edit Master title style</a:t>
             </a:r>
             <a:endParaRPr lang="en-US" dirty="0"/>
@@ -4118,7 +4127,7 @@
           <a:ln/>
           <a:extLst>
             <a:ext uri="{91240B29-F687-4f45-9708-019B960494DF}">
-              <a14:hiddenLine xmlns:a14="http://schemas.microsoft.com/office/drawing/2010/main" xmlns="" w="9525">
+              <a14:hiddenLine xmlns="" xmlns:a14="http://schemas.microsoft.com/office/drawing/2010/main" w="9525">
                 <a:solidFill>
                   <a:srgbClr val="000000"/>
                 </a:solidFill>
@@ -4169,7 +4178,7 @@
           </a:lstStyle>
           <a:p>
             <a:r>
-              <a:rPr lang="en-US" smtClean="0"/>
+              <a:rPr lang="en-US"/>
               <a:t>Click to edit Master title style</a:t>
             </a:r>
             <a:endParaRPr lang="en-US" dirty="0"/>
@@ -4200,35 +4209,35 @@
           <a:p>
             <a:pPr lvl="0"/>
             <a:r>
-              <a:rPr lang="en-US" smtClean="0"/>
+              <a:rPr lang="en-US"/>
               <a:t>Click to edit Master text styles</a:t>
             </a:r>
           </a:p>
           <a:p>
             <a:pPr lvl="1"/>
             <a:r>
-              <a:rPr lang="en-US" smtClean="0"/>
+              <a:rPr lang="en-US"/>
               <a:t>Second level</a:t>
             </a:r>
           </a:p>
           <a:p>
             <a:pPr lvl="2"/>
             <a:r>
-              <a:rPr lang="en-US" smtClean="0"/>
+              <a:rPr lang="en-US"/>
               <a:t>Third level</a:t>
             </a:r>
           </a:p>
           <a:p>
             <a:pPr lvl="3"/>
             <a:r>
-              <a:rPr lang="en-US" smtClean="0"/>
+              <a:rPr lang="en-US"/>
               <a:t>Fourth level</a:t>
             </a:r>
           </a:p>
           <a:p>
             <a:pPr lvl="4"/>
             <a:r>
-              <a:rPr lang="en-US" smtClean="0"/>
+              <a:rPr lang="en-US"/>
               <a:t>Fifth level</a:t>
             </a:r>
             <a:endParaRPr lang="en-US" dirty="0"/>
@@ -4294,7 +4303,7 @@
           <a:p>
             <a:pPr lvl="0"/>
             <a:r>
-              <a:rPr lang="en-US" smtClean="0"/>
+              <a:rPr lang="en-US"/>
               <a:t>Click to edit Master text styles</a:t>
             </a:r>
           </a:p>
@@ -4419,7 +4428,7 @@
           </a:lstStyle>
           <a:p>
             <a:r>
-              <a:rPr lang="en-US" smtClean="0"/>
+              <a:rPr lang="en-US"/>
               <a:t>Click to edit Master title style</a:t>
             </a:r>
             <a:endParaRPr lang="en-US" dirty="0"/>
@@ -4531,7 +4540,7 @@
           </a:lstStyle>
           <a:p>
             <a:r>
-              <a:rPr lang="en-US" smtClean="0"/>
+              <a:rPr lang="en-US"/>
               <a:t>Click icon to add picture</a:t>
             </a:r>
             <a:endParaRPr lang="en-US" dirty="0"/>
@@ -4599,7 +4608,7 @@
           <a:p>
             <a:pPr lvl="0"/>
             <a:r>
-              <a:rPr lang="en-US" smtClean="0"/>
+              <a:rPr lang="en-US"/>
               <a:t>Click to edit Master text styles</a:t>
             </a:r>
           </a:p>
@@ -4750,7 +4759,7 @@
           <a:lstStyle/>
           <a:p>
             <a:r>
-              <a:rPr lang="en-US" smtClean="0"/>
+              <a:rPr lang="en-US"/>
               <a:t>Click to edit Master title style</a:t>
             </a:r>
             <a:endParaRPr lang="en-US" dirty="0"/>
@@ -4791,35 +4800,35 @@
           <a:p>
             <a:pPr lvl="0"/>
             <a:r>
-              <a:rPr lang="en-US" smtClean="0"/>
+              <a:rPr lang="en-US"/>
               <a:t>Click to edit Master text styles</a:t>
             </a:r>
           </a:p>
           <a:p>
             <a:pPr lvl="1"/>
             <a:r>
-              <a:rPr lang="en-US" smtClean="0"/>
+              <a:rPr lang="en-US"/>
               <a:t>Second level</a:t>
             </a:r>
           </a:p>
           <a:p>
             <a:pPr lvl="2"/>
             <a:r>
-              <a:rPr lang="en-US" smtClean="0"/>
+              <a:rPr lang="en-US"/>
               <a:t>Third level</a:t>
             </a:r>
           </a:p>
           <a:p>
             <a:pPr lvl="3"/>
             <a:r>
-              <a:rPr lang="en-US" smtClean="0"/>
+              <a:rPr lang="en-US"/>
               <a:t>Fourth level</a:t>
             </a:r>
           </a:p>
           <a:p>
             <a:pPr lvl="4"/>
             <a:r>
-              <a:rPr lang="en-US" smtClean="0"/>
+              <a:rPr lang="en-US"/>
               <a:t>Fifth level</a:t>
             </a:r>
             <a:endParaRPr lang="en-US" dirty="0"/>
@@ -5357,7 +5366,7 @@
           <a:lstStyle/>
           <a:p>
             <a:r>
-              <a:rPr lang="en-029" dirty="0" smtClean="0"/>
+              <a:rPr lang="en-029" dirty="0"/>
               <a:t>5G Technologies</a:t>
             </a:r>
             <a:endParaRPr lang="en-GB" dirty="0"/>
@@ -5380,24 +5389,8 @@
           <a:lstStyle/>
           <a:p>
             <a:r>
-              <a:rPr lang="en-029" dirty="0" smtClean="0"/>
-              <a:t>The Future </a:t>
-            </a:r>
-            <a:r>
               <a:rPr lang="en-029" dirty="0"/>
-              <a:t>G</a:t>
-            </a:r>
-            <a:r>
-              <a:rPr lang="en-029" dirty="0" smtClean="0"/>
-              <a:t>eneration of Wireless </a:t>
-            </a:r>
-            <a:r>
-              <a:rPr lang="en-029" dirty="0"/>
-              <a:t>N</a:t>
-            </a:r>
-            <a:r>
-              <a:rPr lang="en-029" dirty="0" smtClean="0"/>
-              <a:t>etwork</a:t>
+              <a:t>The Future Generation of Wireless Network</a:t>
             </a:r>
             <a:endParaRPr lang="en-GB" dirty="0"/>
           </a:p>
@@ -5448,7 +5441,10 @@
           <a:bodyPr/>
           <a:lstStyle/>
           <a:p>
-            <a:endParaRPr lang="en-GB"/>
+            <a:r>
+              <a:rPr lang="en-GB"/>
+              <a:t>wetrtrtrt</a:t>
+            </a:r>
           </a:p>
         </p:txBody>
       </p:sp>

--- a/5G Technologies.pptx
+++ b/5G Technologies.pptx
@@ -7,6 +7,7 @@
   <p:sldIdLst>
     <p:sldId id="256" r:id="rId2"/>
     <p:sldId id="258" r:id="rId3"/>
+    <p:sldId id="259" r:id="rId4"/>
   </p:sldIdLst>
   <p:sldSz cx="12192000" cy="6858000"/>
   <p:notesSz cx="6858000" cy="9144000"/>
@@ -105,6 +106,22 @@
       </a:defRPr>
     </a:lvl9pPr>
   </p:defaultTextStyle>
+  <p:extLst>
+    <p:ext uri="{521415D9-36F7-43E2-AB2F-B90AF26B5E84}">
+      <p14:sectionLst xmlns:p14="http://schemas.microsoft.com/office/powerpoint/2010/main">
+        <p14:section name="Default Section" id="{191F0A5C-8D98-447C-A8FE-4D028261DD13}">
+          <p14:sldIdLst>
+            <p14:sldId id="256"/>
+            <p14:sldId id="258"/>
+            <p14:sldId id="259"/>
+          </p14:sldIdLst>
+        </p14:section>
+        <p14:section name="Untitled Section" id="{C0937229-DCC2-4A68-974A-4632860BC094}">
+          <p14:sldIdLst/>
+        </p14:section>
+      </p14:sectionLst>
+    </p:ext>
+  </p:extLst>
 </p:presentation>
 </file>
 
@@ -4699,9 +4716,14 @@
 <p:sldMaster xmlns:a="http://schemas.openxmlformats.org/drawingml/2006/main" xmlns:r="http://schemas.openxmlformats.org/officeDocument/2006/relationships" xmlns:p="http://schemas.openxmlformats.org/presentationml/2006/main">
   <p:cSld>
     <p:bg>
-      <p:bgRef idx="1001">
-        <a:schemeClr val="bg2"/>
-      </p:bgRef>
+      <p:bgPr>
+        <a:solidFill>
+          <a:schemeClr val="bg2">
+            <a:alpha val="77000"/>
+          </a:schemeClr>
+        </a:solidFill>
+        <a:effectLst/>
+      </p:bgPr>
     </p:bg>
     <p:spTree>
       <p:nvGrpSpPr>
@@ -5448,18 +5470,22 @@
           <a:bodyPr/>
           <a:lstStyle/>
           <a:p>
-            <a:endParaRPr lang="en-GB"/>
-          </a:p>
-        </p:txBody>
-      </p:sp>
-      <p:sp>
-        <p:nvSpPr>
-          <p:cNvPr id="3" name="Text Placeholder 2"/>
-          <p:cNvSpPr>
-            <a:spLocks noGrp="1"/>
-          </p:cNvSpPr>
-          <p:nvPr>
-            <p:ph type="body" sz="quarter" idx="16"/>
+            <a:r>
+              <a:rPr lang="en-029" dirty="0" smtClean="0"/>
+              <a:t>Introduction: What is 5G?</a:t>
+            </a:r>
+            <a:endParaRPr lang="en-GB" dirty="0"/>
+          </a:p>
+        </p:txBody>
+      </p:sp>
+      <p:sp>
+        <p:nvSpPr>
+          <p:cNvPr id="3" name="Content Placeholder 2"/>
+          <p:cNvSpPr>
+            <a:spLocks noGrp="1"/>
+          </p:cNvSpPr>
+          <p:nvPr>
+            <p:ph idx="1"/>
           </p:nvPr>
         </p:nvSpPr>
         <p:spPr/>
@@ -5467,14 +5493,109 @@
           <a:bodyPr/>
           <a:lstStyle/>
           <a:p>
-            <a:endParaRPr lang="en-GB"/>
+            <a:r>
+              <a:rPr lang="en-029" dirty="0" smtClean="0"/>
+              <a:t>Definition</a:t>
+            </a:r>
+          </a:p>
+          <a:p>
+            <a:r>
+              <a:rPr lang="en-029" dirty="0" smtClean="0"/>
+              <a:t>Presentation overview:</a:t>
+            </a:r>
+          </a:p>
+          <a:p>
+            <a:r>
+              <a:rPr lang="en-029" dirty="0" smtClean="0"/>
+              <a:t>Comparison of Past technologies</a:t>
+            </a:r>
+          </a:p>
+          <a:p>
+            <a:r>
+              <a:rPr lang="en-029" dirty="0" smtClean="0"/>
+              <a:t>Present technologies</a:t>
+            </a:r>
+          </a:p>
+          <a:p>
+            <a:r>
+              <a:rPr lang="en-029" dirty="0" smtClean="0"/>
+              <a:t>The future of wireless networks</a:t>
+            </a:r>
           </a:p>
         </p:txBody>
       </p:sp>
     </p:spTree>
     <p:extLst>
       <p:ext uri="{BB962C8B-B14F-4D97-AF65-F5344CB8AC3E}">
-        <p14:creationId xmlns:p14="http://schemas.microsoft.com/office/powerpoint/2010/main" val="595999862"/>
+        <p14:creationId xmlns:p14="http://schemas.microsoft.com/office/powerpoint/2010/main" val="24999554"/>
+      </p:ext>
+    </p:extLst>
+  </p:cSld>
+  <p:clrMapOvr>
+    <a:masterClrMapping/>
+  </p:clrMapOvr>
+</p:sld>
+</file>
+
+<file path=ppt/slides/slide3.xml><?xml version="1.0" encoding="utf-8"?>
+<p:sld xmlns:a="http://schemas.openxmlformats.org/drawingml/2006/main" xmlns:r="http://schemas.openxmlformats.org/officeDocument/2006/relationships" xmlns:p="http://schemas.openxmlformats.org/presentationml/2006/main">
+  <p:cSld>
+    <p:spTree>
+      <p:nvGrpSpPr>
+        <p:cNvPr id="1" name=""/>
+        <p:cNvGrpSpPr/>
+        <p:nvPr/>
+      </p:nvGrpSpPr>
+      <p:grpSpPr>
+        <a:xfrm>
+          <a:off x="0" y="0"/>
+          <a:ext cx="0" cy="0"/>
+          <a:chOff x="0" y="0"/>
+          <a:chExt cx="0" cy="0"/>
+        </a:xfrm>
+      </p:grpSpPr>
+      <p:sp>
+        <p:nvSpPr>
+          <p:cNvPr id="2" name="Title 1"/>
+          <p:cNvSpPr>
+            <a:spLocks noGrp="1"/>
+          </p:cNvSpPr>
+          <p:nvPr>
+            <p:ph type="title"/>
+          </p:nvPr>
+        </p:nvSpPr>
+        <p:spPr/>
+        <p:txBody>
+          <a:bodyPr/>
+          <a:lstStyle/>
+          <a:p>
+            <a:endParaRPr lang="en-GB" dirty="0"/>
+          </a:p>
+        </p:txBody>
+      </p:sp>
+      <p:sp>
+        <p:nvSpPr>
+          <p:cNvPr id="3" name="Content Placeholder 2"/>
+          <p:cNvSpPr>
+            <a:spLocks noGrp="1"/>
+          </p:cNvSpPr>
+          <p:nvPr>
+            <p:ph idx="1"/>
+          </p:nvPr>
+        </p:nvSpPr>
+        <p:spPr/>
+        <p:txBody>
+          <a:bodyPr/>
+          <a:lstStyle/>
+          <a:p>
+            <a:endParaRPr lang="en-GB"/>
+          </a:p>
+        </p:txBody>
+      </p:sp>
+    </p:spTree>
+    <p:extLst>
+      <p:ext uri="{BB962C8B-B14F-4D97-AF65-F5344CB8AC3E}">
+        <p14:creationId xmlns:p14="http://schemas.microsoft.com/office/powerpoint/2010/main" val="183485136"/>
       </p:ext>
     </p:extLst>
   </p:cSld>

--- a/5G Technologies.pptx
+++ b/5G Technologies.pptx
@@ -6,7 +6,7 @@
   </p:sldMasterIdLst>
   <p:sldIdLst>
     <p:sldId id="256" r:id="rId2"/>
-    <p:sldId id="258" r:id="rId3"/>
+    <p:sldId id="257" r:id="rId3"/>
   </p:sldIdLst>
   <p:sldSz cx="12192000" cy="6858000"/>
   <p:notesSz cx="6858000" cy="9144000"/>
@@ -5428,7 +5428,13 @@
       </p:grpSpPr>
       <p:sp>
         <p:nvSpPr>
-          <p:cNvPr id="2" name="Title 1"/>
+          <p:cNvPr id="2" name="Title 1">
+            <a:extLst>
+              <a:ext uri="{FF2B5EF4-FFF2-40B4-BE49-F238E27FC236}">
+                <a16:creationId xmlns:a16="http://schemas.microsoft.com/office/drawing/2014/main" id="{9A3B2618-F360-496B-902B-BBFB2E173A11}"/>
+              </a:ext>
+            </a:extLst>
+          </p:cNvPr>
           <p:cNvSpPr>
             <a:spLocks noGrp="1"/>
           </p:cNvSpPr>
@@ -5442,20 +5448,26 @@
           <a:lstStyle/>
           <a:p>
             <a:r>
-              <a:rPr lang="en-GB"/>
-              <a:t>wetrtrtrt</a:t>
-            </a:r>
-          </a:p>
-        </p:txBody>
-      </p:sp>
-      <p:sp>
-        <p:nvSpPr>
-          <p:cNvPr id="3" name="Text Placeholder 2"/>
-          <p:cNvSpPr>
-            <a:spLocks noGrp="1"/>
-          </p:cNvSpPr>
-          <p:nvPr>
-            <p:ph type="body" sz="quarter" idx="16"/>
+              <a:rPr lang="en-US" dirty="0"/>
+              <a:t>Intro</a:t>
+            </a:r>
+          </a:p>
+        </p:txBody>
+      </p:sp>
+      <p:sp>
+        <p:nvSpPr>
+          <p:cNvPr id="3" name="Content Placeholder 2">
+            <a:extLst>
+              <a:ext uri="{FF2B5EF4-FFF2-40B4-BE49-F238E27FC236}">
+                <a16:creationId xmlns:a16="http://schemas.microsoft.com/office/drawing/2014/main" id="{C1FA8168-205E-4185-9FA1-5E6A3518E5C4}"/>
+              </a:ext>
+            </a:extLst>
+          </p:cNvPr>
+          <p:cNvSpPr>
+            <a:spLocks noGrp="1"/>
+          </p:cNvSpPr>
+          <p:nvPr>
+            <p:ph idx="1"/>
           </p:nvPr>
         </p:nvSpPr>
         <p:spPr/>
@@ -5463,14 +5475,14 @@
           <a:bodyPr/>
           <a:lstStyle/>
           <a:p>
-            <a:endParaRPr lang="en-GB"/>
+            <a:endParaRPr lang="en-US"/>
           </a:p>
         </p:txBody>
       </p:sp>
     </p:spTree>
     <p:extLst>
       <p:ext uri="{BB962C8B-B14F-4D97-AF65-F5344CB8AC3E}">
-        <p14:creationId xmlns:p14="http://schemas.microsoft.com/office/powerpoint/2010/main" val="595999862"/>
+        <p14:creationId xmlns:p14="http://schemas.microsoft.com/office/powerpoint/2010/main" val="1410487264"/>
       </p:ext>
     </p:extLst>
   </p:cSld>

--- a/5G Technologies.pptx
+++ b/5G Technologies.pptx
@@ -5522,8 +5522,19 @@
           <a:p>
             <a:r>
               <a:rPr lang="en-029" dirty="0" smtClean="0"/>
-              <a:t>The future of wireless networks</a:t>
-            </a:r>
+              <a:t>The future of wireless </a:t>
+            </a:r>
+            <a:r>
+              <a:rPr lang="en-029" dirty="0" smtClean="0"/>
+              <a:t>networks</a:t>
+            </a:r>
+          </a:p>
+          <a:p>
+            <a:r>
+              <a:rPr lang="en-029" smtClean="0"/>
+              <a:t>Random change</a:t>
+            </a:r>
+            <a:endParaRPr lang="en-029" dirty="0"/>
           </a:p>
         </p:txBody>
       </p:sp>

--- a/5G Technologies.pptx
+++ b/5G Technologies.pptx
@@ -8,6 +8,16 @@
     <p:sldId id="256" r:id="rId2"/>
     <p:sldId id="258" r:id="rId3"/>
     <p:sldId id="259" r:id="rId4"/>
+    <p:sldId id="260" r:id="rId5"/>
+    <p:sldId id="261" r:id="rId6"/>
+    <p:sldId id="262" r:id="rId7"/>
+    <p:sldId id="263" r:id="rId8"/>
+    <p:sldId id="268" r:id="rId9"/>
+    <p:sldId id="264" r:id="rId10"/>
+    <p:sldId id="269" r:id="rId11"/>
+    <p:sldId id="265" r:id="rId12"/>
+    <p:sldId id="267" r:id="rId13"/>
+    <p:sldId id="266" r:id="rId14"/>
   </p:sldIdLst>
   <p:sldSz cx="12192000" cy="6858000"/>
   <p:notesSz cx="6858000" cy="9144000"/>
@@ -114,10 +124,21 @@
             <p14:sldId id="256"/>
             <p14:sldId id="258"/>
             <p14:sldId id="259"/>
+            <p14:sldId id="260"/>
+            <p14:sldId id="261"/>
+            <p14:sldId id="262"/>
+            <p14:sldId id="263"/>
+            <p14:sldId id="268"/>
           </p14:sldIdLst>
         </p14:section>
         <p14:section name="Untitled Section" id="{C0937229-DCC2-4A68-974A-4632860BC094}">
-          <p14:sldIdLst/>
+          <p14:sldIdLst>
+            <p14:sldId id="264"/>
+            <p14:sldId id="269"/>
+            <p14:sldId id="265"/>
+            <p14:sldId id="267"/>
+            <p14:sldId id="266"/>
+          </p14:sldIdLst>
         </p14:section>
       </p14:sectionLst>
     </p:ext>
@@ -126,6 +147,3298 @@
     </p:ext>
   </p:extLst>
 </p:presentation>
+</file>
+
+<file path=ppt/revisionInfo.xml><?xml version="1.0" encoding="utf-8"?>
+<p1510:revInfo xmlns:a="http://schemas.openxmlformats.org/drawingml/2006/main" xmlns:r="http://schemas.openxmlformats.org/officeDocument/2006/relationships" xmlns:p1510="http://schemas.microsoft.com/office/powerpoint/2015/10/main"/>
+</file>
+
+<file path=ppt/diagrams/colors1.xml><?xml version="1.0" encoding="utf-8"?>
+<dgm:colorsDef xmlns:dgm="http://schemas.openxmlformats.org/drawingml/2006/diagram" xmlns:a="http://schemas.openxmlformats.org/drawingml/2006/main" uniqueId="urn:microsoft.com/office/officeart/2005/8/colors/accent1_2">
+  <dgm:title val=""/>
+  <dgm:desc val=""/>
+  <dgm:catLst>
+    <dgm:cat type="accent1" pri="11200"/>
+  </dgm:catLst>
+  <dgm:styleLbl name="node0">
+    <dgm:fillClrLst meth="repeat">
+      <a:schemeClr val="accent1"/>
+    </dgm:fillClrLst>
+    <dgm:linClrLst meth="repeat">
+      <a:schemeClr val="lt1"/>
+    </dgm:linClrLst>
+    <dgm:effectClrLst/>
+    <dgm:txLinClrLst/>
+    <dgm:txFillClrLst/>
+    <dgm:txEffectClrLst/>
+  </dgm:styleLbl>
+  <dgm:styleLbl name="alignNode1">
+    <dgm:fillClrLst meth="repeat">
+      <a:schemeClr val="accent1"/>
+    </dgm:fillClrLst>
+    <dgm:linClrLst meth="repeat">
+      <a:schemeClr val="accent1"/>
+    </dgm:linClrLst>
+    <dgm:effectClrLst/>
+    <dgm:txLinClrLst/>
+    <dgm:txFillClrLst/>
+    <dgm:txEffectClrLst/>
+  </dgm:styleLbl>
+  <dgm:styleLbl name="node1">
+    <dgm:fillClrLst meth="repeat">
+      <a:schemeClr val="accent1"/>
+    </dgm:fillClrLst>
+    <dgm:linClrLst meth="repeat">
+      <a:schemeClr val="lt1"/>
+    </dgm:linClrLst>
+    <dgm:effectClrLst/>
+    <dgm:txLinClrLst/>
+    <dgm:txFillClrLst/>
+    <dgm:txEffectClrLst/>
+  </dgm:styleLbl>
+  <dgm:styleLbl name="lnNode1">
+    <dgm:fillClrLst meth="repeat">
+      <a:schemeClr val="accent1"/>
+    </dgm:fillClrLst>
+    <dgm:linClrLst meth="repeat">
+      <a:schemeClr val="lt1"/>
+    </dgm:linClrLst>
+    <dgm:effectClrLst/>
+    <dgm:txLinClrLst/>
+    <dgm:txFillClrLst/>
+    <dgm:txEffectClrLst/>
+  </dgm:styleLbl>
+  <dgm:styleLbl name="vennNode1">
+    <dgm:fillClrLst meth="repeat">
+      <a:schemeClr val="accent1">
+        <a:alpha val="50000"/>
+      </a:schemeClr>
+    </dgm:fillClrLst>
+    <dgm:linClrLst meth="repeat">
+      <a:schemeClr val="lt1"/>
+    </dgm:linClrLst>
+    <dgm:effectClrLst/>
+    <dgm:txLinClrLst/>
+    <dgm:txFillClrLst/>
+    <dgm:txEffectClrLst/>
+  </dgm:styleLbl>
+  <dgm:styleLbl name="node2">
+    <dgm:fillClrLst meth="repeat">
+      <a:schemeClr val="accent1"/>
+    </dgm:fillClrLst>
+    <dgm:linClrLst meth="repeat">
+      <a:schemeClr val="lt1"/>
+    </dgm:linClrLst>
+    <dgm:effectClrLst/>
+    <dgm:txLinClrLst/>
+    <dgm:txFillClrLst/>
+    <dgm:txEffectClrLst/>
+  </dgm:styleLbl>
+  <dgm:styleLbl name="node3">
+    <dgm:fillClrLst meth="repeat">
+      <a:schemeClr val="accent1"/>
+    </dgm:fillClrLst>
+    <dgm:linClrLst meth="repeat">
+      <a:schemeClr val="lt1"/>
+    </dgm:linClrLst>
+    <dgm:effectClrLst/>
+    <dgm:txLinClrLst/>
+    <dgm:txFillClrLst/>
+    <dgm:txEffectClrLst/>
+  </dgm:styleLbl>
+  <dgm:styleLbl name="node4">
+    <dgm:fillClrLst meth="repeat">
+      <a:schemeClr val="accent1"/>
+    </dgm:fillClrLst>
+    <dgm:linClrLst meth="repeat">
+      <a:schemeClr val="lt1"/>
+    </dgm:linClrLst>
+    <dgm:effectClrLst/>
+    <dgm:txLinClrLst/>
+    <dgm:txFillClrLst/>
+    <dgm:txEffectClrLst/>
+  </dgm:styleLbl>
+  <dgm:styleLbl name="fgImgPlace1">
+    <dgm:fillClrLst meth="repeat">
+      <a:schemeClr val="accent1">
+        <a:tint val="50000"/>
+      </a:schemeClr>
+    </dgm:fillClrLst>
+    <dgm:linClrLst meth="repeat">
+      <a:schemeClr val="lt1"/>
+    </dgm:linClrLst>
+    <dgm:effectClrLst/>
+    <dgm:txLinClrLst/>
+    <dgm:txFillClrLst meth="repeat">
+      <a:schemeClr val="lt1"/>
+    </dgm:txFillClrLst>
+    <dgm:txEffectClrLst/>
+  </dgm:styleLbl>
+  <dgm:styleLbl name="alignImgPlace1">
+    <dgm:fillClrLst meth="repeat">
+      <a:schemeClr val="accent1">
+        <a:tint val="50000"/>
+      </a:schemeClr>
+    </dgm:fillClrLst>
+    <dgm:linClrLst meth="repeat">
+      <a:schemeClr val="lt1"/>
+    </dgm:linClrLst>
+    <dgm:effectClrLst/>
+    <dgm:txLinClrLst/>
+    <dgm:txFillClrLst meth="repeat">
+      <a:schemeClr val="lt1"/>
+    </dgm:txFillClrLst>
+    <dgm:txEffectClrLst/>
+  </dgm:styleLbl>
+  <dgm:styleLbl name="bgImgPlace1">
+    <dgm:fillClrLst meth="repeat">
+      <a:schemeClr val="accent1">
+        <a:tint val="50000"/>
+      </a:schemeClr>
+    </dgm:fillClrLst>
+    <dgm:linClrLst meth="repeat">
+      <a:schemeClr val="lt1"/>
+    </dgm:linClrLst>
+    <dgm:effectClrLst/>
+    <dgm:txLinClrLst/>
+    <dgm:txFillClrLst meth="repeat">
+      <a:schemeClr val="lt1"/>
+    </dgm:txFillClrLst>
+    <dgm:txEffectClrLst/>
+  </dgm:styleLbl>
+  <dgm:styleLbl name="sibTrans2D1">
+    <dgm:fillClrLst meth="repeat">
+      <a:schemeClr val="accent1">
+        <a:tint val="60000"/>
+      </a:schemeClr>
+    </dgm:fillClrLst>
+    <dgm:linClrLst meth="repeat">
+      <a:schemeClr val="accent1">
+        <a:tint val="60000"/>
+      </a:schemeClr>
+    </dgm:linClrLst>
+    <dgm:effectClrLst/>
+    <dgm:txLinClrLst/>
+    <dgm:txFillClrLst/>
+    <dgm:txEffectClrLst/>
+  </dgm:styleLbl>
+  <dgm:styleLbl name="fgSibTrans2D1">
+    <dgm:fillClrLst meth="repeat">
+      <a:schemeClr val="accent1">
+        <a:tint val="60000"/>
+      </a:schemeClr>
+    </dgm:fillClrLst>
+    <dgm:linClrLst meth="repeat">
+      <a:schemeClr val="accent1">
+        <a:tint val="60000"/>
+      </a:schemeClr>
+    </dgm:linClrLst>
+    <dgm:effectClrLst/>
+    <dgm:txLinClrLst/>
+    <dgm:txFillClrLst/>
+    <dgm:txEffectClrLst/>
+  </dgm:styleLbl>
+  <dgm:styleLbl name="bgSibTrans2D1">
+    <dgm:fillClrLst meth="repeat">
+      <a:schemeClr val="accent1">
+        <a:tint val="60000"/>
+      </a:schemeClr>
+    </dgm:fillClrLst>
+    <dgm:linClrLst meth="repeat">
+      <a:schemeClr val="accent1">
+        <a:tint val="60000"/>
+      </a:schemeClr>
+    </dgm:linClrLst>
+    <dgm:effectClrLst/>
+    <dgm:txLinClrLst/>
+    <dgm:txFillClrLst/>
+    <dgm:txEffectClrLst/>
+  </dgm:styleLbl>
+  <dgm:styleLbl name="sibTrans1D1">
+    <dgm:fillClrLst meth="repeat">
+      <a:schemeClr val="accent1"/>
+    </dgm:fillClrLst>
+    <dgm:linClrLst meth="repeat">
+      <a:schemeClr val="accent1"/>
+    </dgm:linClrLst>
+    <dgm:effectClrLst/>
+    <dgm:txLinClrLst/>
+    <dgm:txFillClrLst meth="repeat">
+      <a:schemeClr val="tx1"/>
+    </dgm:txFillClrLst>
+    <dgm:txEffectClrLst/>
+  </dgm:styleLbl>
+  <dgm:styleLbl name="callout">
+    <dgm:fillClrLst meth="repeat">
+      <a:schemeClr val="accent1"/>
+    </dgm:fillClrLst>
+    <dgm:linClrLst meth="repeat">
+      <a:schemeClr val="accent1">
+        <a:tint val="50000"/>
+      </a:schemeClr>
+    </dgm:linClrLst>
+    <dgm:effectClrLst/>
+    <dgm:txLinClrLst/>
+    <dgm:txFillClrLst meth="repeat">
+      <a:schemeClr val="tx1"/>
+    </dgm:txFillClrLst>
+    <dgm:txEffectClrLst/>
+  </dgm:styleLbl>
+  <dgm:styleLbl name="asst0">
+    <dgm:fillClrLst meth="repeat">
+      <a:schemeClr val="accent1"/>
+    </dgm:fillClrLst>
+    <dgm:linClrLst meth="repeat">
+      <a:schemeClr val="lt1"/>
+    </dgm:linClrLst>
+    <dgm:effectClrLst/>
+    <dgm:txLinClrLst/>
+    <dgm:txFillClrLst/>
+    <dgm:txEffectClrLst/>
+  </dgm:styleLbl>
+  <dgm:styleLbl name="asst1">
+    <dgm:fillClrLst meth="repeat">
+      <a:schemeClr val="accent1"/>
+    </dgm:fillClrLst>
+    <dgm:linClrLst meth="repeat">
+      <a:schemeClr val="lt1"/>
+    </dgm:linClrLst>
+    <dgm:effectClrLst/>
+    <dgm:txLinClrLst/>
+    <dgm:txFillClrLst/>
+    <dgm:txEffectClrLst/>
+  </dgm:styleLbl>
+  <dgm:styleLbl name="asst2">
+    <dgm:fillClrLst meth="repeat">
+      <a:schemeClr val="accent1"/>
+    </dgm:fillClrLst>
+    <dgm:linClrLst meth="repeat">
+      <a:schemeClr val="lt1"/>
+    </dgm:linClrLst>
+    <dgm:effectClrLst/>
+    <dgm:txLinClrLst/>
+    <dgm:txFillClrLst/>
+    <dgm:txEffectClrLst/>
+  </dgm:styleLbl>
+  <dgm:styleLbl name="asst3">
+    <dgm:fillClrLst meth="repeat">
+      <a:schemeClr val="accent1"/>
+    </dgm:fillClrLst>
+    <dgm:linClrLst meth="repeat">
+      <a:schemeClr val="lt1"/>
+    </dgm:linClrLst>
+    <dgm:effectClrLst/>
+    <dgm:txLinClrLst/>
+    <dgm:txFillClrLst/>
+    <dgm:txEffectClrLst/>
+  </dgm:styleLbl>
+  <dgm:styleLbl name="asst4">
+    <dgm:fillClrLst meth="repeat">
+      <a:schemeClr val="accent1"/>
+    </dgm:fillClrLst>
+    <dgm:linClrLst meth="repeat">
+      <a:schemeClr val="lt1"/>
+    </dgm:linClrLst>
+    <dgm:effectClrLst/>
+    <dgm:txLinClrLst/>
+    <dgm:txFillClrLst/>
+    <dgm:txEffectClrLst/>
+  </dgm:styleLbl>
+  <dgm:styleLbl name="parChTrans2D1">
+    <dgm:fillClrLst meth="repeat">
+      <a:schemeClr val="accent1">
+        <a:tint val="60000"/>
+      </a:schemeClr>
+    </dgm:fillClrLst>
+    <dgm:linClrLst meth="repeat">
+      <a:schemeClr val="accent1">
+        <a:tint val="60000"/>
+      </a:schemeClr>
+    </dgm:linClrLst>
+    <dgm:effectClrLst/>
+    <dgm:txLinClrLst/>
+    <dgm:txFillClrLst meth="repeat">
+      <a:schemeClr val="lt1"/>
+    </dgm:txFillClrLst>
+    <dgm:txEffectClrLst/>
+  </dgm:styleLbl>
+  <dgm:styleLbl name="parChTrans2D2">
+    <dgm:fillClrLst meth="repeat">
+      <a:schemeClr val="accent1"/>
+    </dgm:fillClrLst>
+    <dgm:linClrLst meth="repeat">
+      <a:schemeClr val="accent1"/>
+    </dgm:linClrLst>
+    <dgm:effectClrLst/>
+    <dgm:txLinClrLst/>
+    <dgm:txFillClrLst meth="repeat">
+      <a:schemeClr val="lt1"/>
+    </dgm:txFillClrLst>
+    <dgm:txEffectClrLst/>
+  </dgm:styleLbl>
+  <dgm:styleLbl name="parChTrans2D3">
+    <dgm:fillClrLst meth="repeat">
+      <a:schemeClr val="accent1"/>
+    </dgm:fillClrLst>
+    <dgm:linClrLst meth="repeat">
+      <a:schemeClr val="accent1"/>
+    </dgm:linClrLst>
+    <dgm:effectClrLst/>
+    <dgm:txLinClrLst/>
+    <dgm:txFillClrLst meth="repeat">
+      <a:schemeClr val="lt1"/>
+    </dgm:txFillClrLst>
+    <dgm:txEffectClrLst/>
+  </dgm:styleLbl>
+  <dgm:styleLbl name="parChTrans2D4">
+    <dgm:fillClrLst meth="repeat">
+      <a:schemeClr val="accent1"/>
+    </dgm:fillClrLst>
+    <dgm:linClrLst meth="repeat">
+      <a:schemeClr val="accent1"/>
+    </dgm:linClrLst>
+    <dgm:effectClrLst/>
+    <dgm:txLinClrLst/>
+    <dgm:txFillClrLst meth="repeat">
+      <a:schemeClr val="lt1"/>
+    </dgm:txFillClrLst>
+    <dgm:txEffectClrLst/>
+  </dgm:styleLbl>
+  <dgm:styleLbl name="parChTrans1D1">
+    <dgm:fillClrLst meth="repeat">
+      <a:schemeClr val="accent1"/>
+    </dgm:fillClrLst>
+    <dgm:linClrLst meth="repeat">
+      <a:schemeClr val="accent1">
+        <a:shade val="60000"/>
+      </a:schemeClr>
+    </dgm:linClrLst>
+    <dgm:effectClrLst/>
+    <dgm:txLinClrLst/>
+    <dgm:txFillClrLst meth="repeat">
+      <a:schemeClr val="tx1"/>
+    </dgm:txFillClrLst>
+    <dgm:txEffectClrLst/>
+  </dgm:styleLbl>
+  <dgm:styleLbl name="parChTrans1D2">
+    <dgm:fillClrLst meth="repeat">
+      <a:schemeClr val="accent1"/>
+    </dgm:fillClrLst>
+    <dgm:linClrLst meth="repeat">
+      <a:schemeClr val="accent1">
+        <a:shade val="60000"/>
+      </a:schemeClr>
+    </dgm:linClrLst>
+    <dgm:effectClrLst/>
+    <dgm:txLinClrLst/>
+    <dgm:txFillClrLst meth="repeat">
+      <a:schemeClr val="tx1"/>
+    </dgm:txFillClrLst>
+    <dgm:txEffectClrLst/>
+  </dgm:styleLbl>
+  <dgm:styleLbl name="parChTrans1D3">
+    <dgm:fillClrLst meth="repeat">
+      <a:schemeClr val="accent1"/>
+    </dgm:fillClrLst>
+    <dgm:linClrLst meth="repeat">
+      <a:schemeClr val="accent1">
+        <a:shade val="80000"/>
+      </a:schemeClr>
+    </dgm:linClrLst>
+    <dgm:effectClrLst/>
+    <dgm:txLinClrLst/>
+    <dgm:txFillClrLst meth="repeat">
+      <a:schemeClr val="tx1"/>
+    </dgm:txFillClrLst>
+    <dgm:txEffectClrLst/>
+  </dgm:styleLbl>
+  <dgm:styleLbl name="parChTrans1D4">
+    <dgm:fillClrLst meth="repeat">
+      <a:schemeClr val="accent1"/>
+    </dgm:fillClrLst>
+    <dgm:linClrLst meth="repeat">
+      <a:schemeClr val="accent1">
+        <a:shade val="80000"/>
+      </a:schemeClr>
+    </dgm:linClrLst>
+    <dgm:effectClrLst/>
+    <dgm:txLinClrLst/>
+    <dgm:txFillClrLst meth="repeat">
+      <a:schemeClr val="tx1"/>
+    </dgm:txFillClrLst>
+    <dgm:txEffectClrLst/>
+  </dgm:styleLbl>
+  <dgm:styleLbl name="fgAcc1">
+    <dgm:fillClrLst meth="repeat">
+      <a:schemeClr val="lt1">
+        <a:alpha val="90000"/>
+      </a:schemeClr>
+    </dgm:fillClrLst>
+    <dgm:linClrLst meth="repeat">
+      <a:schemeClr val="accent1"/>
+    </dgm:linClrLst>
+    <dgm:effectClrLst/>
+    <dgm:txLinClrLst/>
+    <dgm:txFillClrLst meth="repeat">
+      <a:schemeClr val="dk1"/>
+    </dgm:txFillClrLst>
+    <dgm:txEffectClrLst/>
+  </dgm:styleLbl>
+  <dgm:styleLbl name="conFgAcc1">
+    <dgm:fillClrLst meth="repeat">
+      <a:schemeClr val="lt1">
+        <a:alpha val="90000"/>
+      </a:schemeClr>
+    </dgm:fillClrLst>
+    <dgm:linClrLst meth="repeat">
+      <a:schemeClr val="accent1"/>
+    </dgm:linClrLst>
+    <dgm:effectClrLst/>
+    <dgm:txLinClrLst/>
+    <dgm:txFillClrLst meth="repeat">
+      <a:schemeClr val="dk1"/>
+    </dgm:txFillClrLst>
+    <dgm:txEffectClrLst/>
+  </dgm:styleLbl>
+  <dgm:styleLbl name="alignAcc1">
+    <dgm:fillClrLst meth="repeat">
+      <a:schemeClr val="lt1">
+        <a:alpha val="90000"/>
+      </a:schemeClr>
+    </dgm:fillClrLst>
+    <dgm:linClrLst meth="repeat">
+      <a:schemeClr val="accent1"/>
+    </dgm:linClrLst>
+    <dgm:effectClrLst/>
+    <dgm:txLinClrLst/>
+    <dgm:txFillClrLst meth="repeat">
+      <a:schemeClr val="dk1"/>
+    </dgm:txFillClrLst>
+    <dgm:txEffectClrLst/>
+  </dgm:styleLbl>
+  <dgm:styleLbl name="trAlignAcc1">
+    <dgm:fillClrLst meth="repeat">
+      <a:schemeClr val="lt1">
+        <a:alpha val="40000"/>
+      </a:schemeClr>
+    </dgm:fillClrLst>
+    <dgm:linClrLst meth="repeat">
+      <a:schemeClr val="accent1"/>
+    </dgm:linClrLst>
+    <dgm:effectClrLst/>
+    <dgm:txLinClrLst/>
+    <dgm:txFillClrLst meth="repeat">
+      <a:schemeClr val="dk1"/>
+    </dgm:txFillClrLst>
+    <dgm:txEffectClrLst/>
+  </dgm:styleLbl>
+  <dgm:styleLbl name="bgAcc1">
+    <dgm:fillClrLst meth="repeat">
+      <a:schemeClr val="lt1">
+        <a:alpha val="90000"/>
+      </a:schemeClr>
+    </dgm:fillClrLst>
+    <dgm:linClrLst meth="repeat">
+      <a:schemeClr val="accent1"/>
+    </dgm:linClrLst>
+    <dgm:effectClrLst/>
+    <dgm:txLinClrLst/>
+    <dgm:txFillClrLst meth="repeat">
+      <a:schemeClr val="dk1"/>
+    </dgm:txFillClrLst>
+    <dgm:txEffectClrLst/>
+  </dgm:styleLbl>
+  <dgm:styleLbl name="solidFgAcc1">
+    <dgm:fillClrLst meth="repeat">
+      <a:schemeClr val="lt1"/>
+    </dgm:fillClrLst>
+    <dgm:linClrLst meth="repeat">
+      <a:schemeClr val="accent1"/>
+    </dgm:linClrLst>
+    <dgm:effectClrLst/>
+    <dgm:txLinClrLst/>
+    <dgm:txFillClrLst meth="repeat">
+      <a:schemeClr val="dk1"/>
+    </dgm:txFillClrLst>
+    <dgm:txEffectClrLst/>
+  </dgm:styleLbl>
+  <dgm:styleLbl name="solidAlignAcc1">
+    <dgm:fillClrLst meth="repeat">
+      <a:schemeClr val="lt1"/>
+    </dgm:fillClrLst>
+    <dgm:linClrLst meth="repeat">
+      <a:schemeClr val="accent1"/>
+    </dgm:linClrLst>
+    <dgm:effectClrLst/>
+    <dgm:txLinClrLst/>
+    <dgm:txFillClrLst meth="repeat">
+      <a:schemeClr val="dk1"/>
+    </dgm:txFillClrLst>
+    <dgm:txEffectClrLst/>
+  </dgm:styleLbl>
+  <dgm:styleLbl name="solidBgAcc1">
+    <dgm:fillClrLst meth="repeat">
+      <a:schemeClr val="lt1"/>
+    </dgm:fillClrLst>
+    <dgm:linClrLst meth="repeat">
+      <a:schemeClr val="accent1"/>
+    </dgm:linClrLst>
+    <dgm:effectClrLst/>
+    <dgm:txLinClrLst/>
+    <dgm:txFillClrLst meth="repeat">
+      <a:schemeClr val="dk1"/>
+    </dgm:txFillClrLst>
+    <dgm:txEffectClrLst/>
+  </dgm:styleLbl>
+  <dgm:styleLbl name="fgAccFollowNode1">
+    <dgm:fillClrLst meth="repeat">
+      <a:schemeClr val="accent1">
+        <a:alpha val="90000"/>
+        <a:tint val="40000"/>
+      </a:schemeClr>
+    </dgm:fillClrLst>
+    <dgm:linClrLst meth="repeat">
+      <a:schemeClr val="accent1">
+        <a:alpha val="90000"/>
+        <a:tint val="40000"/>
+      </a:schemeClr>
+    </dgm:linClrLst>
+    <dgm:effectClrLst/>
+    <dgm:txLinClrLst/>
+    <dgm:txFillClrLst meth="repeat">
+      <a:schemeClr val="dk1"/>
+    </dgm:txFillClrLst>
+    <dgm:txEffectClrLst/>
+  </dgm:styleLbl>
+  <dgm:styleLbl name="alignAccFollowNode1">
+    <dgm:fillClrLst meth="repeat">
+      <a:schemeClr val="accent1">
+        <a:alpha val="90000"/>
+        <a:tint val="40000"/>
+      </a:schemeClr>
+    </dgm:fillClrLst>
+    <dgm:linClrLst meth="repeat">
+      <a:schemeClr val="accent1">
+        <a:alpha val="90000"/>
+        <a:tint val="40000"/>
+      </a:schemeClr>
+    </dgm:linClrLst>
+    <dgm:effectClrLst/>
+    <dgm:txLinClrLst/>
+    <dgm:txFillClrLst meth="repeat">
+      <a:schemeClr val="dk1"/>
+    </dgm:txFillClrLst>
+    <dgm:txEffectClrLst/>
+  </dgm:styleLbl>
+  <dgm:styleLbl name="bgAccFollowNode1">
+    <dgm:fillClrLst meth="repeat">
+      <a:schemeClr val="accent1">
+        <a:alpha val="90000"/>
+        <a:tint val="40000"/>
+      </a:schemeClr>
+    </dgm:fillClrLst>
+    <dgm:linClrLst meth="repeat">
+      <a:schemeClr val="accent1">
+        <a:alpha val="90000"/>
+        <a:tint val="40000"/>
+      </a:schemeClr>
+    </dgm:linClrLst>
+    <dgm:effectClrLst/>
+    <dgm:txLinClrLst/>
+    <dgm:txFillClrLst meth="repeat">
+      <a:schemeClr val="dk1"/>
+    </dgm:txFillClrLst>
+    <dgm:txEffectClrLst/>
+  </dgm:styleLbl>
+  <dgm:styleLbl name="fgAcc0">
+    <dgm:fillClrLst meth="repeat">
+      <a:schemeClr val="lt1">
+        <a:alpha val="90000"/>
+      </a:schemeClr>
+    </dgm:fillClrLst>
+    <dgm:linClrLst meth="repeat">
+      <a:schemeClr val="accent1"/>
+    </dgm:linClrLst>
+    <dgm:effectClrLst/>
+    <dgm:txLinClrLst/>
+    <dgm:txFillClrLst meth="repeat">
+      <a:schemeClr val="dk1"/>
+    </dgm:txFillClrLst>
+    <dgm:txEffectClrLst/>
+  </dgm:styleLbl>
+  <dgm:styleLbl name="fgAcc2">
+    <dgm:fillClrLst meth="repeat">
+      <a:schemeClr val="lt1">
+        <a:alpha val="90000"/>
+      </a:schemeClr>
+    </dgm:fillClrLst>
+    <dgm:linClrLst meth="repeat">
+      <a:schemeClr val="accent1"/>
+    </dgm:linClrLst>
+    <dgm:effectClrLst/>
+    <dgm:txLinClrLst/>
+    <dgm:txFillClrLst meth="repeat">
+      <a:schemeClr val="dk1"/>
+    </dgm:txFillClrLst>
+    <dgm:txEffectClrLst/>
+  </dgm:styleLbl>
+  <dgm:styleLbl name="fgAcc3">
+    <dgm:fillClrLst meth="repeat">
+      <a:schemeClr val="lt1">
+        <a:alpha val="90000"/>
+      </a:schemeClr>
+    </dgm:fillClrLst>
+    <dgm:linClrLst meth="repeat">
+      <a:schemeClr val="accent1"/>
+    </dgm:linClrLst>
+    <dgm:effectClrLst/>
+    <dgm:txLinClrLst/>
+    <dgm:txFillClrLst meth="repeat">
+      <a:schemeClr val="dk1"/>
+    </dgm:txFillClrLst>
+    <dgm:txEffectClrLst/>
+  </dgm:styleLbl>
+  <dgm:styleLbl name="fgAcc4">
+    <dgm:fillClrLst meth="repeat">
+      <a:schemeClr val="lt1">
+        <a:alpha val="90000"/>
+      </a:schemeClr>
+    </dgm:fillClrLst>
+    <dgm:linClrLst meth="repeat">
+      <a:schemeClr val="accent1"/>
+    </dgm:linClrLst>
+    <dgm:effectClrLst/>
+    <dgm:txLinClrLst/>
+    <dgm:txFillClrLst meth="repeat">
+      <a:schemeClr val="dk1"/>
+    </dgm:txFillClrLst>
+    <dgm:txEffectClrLst/>
+  </dgm:styleLbl>
+  <dgm:styleLbl name="bgShp">
+    <dgm:fillClrLst meth="repeat">
+      <a:schemeClr val="accent1">
+        <a:tint val="40000"/>
+      </a:schemeClr>
+    </dgm:fillClrLst>
+    <dgm:linClrLst meth="repeat">
+      <a:schemeClr val="accent1"/>
+    </dgm:linClrLst>
+    <dgm:effectClrLst/>
+    <dgm:txLinClrLst/>
+    <dgm:txFillClrLst meth="repeat">
+      <a:schemeClr val="dk1"/>
+    </dgm:txFillClrLst>
+    <dgm:txEffectClrLst/>
+  </dgm:styleLbl>
+  <dgm:styleLbl name="dkBgShp">
+    <dgm:fillClrLst meth="repeat">
+      <a:schemeClr val="accent1">
+        <a:shade val="80000"/>
+      </a:schemeClr>
+    </dgm:fillClrLst>
+    <dgm:linClrLst meth="repeat">
+      <a:schemeClr val="accent1"/>
+    </dgm:linClrLst>
+    <dgm:effectClrLst/>
+    <dgm:txLinClrLst/>
+    <dgm:txFillClrLst meth="repeat">
+      <a:schemeClr val="lt1"/>
+    </dgm:txFillClrLst>
+    <dgm:txEffectClrLst/>
+  </dgm:styleLbl>
+  <dgm:styleLbl name="trBgShp">
+    <dgm:fillClrLst meth="repeat">
+      <a:schemeClr val="accent1">
+        <a:tint val="50000"/>
+        <a:alpha val="40000"/>
+      </a:schemeClr>
+    </dgm:fillClrLst>
+    <dgm:linClrLst meth="repeat">
+      <a:schemeClr val="accent1"/>
+    </dgm:linClrLst>
+    <dgm:effectClrLst/>
+    <dgm:txLinClrLst/>
+    <dgm:txFillClrLst meth="repeat">
+      <a:schemeClr val="lt1"/>
+    </dgm:txFillClrLst>
+    <dgm:txEffectClrLst/>
+  </dgm:styleLbl>
+  <dgm:styleLbl name="fgShp">
+    <dgm:fillClrLst meth="repeat">
+      <a:schemeClr val="accent1">
+        <a:tint val="60000"/>
+      </a:schemeClr>
+    </dgm:fillClrLst>
+    <dgm:linClrLst meth="repeat">
+      <a:schemeClr val="lt1"/>
+    </dgm:linClrLst>
+    <dgm:effectClrLst/>
+    <dgm:txLinClrLst/>
+    <dgm:txFillClrLst meth="repeat">
+      <a:schemeClr val="dk1"/>
+    </dgm:txFillClrLst>
+    <dgm:txEffectClrLst/>
+  </dgm:styleLbl>
+  <dgm:styleLbl name="revTx">
+    <dgm:fillClrLst meth="repeat">
+      <a:schemeClr val="lt1">
+        <a:alpha val="0"/>
+      </a:schemeClr>
+    </dgm:fillClrLst>
+    <dgm:linClrLst meth="repeat">
+      <a:schemeClr val="dk1">
+        <a:alpha val="0"/>
+      </a:schemeClr>
+    </dgm:linClrLst>
+    <dgm:effectClrLst/>
+    <dgm:txLinClrLst/>
+    <dgm:txFillClrLst meth="repeat">
+      <a:schemeClr val="tx1"/>
+    </dgm:txFillClrLst>
+    <dgm:txEffectClrLst/>
+  </dgm:styleLbl>
+</dgm:colorsDef>
+</file>
+
+<file path=ppt/diagrams/data1.xml><?xml version="1.0" encoding="utf-8"?>
+<dgm:dataModel xmlns:dgm="http://schemas.openxmlformats.org/drawingml/2006/diagram" xmlns:a="http://schemas.openxmlformats.org/drawingml/2006/main">
+  <dgm:ptLst>
+    <dgm:pt modelId="{04F0DEAA-6E82-4BDE-BBDF-D8D5CE3A367C}" type="doc">
+      <dgm:prSet loTypeId="urn:microsoft.com/office/officeart/2005/8/layout/hProcess6" loCatId="process" qsTypeId="urn:microsoft.com/office/officeart/2005/8/quickstyle/simple1" qsCatId="simple" csTypeId="urn:microsoft.com/office/officeart/2005/8/colors/accent1_2" csCatId="accent1" phldr="1"/>
+      <dgm:spPr/>
+      <dgm:t>
+        <a:bodyPr/>
+        <a:lstStyle/>
+        <a:p>
+          <a:endParaRPr lang="en-US"/>
+        </a:p>
+      </dgm:t>
+    </dgm:pt>
+    <dgm:pt modelId="{5998B12A-25C9-4153-B8DE-C1CC17F55830}">
+      <dgm:prSet phldrT="[Text]"/>
+      <dgm:spPr/>
+      <dgm:t>
+        <a:bodyPr/>
+        <a:lstStyle/>
+        <a:p>
+          <a:r>
+            <a:rPr lang="en-US" dirty="0"/>
+            <a:t>1G</a:t>
+          </a:r>
+        </a:p>
+      </dgm:t>
+    </dgm:pt>
+    <dgm:pt modelId="{1EC291D1-8988-469F-AE64-C15A9CDBBBA2}" type="parTrans" cxnId="{F9BF8080-2DBA-4E8B-9E52-FAAD894E0525}">
+      <dgm:prSet/>
+      <dgm:spPr/>
+      <dgm:t>
+        <a:bodyPr/>
+        <a:lstStyle/>
+        <a:p>
+          <a:endParaRPr lang="en-US"/>
+        </a:p>
+      </dgm:t>
+    </dgm:pt>
+    <dgm:pt modelId="{76E63DFB-1C7D-499E-802C-AD719E68F89F}" type="sibTrans" cxnId="{F9BF8080-2DBA-4E8B-9E52-FAAD894E0525}">
+      <dgm:prSet/>
+      <dgm:spPr/>
+      <dgm:t>
+        <a:bodyPr/>
+        <a:lstStyle/>
+        <a:p>
+          <a:endParaRPr lang="en-US"/>
+        </a:p>
+      </dgm:t>
+    </dgm:pt>
+    <dgm:pt modelId="{C66BA730-C78D-467B-9A1E-A2DA8B19680E}">
+      <dgm:prSet phldrT="[Text]" phldr="1"/>
+      <dgm:spPr/>
+      <dgm:t>
+        <a:bodyPr/>
+        <a:lstStyle/>
+        <a:p>
+          <a:endParaRPr lang="en-US"/>
+        </a:p>
+      </dgm:t>
+    </dgm:pt>
+    <dgm:pt modelId="{B63E6922-8A26-4469-9B04-9DC0E5B9EB13}" type="parTrans" cxnId="{13DC82A0-8C8E-415F-A0CC-807E50B4A0D6}">
+      <dgm:prSet/>
+      <dgm:spPr/>
+      <dgm:t>
+        <a:bodyPr/>
+        <a:lstStyle/>
+        <a:p>
+          <a:endParaRPr lang="en-US"/>
+        </a:p>
+      </dgm:t>
+    </dgm:pt>
+    <dgm:pt modelId="{6B4518AD-04A5-49B5-8527-A85D2BC9BD3E}" type="sibTrans" cxnId="{13DC82A0-8C8E-415F-A0CC-807E50B4A0D6}">
+      <dgm:prSet/>
+      <dgm:spPr/>
+      <dgm:t>
+        <a:bodyPr/>
+        <a:lstStyle/>
+        <a:p>
+          <a:endParaRPr lang="en-US"/>
+        </a:p>
+      </dgm:t>
+    </dgm:pt>
+    <dgm:pt modelId="{3E76CCF3-FAA1-4AA6-9D18-102C714CF40F}">
+      <dgm:prSet phldrT="[Text]" phldr="1"/>
+      <dgm:spPr/>
+      <dgm:t>
+        <a:bodyPr/>
+        <a:lstStyle/>
+        <a:p>
+          <a:endParaRPr lang="en-US"/>
+        </a:p>
+      </dgm:t>
+    </dgm:pt>
+    <dgm:pt modelId="{25E7068C-4EEE-40E1-A17A-59DEE6790FCC}" type="parTrans" cxnId="{983AB15E-F03B-4164-9F25-ADB9611D5EF8}">
+      <dgm:prSet/>
+      <dgm:spPr/>
+      <dgm:t>
+        <a:bodyPr/>
+        <a:lstStyle/>
+        <a:p>
+          <a:endParaRPr lang="en-US"/>
+        </a:p>
+      </dgm:t>
+    </dgm:pt>
+    <dgm:pt modelId="{1C3939A5-AC73-48A7-BA7B-3E71109E201D}" type="sibTrans" cxnId="{983AB15E-F03B-4164-9F25-ADB9611D5EF8}">
+      <dgm:prSet/>
+      <dgm:spPr/>
+      <dgm:t>
+        <a:bodyPr/>
+        <a:lstStyle/>
+        <a:p>
+          <a:endParaRPr lang="en-US"/>
+        </a:p>
+      </dgm:t>
+    </dgm:pt>
+    <dgm:pt modelId="{C50898A7-29C8-4A02-8AA2-6A783B3E3532}">
+      <dgm:prSet phldrT="[Text]"/>
+      <dgm:spPr/>
+      <dgm:t>
+        <a:bodyPr/>
+        <a:lstStyle/>
+        <a:p>
+          <a:r>
+            <a:rPr lang="en-US" dirty="0"/>
+            <a:t>2G</a:t>
+          </a:r>
+        </a:p>
+      </dgm:t>
+    </dgm:pt>
+    <dgm:pt modelId="{0EF7B30A-171F-48AD-A2A8-6636654E2BA7}" type="parTrans" cxnId="{CBE4E2AD-EF67-432E-97D6-A68F9FF56871}">
+      <dgm:prSet/>
+      <dgm:spPr/>
+      <dgm:t>
+        <a:bodyPr/>
+        <a:lstStyle/>
+        <a:p>
+          <a:endParaRPr lang="en-US"/>
+        </a:p>
+      </dgm:t>
+    </dgm:pt>
+    <dgm:pt modelId="{423B9E43-BF99-43C7-868C-3DCB776AE4B9}" type="sibTrans" cxnId="{CBE4E2AD-EF67-432E-97D6-A68F9FF56871}">
+      <dgm:prSet/>
+      <dgm:spPr/>
+      <dgm:t>
+        <a:bodyPr/>
+        <a:lstStyle/>
+        <a:p>
+          <a:endParaRPr lang="en-US"/>
+        </a:p>
+      </dgm:t>
+    </dgm:pt>
+    <dgm:pt modelId="{F38B5D13-ABA7-40D9-9602-A9D9ADF720EC}">
+      <dgm:prSet phldrT="[Text]" phldr="1"/>
+      <dgm:spPr/>
+      <dgm:t>
+        <a:bodyPr/>
+        <a:lstStyle/>
+        <a:p>
+          <a:endParaRPr lang="en-US"/>
+        </a:p>
+      </dgm:t>
+    </dgm:pt>
+    <dgm:pt modelId="{1502757E-B4B4-48D7-BCE7-2DB84D70B972}" type="parTrans" cxnId="{F7AD8EFF-FBAE-462E-A8A7-04A6E9BD6B54}">
+      <dgm:prSet/>
+      <dgm:spPr/>
+      <dgm:t>
+        <a:bodyPr/>
+        <a:lstStyle/>
+        <a:p>
+          <a:endParaRPr lang="en-US"/>
+        </a:p>
+      </dgm:t>
+    </dgm:pt>
+    <dgm:pt modelId="{3F37C73F-55F2-4499-9205-FE95C61F99AE}" type="sibTrans" cxnId="{F7AD8EFF-FBAE-462E-A8A7-04A6E9BD6B54}">
+      <dgm:prSet/>
+      <dgm:spPr/>
+      <dgm:t>
+        <a:bodyPr/>
+        <a:lstStyle/>
+        <a:p>
+          <a:endParaRPr lang="en-US"/>
+        </a:p>
+      </dgm:t>
+    </dgm:pt>
+    <dgm:pt modelId="{0DE4F946-0C28-4F34-8E37-940F8F54FCB4}">
+      <dgm:prSet phldrT="[Text]" phldr="1"/>
+      <dgm:spPr/>
+      <dgm:t>
+        <a:bodyPr/>
+        <a:lstStyle/>
+        <a:p>
+          <a:endParaRPr lang="en-US"/>
+        </a:p>
+      </dgm:t>
+    </dgm:pt>
+    <dgm:pt modelId="{1950640E-40B4-46AC-B339-27CE805B5881}" type="parTrans" cxnId="{94749F8A-01E2-43CA-997A-18CBE5ABD3B2}">
+      <dgm:prSet/>
+      <dgm:spPr/>
+      <dgm:t>
+        <a:bodyPr/>
+        <a:lstStyle/>
+        <a:p>
+          <a:endParaRPr lang="en-US"/>
+        </a:p>
+      </dgm:t>
+    </dgm:pt>
+    <dgm:pt modelId="{172214DD-762C-4FFE-9E89-87718EA04B5E}" type="sibTrans" cxnId="{94749F8A-01E2-43CA-997A-18CBE5ABD3B2}">
+      <dgm:prSet/>
+      <dgm:spPr/>
+      <dgm:t>
+        <a:bodyPr/>
+        <a:lstStyle/>
+        <a:p>
+          <a:endParaRPr lang="en-US"/>
+        </a:p>
+      </dgm:t>
+    </dgm:pt>
+    <dgm:pt modelId="{67CD25D9-D850-4E03-B756-9E0EC7F97B41}">
+      <dgm:prSet phldrT="[Text]"/>
+      <dgm:spPr/>
+      <dgm:t>
+        <a:bodyPr/>
+        <a:lstStyle/>
+        <a:p>
+          <a:r>
+            <a:rPr lang="en-US" dirty="0"/>
+            <a:t>3G</a:t>
+          </a:r>
+        </a:p>
+      </dgm:t>
+    </dgm:pt>
+    <dgm:pt modelId="{1A9B4799-8BD3-41E8-A01C-A4ECD9B8291D}" type="parTrans" cxnId="{10371D4D-DC4D-497C-8E7E-89C34337E472}">
+      <dgm:prSet/>
+      <dgm:spPr/>
+      <dgm:t>
+        <a:bodyPr/>
+        <a:lstStyle/>
+        <a:p>
+          <a:endParaRPr lang="en-US"/>
+        </a:p>
+      </dgm:t>
+    </dgm:pt>
+    <dgm:pt modelId="{8A3745FC-D519-45D7-AB4B-B5FF06AB8719}" type="sibTrans" cxnId="{10371D4D-DC4D-497C-8E7E-89C34337E472}">
+      <dgm:prSet/>
+      <dgm:spPr/>
+      <dgm:t>
+        <a:bodyPr/>
+        <a:lstStyle/>
+        <a:p>
+          <a:endParaRPr lang="en-US"/>
+        </a:p>
+      </dgm:t>
+    </dgm:pt>
+    <dgm:pt modelId="{403CB419-AF42-43BE-9482-9A125385F989}">
+      <dgm:prSet phldrT="[Text]" phldr="1"/>
+      <dgm:spPr/>
+      <dgm:t>
+        <a:bodyPr/>
+        <a:lstStyle/>
+        <a:p>
+          <a:endParaRPr lang="en-US"/>
+        </a:p>
+      </dgm:t>
+    </dgm:pt>
+    <dgm:pt modelId="{3A749F07-324A-4ABB-BCBE-A2AB2C722490}" type="parTrans" cxnId="{03902A0E-0A32-4EE8-8A67-B3B57DDAAC89}">
+      <dgm:prSet/>
+      <dgm:spPr/>
+      <dgm:t>
+        <a:bodyPr/>
+        <a:lstStyle/>
+        <a:p>
+          <a:endParaRPr lang="en-US"/>
+        </a:p>
+      </dgm:t>
+    </dgm:pt>
+    <dgm:pt modelId="{1CE16CC4-AE9A-4F96-94FA-7233CDAFE4E3}" type="sibTrans" cxnId="{03902A0E-0A32-4EE8-8A67-B3B57DDAAC89}">
+      <dgm:prSet/>
+      <dgm:spPr/>
+      <dgm:t>
+        <a:bodyPr/>
+        <a:lstStyle/>
+        <a:p>
+          <a:endParaRPr lang="en-US"/>
+        </a:p>
+      </dgm:t>
+    </dgm:pt>
+    <dgm:pt modelId="{8D7659F7-46AB-4A00-8A9A-87E96A28B3E9}">
+      <dgm:prSet phldrT="[Text]" phldr="1"/>
+      <dgm:spPr/>
+      <dgm:t>
+        <a:bodyPr/>
+        <a:lstStyle/>
+        <a:p>
+          <a:endParaRPr lang="en-US" dirty="0"/>
+        </a:p>
+      </dgm:t>
+    </dgm:pt>
+    <dgm:pt modelId="{EAA0690F-6DEA-4204-8B17-1303446E1BB4}" type="parTrans" cxnId="{62299F67-3945-4B28-8A68-664C1690A597}">
+      <dgm:prSet/>
+      <dgm:spPr/>
+      <dgm:t>
+        <a:bodyPr/>
+        <a:lstStyle/>
+        <a:p>
+          <a:endParaRPr lang="en-US"/>
+        </a:p>
+      </dgm:t>
+    </dgm:pt>
+    <dgm:pt modelId="{AD0C57F3-6250-4085-A956-0B96DD9CE078}" type="sibTrans" cxnId="{62299F67-3945-4B28-8A68-664C1690A597}">
+      <dgm:prSet/>
+      <dgm:spPr/>
+      <dgm:t>
+        <a:bodyPr/>
+        <a:lstStyle/>
+        <a:p>
+          <a:endParaRPr lang="en-US"/>
+        </a:p>
+      </dgm:t>
+    </dgm:pt>
+    <dgm:pt modelId="{E91B0387-545C-45D3-AB1A-AFC202E96CA2}">
+      <dgm:prSet phldrT="[Text]"/>
+      <dgm:spPr/>
+      <dgm:t>
+        <a:bodyPr/>
+        <a:lstStyle/>
+        <a:p>
+          <a:r>
+            <a:rPr lang="en-US" dirty="0"/>
+            <a:t>4G</a:t>
+          </a:r>
+        </a:p>
+      </dgm:t>
+    </dgm:pt>
+    <dgm:pt modelId="{8E59EDC6-6D28-405D-B88C-DDD42E10ED1E}" type="parTrans" cxnId="{A85541C2-4459-44C1-8638-FF6FF54106C3}">
+      <dgm:prSet/>
+      <dgm:spPr/>
+      <dgm:t>
+        <a:bodyPr/>
+        <a:lstStyle/>
+        <a:p>
+          <a:endParaRPr lang="en-US"/>
+        </a:p>
+      </dgm:t>
+    </dgm:pt>
+    <dgm:pt modelId="{ED36A45B-4A4D-412D-AEAC-4489FF89B888}" type="sibTrans" cxnId="{A85541C2-4459-44C1-8638-FF6FF54106C3}">
+      <dgm:prSet/>
+      <dgm:spPr/>
+      <dgm:t>
+        <a:bodyPr/>
+        <a:lstStyle/>
+        <a:p>
+          <a:endParaRPr lang="en-US"/>
+        </a:p>
+      </dgm:t>
+    </dgm:pt>
+    <dgm:pt modelId="{D082C073-F84F-448F-98FD-0A1F5BAE3671}" type="pres">
+      <dgm:prSet presAssocID="{04F0DEAA-6E82-4BDE-BBDF-D8D5CE3A367C}" presName="theList" presStyleCnt="0">
+        <dgm:presLayoutVars>
+          <dgm:dir/>
+          <dgm:animLvl val="lvl"/>
+          <dgm:resizeHandles val="exact"/>
+        </dgm:presLayoutVars>
+      </dgm:prSet>
+      <dgm:spPr/>
+    </dgm:pt>
+    <dgm:pt modelId="{E04ACD54-E2B6-46C9-B697-2412FF07C526}" type="pres">
+      <dgm:prSet presAssocID="{5998B12A-25C9-4153-B8DE-C1CC17F55830}" presName="compNode" presStyleCnt="0"/>
+      <dgm:spPr/>
+    </dgm:pt>
+    <dgm:pt modelId="{BC1157D9-16D3-47B0-A00E-DF636F6F2960}" type="pres">
+      <dgm:prSet presAssocID="{5998B12A-25C9-4153-B8DE-C1CC17F55830}" presName="noGeometry" presStyleCnt="0"/>
+      <dgm:spPr/>
+    </dgm:pt>
+    <dgm:pt modelId="{1A878667-8898-4B02-B072-4194B95908D3}" type="pres">
+      <dgm:prSet presAssocID="{5998B12A-25C9-4153-B8DE-C1CC17F55830}" presName="childTextVisible" presStyleLbl="bgAccFollowNode1" presStyleIdx="0" presStyleCnt="4">
+        <dgm:presLayoutVars>
+          <dgm:bulletEnabled val="1"/>
+        </dgm:presLayoutVars>
+      </dgm:prSet>
+      <dgm:spPr/>
+    </dgm:pt>
+    <dgm:pt modelId="{BE054C5B-021C-447E-87D9-C44A631D168B}" type="pres">
+      <dgm:prSet presAssocID="{5998B12A-25C9-4153-B8DE-C1CC17F55830}" presName="childTextHidden" presStyleLbl="bgAccFollowNode1" presStyleIdx="0" presStyleCnt="4"/>
+      <dgm:spPr/>
+    </dgm:pt>
+    <dgm:pt modelId="{8B9101BB-F59B-482E-AD47-6D5C6D13F4DD}" type="pres">
+      <dgm:prSet presAssocID="{5998B12A-25C9-4153-B8DE-C1CC17F55830}" presName="parentText" presStyleLbl="node1" presStyleIdx="0" presStyleCnt="4">
+        <dgm:presLayoutVars>
+          <dgm:chMax val="1"/>
+          <dgm:bulletEnabled val="1"/>
+        </dgm:presLayoutVars>
+      </dgm:prSet>
+      <dgm:spPr/>
+    </dgm:pt>
+    <dgm:pt modelId="{8F20E048-2CBA-43A2-8628-16B32591A7DE}" type="pres">
+      <dgm:prSet presAssocID="{5998B12A-25C9-4153-B8DE-C1CC17F55830}" presName="aSpace" presStyleCnt="0"/>
+      <dgm:spPr/>
+    </dgm:pt>
+    <dgm:pt modelId="{02C3C5FC-5CE8-4E37-AB06-F73EE0BEB8E5}" type="pres">
+      <dgm:prSet presAssocID="{C50898A7-29C8-4A02-8AA2-6A783B3E3532}" presName="compNode" presStyleCnt="0"/>
+      <dgm:spPr/>
+    </dgm:pt>
+    <dgm:pt modelId="{5DE637A4-115D-48C9-90F6-AB8225317E34}" type="pres">
+      <dgm:prSet presAssocID="{C50898A7-29C8-4A02-8AA2-6A783B3E3532}" presName="noGeometry" presStyleCnt="0"/>
+      <dgm:spPr/>
+    </dgm:pt>
+    <dgm:pt modelId="{20BAF0C8-0B21-4FA5-9CCE-8720D9D07FCA}" type="pres">
+      <dgm:prSet presAssocID="{C50898A7-29C8-4A02-8AA2-6A783B3E3532}" presName="childTextVisible" presStyleLbl="bgAccFollowNode1" presStyleIdx="1" presStyleCnt="4">
+        <dgm:presLayoutVars>
+          <dgm:bulletEnabled val="1"/>
+        </dgm:presLayoutVars>
+      </dgm:prSet>
+      <dgm:spPr/>
+    </dgm:pt>
+    <dgm:pt modelId="{FE46435F-E0E1-486C-805C-B3C49D42985C}" type="pres">
+      <dgm:prSet presAssocID="{C50898A7-29C8-4A02-8AA2-6A783B3E3532}" presName="childTextHidden" presStyleLbl="bgAccFollowNode1" presStyleIdx="1" presStyleCnt="4"/>
+      <dgm:spPr/>
+    </dgm:pt>
+    <dgm:pt modelId="{93A919E0-81BA-43CA-90F2-E82F79C47E37}" type="pres">
+      <dgm:prSet presAssocID="{C50898A7-29C8-4A02-8AA2-6A783B3E3532}" presName="parentText" presStyleLbl="node1" presStyleIdx="1" presStyleCnt="4">
+        <dgm:presLayoutVars>
+          <dgm:chMax val="1"/>
+          <dgm:bulletEnabled val="1"/>
+        </dgm:presLayoutVars>
+      </dgm:prSet>
+      <dgm:spPr/>
+    </dgm:pt>
+    <dgm:pt modelId="{398A5E3A-F403-4393-A341-EFCE62674ED1}" type="pres">
+      <dgm:prSet presAssocID="{C50898A7-29C8-4A02-8AA2-6A783B3E3532}" presName="aSpace" presStyleCnt="0"/>
+      <dgm:spPr/>
+    </dgm:pt>
+    <dgm:pt modelId="{3F9644DB-320F-4D5D-A318-F38978D8F628}" type="pres">
+      <dgm:prSet presAssocID="{67CD25D9-D850-4E03-B756-9E0EC7F97B41}" presName="compNode" presStyleCnt="0"/>
+      <dgm:spPr/>
+    </dgm:pt>
+    <dgm:pt modelId="{01597CC8-48B9-471F-8DC7-E168BBFF678C}" type="pres">
+      <dgm:prSet presAssocID="{67CD25D9-D850-4E03-B756-9E0EC7F97B41}" presName="noGeometry" presStyleCnt="0"/>
+      <dgm:spPr/>
+    </dgm:pt>
+    <dgm:pt modelId="{03956BAF-F3F7-4E46-AB3D-18F8DBD83F65}" type="pres">
+      <dgm:prSet presAssocID="{67CD25D9-D850-4E03-B756-9E0EC7F97B41}" presName="childTextVisible" presStyleLbl="bgAccFollowNode1" presStyleIdx="2" presStyleCnt="4">
+        <dgm:presLayoutVars>
+          <dgm:bulletEnabled val="1"/>
+        </dgm:presLayoutVars>
+      </dgm:prSet>
+      <dgm:spPr/>
+    </dgm:pt>
+    <dgm:pt modelId="{07528598-6CFA-417C-B704-59BDEA95B50D}" type="pres">
+      <dgm:prSet presAssocID="{67CD25D9-D850-4E03-B756-9E0EC7F97B41}" presName="childTextHidden" presStyleLbl="bgAccFollowNode1" presStyleIdx="2" presStyleCnt="4"/>
+      <dgm:spPr/>
+    </dgm:pt>
+    <dgm:pt modelId="{85CE0E2D-5E3A-4D99-9885-DF632FD1C5D1}" type="pres">
+      <dgm:prSet presAssocID="{67CD25D9-D850-4E03-B756-9E0EC7F97B41}" presName="parentText" presStyleLbl="node1" presStyleIdx="2" presStyleCnt="4">
+        <dgm:presLayoutVars>
+          <dgm:chMax val="1"/>
+          <dgm:bulletEnabled val="1"/>
+        </dgm:presLayoutVars>
+      </dgm:prSet>
+      <dgm:spPr/>
+    </dgm:pt>
+    <dgm:pt modelId="{DBB470E4-A1CC-454B-8F53-44515AFDC4CC}" type="pres">
+      <dgm:prSet presAssocID="{67CD25D9-D850-4E03-B756-9E0EC7F97B41}" presName="aSpace" presStyleCnt="0"/>
+      <dgm:spPr/>
+    </dgm:pt>
+    <dgm:pt modelId="{7A25561A-0E40-48C9-BF26-3CDC47BC2778}" type="pres">
+      <dgm:prSet presAssocID="{E91B0387-545C-45D3-AB1A-AFC202E96CA2}" presName="compNode" presStyleCnt="0"/>
+      <dgm:spPr/>
+    </dgm:pt>
+    <dgm:pt modelId="{891EE178-80A9-4286-A545-C2E32DE1DC8F}" type="pres">
+      <dgm:prSet presAssocID="{E91B0387-545C-45D3-AB1A-AFC202E96CA2}" presName="noGeometry" presStyleCnt="0"/>
+      <dgm:spPr/>
+    </dgm:pt>
+    <dgm:pt modelId="{77767C37-72D9-4FBE-A8C3-6B8F9C9001EB}" type="pres">
+      <dgm:prSet presAssocID="{E91B0387-545C-45D3-AB1A-AFC202E96CA2}" presName="childTextVisible" presStyleLbl="bgAccFollowNode1" presStyleIdx="3" presStyleCnt="4">
+        <dgm:presLayoutVars>
+          <dgm:bulletEnabled val="1"/>
+        </dgm:presLayoutVars>
+      </dgm:prSet>
+      <dgm:spPr/>
+    </dgm:pt>
+    <dgm:pt modelId="{FB695A41-4E55-4942-8493-710A55076E7E}" type="pres">
+      <dgm:prSet presAssocID="{E91B0387-545C-45D3-AB1A-AFC202E96CA2}" presName="childTextHidden" presStyleLbl="bgAccFollowNode1" presStyleIdx="3" presStyleCnt="4"/>
+      <dgm:spPr/>
+    </dgm:pt>
+    <dgm:pt modelId="{37468888-3F24-49E1-8D2D-B8F5E948C6DD}" type="pres">
+      <dgm:prSet presAssocID="{E91B0387-545C-45D3-AB1A-AFC202E96CA2}" presName="parentText" presStyleLbl="node1" presStyleIdx="3" presStyleCnt="4">
+        <dgm:presLayoutVars>
+          <dgm:chMax val="1"/>
+          <dgm:bulletEnabled val="1"/>
+        </dgm:presLayoutVars>
+      </dgm:prSet>
+      <dgm:spPr/>
+    </dgm:pt>
+  </dgm:ptLst>
+  <dgm:cxnLst>
+    <dgm:cxn modelId="{5A45060E-C3F5-4999-A2D4-49A5EA57D57D}" type="presOf" srcId="{3E76CCF3-FAA1-4AA6-9D18-102C714CF40F}" destId="{BE054C5B-021C-447E-87D9-C44A631D168B}" srcOrd="1" destOrd="1" presId="urn:microsoft.com/office/officeart/2005/8/layout/hProcess6"/>
+    <dgm:cxn modelId="{03902A0E-0A32-4EE8-8A67-B3B57DDAAC89}" srcId="{67CD25D9-D850-4E03-B756-9E0EC7F97B41}" destId="{403CB419-AF42-43BE-9482-9A125385F989}" srcOrd="0" destOrd="0" parTransId="{3A749F07-324A-4ABB-BCBE-A2AB2C722490}" sibTransId="{1CE16CC4-AE9A-4F96-94FA-7233CDAFE4E3}"/>
+    <dgm:cxn modelId="{2E92071B-0F07-4D35-8981-3F7E91C459D8}" type="presOf" srcId="{C66BA730-C78D-467B-9A1E-A2DA8B19680E}" destId="{BE054C5B-021C-447E-87D9-C44A631D168B}" srcOrd="1" destOrd="0" presId="urn:microsoft.com/office/officeart/2005/8/layout/hProcess6"/>
+    <dgm:cxn modelId="{A6DFBD22-A511-45D9-93FC-0FA6171031EA}" type="presOf" srcId="{F38B5D13-ABA7-40D9-9602-A9D9ADF720EC}" destId="{20BAF0C8-0B21-4FA5-9CCE-8720D9D07FCA}" srcOrd="0" destOrd="0" presId="urn:microsoft.com/office/officeart/2005/8/layout/hProcess6"/>
+    <dgm:cxn modelId="{A0D6B02A-7A31-4089-93C3-36237B8BC839}" type="presOf" srcId="{0DE4F946-0C28-4F34-8E37-940F8F54FCB4}" destId="{20BAF0C8-0B21-4FA5-9CCE-8720D9D07FCA}" srcOrd="0" destOrd="1" presId="urn:microsoft.com/office/officeart/2005/8/layout/hProcess6"/>
+    <dgm:cxn modelId="{AD21F532-8B6F-406A-B5DB-E8A41D0A84FA}" type="presOf" srcId="{C50898A7-29C8-4A02-8AA2-6A783B3E3532}" destId="{93A919E0-81BA-43CA-90F2-E82F79C47E37}" srcOrd="0" destOrd="0" presId="urn:microsoft.com/office/officeart/2005/8/layout/hProcess6"/>
+    <dgm:cxn modelId="{D3B0875C-2C2F-486A-8910-8E4C6D3069A9}" type="presOf" srcId="{C66BA730-C78D-467B-9A1E-A2DA8B19680E}" destId="{1A878667-8898-4B02-B072-4194B95908D3}" srcOrd="0" destOrd="0" presId="urn:microsoft.com/office/officeart/2005/8/layout/hProcess6"/>
+    <dgm:cxn modelId="{983AB15E-F03B-4164-9F25-ADB9611D5EF8}" srcId="{5998B12A-25C9-4153-B8DE-C1CC17F55830}" destId="{3E76CCF3-FAA1-4AA6-9D18-102C714CF40F}" srcOrd="1" destOrd="0" parTransId="{25E7068C-4EEE-40E1-A17A-59DEE6790FCC}" sibTransId="{1C3939A5-AC73-48A7-BA7B-3E71109E201D}"/>
+    <dgm:cxn modelId="{62299F67-3945-4B28-8A68-664C1690A597}" srcId="{67CD25D9-D850-4E03-B756-9E0EC7F97B41}" destId="{8D7659F7-46AB-4A00-8A9A-87E96A28B3E9}" srcOrd="1" destOrd="0" parTransId="{EAA0690F-6DEA-4204-8B17-1303446E1BB4}" sibTransId="{AD0C57F3-6250-4085-A956-0B96DD9CE078}"/>
+    <dgm:cxn modelId="{10371D4D-DC4D-497C-8E7E-89C34337E472}" srcId="{04F0DEAA-6E82-4BDE-BBDF-D8D5CE3A367C}" destId="{67CD25D9-D850-4E03-B756-9E0EC7F97B41}" srcOrd="2" destOrd="0" parTransId="{1A9B4799-8BD3-41E8-A01C-A4ECD9B8291D}" sibTransId="{8A3745FC-D519-45D7-AB4B-B5FF06AB8719}"/>
+    <dgm:cxn modelId="{FD442A7F-C5F6-46BB-AA94-B492BE83A5A0}" type="presOf" srcId="{F38B5D13-ABA7-40D9-9602-A9D9ADF720EC}" destId="{FE46435F-E0E1-486C-805C-B3C49D42985C}" srcOrd="1" destOrd="0" presId="urn:microsoft.com/office/officeart/2005/8/layout/hProcess6"/>
+    <dgm:cxn modelId="{F9BF8080-2DBA-4E8B-9E52-FAAD894E0525}" srcId="{04F0DEAA-6E82-4BDE-BBDF-D8D5CE3A367C}" destId="{5998B12A-25C9-4153-B8DE-C1CC17F55830}" srcOrd="0" destOrd="0" parTransId="{1EC291D1-8988-469F-AE64-C15A9CDBBBA2}" sibTransId="{76E63DFB-1C7D-499E-802C-AD719E68F89F}"/>
+    <dgm:cxn modelId="{94749F8A-01E2-43CA-997A-18CBE5ABD3B2}" srcId="{C50898A7-29C8-4A02-8AA2-6A783B3E3532}" destId="{0DE4F946-0C28-4F34-8E37-940F8F54FCB4}" srcOrd="1" destOrd="0" parTransId="{1950640E-40B4-46AC-B339-27CE805B5881}" sibTransId="{172214DD-762C-4FFE-9E89-87718EA04B5E}"/>
+    <dgm:cxn modelId="{23C69595-634C-4204-AEE2-060BB79EC54D}" type="presOf" srcId="{403CB419-AF42-43BE-9482-9A125385F989}" destId="{07528598-6CFA-417C-B704-59BDEA95B50D}" srcOrd="1" destOrd="0" presId="urn:microsoft.com/office/officeart/2005/8/layout/hProcess6"/>
+    <dgm:cxn modelId="{13DC82A0-8C8E-415F-A0CC-807E50B4A0D6}" srcId="{5998B12A-25C9-4153-B8DE-C1CC17F55830}" destId="{C66BA730-C78D-467B-9A1E-A2DA8B19680E}" srcOrd="0" destOrd="0" parTransId="{B63E6922-8A26-4469-9B04-9DC0E5B9EB13}" sibTransId="{6B4518AD-04A5-49B5-8527-A85D2BC9BD3E}"/>
+    <dgm:cxn modelId="{CBE4E2AD-EF67-432E-97D6-A68F9FF56871}" srcId="{04F0DEAA-6E82-4BDE-BBDF-D8D5CE3A367C}" destId="{C50898A7-29C8-4A02-8AA2-6A783B3E3532}" srcOrd="1" destOrd="0" parTransId="{0EF7B30A-171F-48AD-A2A8-6636654E2BA7}" sibTransId="{423B9E43-BF99-43C7-868C-3DCB776AE4B9}"/>
+    <dgm:cxn modelId="{A85541C2-4459-44C1-8638-FF6FF54106C3}" srcId="{04F0DEAA-6E82-4BDE-BBDF-D8D5CE3A367C}" destId="{E91B0387-545C-45D3-AB1A-AFC202E96CA2}" srcOrd="3" destOrd="0" parTransId="{8E59EDC6-6D28-405D-B88C-DDD42E10ED1E}" sibTransId="{ED36A45B-4A4D-412D-AEAC-4489FF89B888}"/>
+    <dgm:cxn modelId="{84A805C6-1DB9-4722-8F3D-2A0F12097661}" type="presOf" srcId="{8D7659F7-46AB-4A00-8A9A-87E96A28B3E9}" destId="{03956BAF-F3F7-4E46-AB3D-18F8DBD83F65}" srcOrd="0" destOrd="1" presId="urn:microsoft.com/office/officeart/2005/8/layout/hProcess6"/>
+    <dgm:cxn modelId="{7E1E18C6-5E41-4580-9FDA-E53C2A179F5C}" type="presOf" srcId="{403CB419-AF42-43BE-9482-9A125385F989}" destId="{03956BAF-F3F7-4E46-AB3D-18F8DBD83F65}" srcOrd="0" destOrd="0" presId="urn:microsoft.com/office/officeart/2005/8/layout/hProcess6"/>
+    <dgm:cxn modelId="{4F8926CA-5783-455F-98AC-86A6F5D1608E}" type="presOf" srcId="{E91B0387-545C-45D3-AB1A-AFC202E96CA2}" destId="{37468888-3F24-49E1-8D2D-B8F5E948C6DD}" srcOrd="0" destOrd="0" presId="urn:microsoft.com/office/officeart/2005/8/layout/hProcess6"/>
+    <dgm:cxn modelId="{D5A340CA-83BC-41DF-8473-491EB6D827AB}" type="presOf" srcId="{5998B12A-25C9-4153-B8DE-C1CC17F55830}" destId="{8B9101BB-F59B-482E-AD47-6D5C6D13F4DD}" srcOrd="0" destOrd="0" presId="urn:microsoft.com/office/officeart/2005/8/layout/hProcess6"/>
+    <dgm:cxn modelId="{CA0B23D2-25F2-46A3-9D35-C5C90FDE3A35}" type="presOf" srcId="{67CD25D9-D850-4E03-B756-9E0EC7F97B41}" destId="{85CE0E2D-5E3A-4D99-9885-DF632FD1C5D1}" srcOrd="0" destOrd="0" presId="urn:microsoft.com/office/officeart/2005/8/layout/hProcess6"/>
+    <dgm:cxn modelId="{E1B1BAD8-4182-4BC0-9193-4ED5712B034D}" type="presOf" srcId="{3E76CCF3-FAA1-4AA6-9D18-102C714CF40F}" destId="{1A878667-8898-4B02-B072-4194B95908D3}" srcOrd="0" destOrd="1" presId="urn:microsoft.com/office/officeart/2005/8/layout/hProcess6"/>
+    <dgm:cxn modelId="{41522CDD-F15C-4145-ACC5-D79ADF346410}" type="presOf" srcId="{0DE4F946-0C28-4F34-8E37-940F8F54FCB4}" destId="{FE46435F-E0E1-486C-805C-B3C49D42985C}" srcOrd="1" destOrd="1" presId="urn:microsoft.com/office/officeart/2005/8/layout/hProcess6"/>
+    <dgm:cxn modelId="{974873DD-37D2-491B-9DF7-0A3BB76D4981}" type="presOf" srcId="{8D7659F7-46AB-4A00-8A9A-87E96A28B3E9}" destId="{07528598-6CFA-417C-B704-59BDEA95B50D}" srcOrd="1" destOrd="1" presId="urn:microsoft.com/office/officeart/2005/8/layout/hProcess6"/>
+    <dgm:cxn modelId="{C480BCE7-43E2-4968-B7AF-51204B980A30}" type="presOf" srcId="{04F0DEAA-6E82-4BDE-BBDF-D8D5CE3A367C}" destId="{D082C073-F84F-448F-98FD-0A1F5BAE3671}" srcOrd="0" destOrd="0" presId="urn:microsoft.com/office/officeart/2005/8/layout/hProcess6"/>
+    <dgm:cxn modelId="{F7AD8EFF-FBAE-462E-A8A7-04A6E9BD6B54}" srcId="{C50898A7-29C8-4A02-8AA2-6A783B3E3532}" destId="{F38B5D13-ABA7-40D9-9602-A9D9ADF720EC}" srcOrd="0" destOrd="0" parTransId="{1502757E-B4B4-48D7-BCE7-2DB84D70B972}" sibTransId="{3F37C73F-55F2-4499-9205-FE95C61F99AE}"/>
+    <dgm:cxn modelId="{5F6147C2-4281-4D17-A905-CA54EB70FC84}" type="presParOf" srcId="{D082C073-F84F-448F-98FD-0A1F5BAE3671}" destId="{E04ACD54-E2B6-46C9-B697-2412FF07C526}" srcOrd="0" destOrd="0" presId="urn:microsoft.com/office/officeart/2005/8/layout/hProcess6"/>
+    <dgm:cxn modelId="{9DA7BC26-A379-4D4C-BB9F-77B1FA139CAD}" type="presParOf" srcId="{E04ACD54-E2B6-46C9-B697-2412FF07C526}" destId="{BC1157D9-16D3-47B0-A00E-DF636F6F2960}" srcOrd="0" destOrd="0" presId="urn:microsoft.com/office/officeart/2005/8/layout/hProcess6"/>
+    <dgm:cxn modelId="{67602B45-DC63-4BC3-97F0-5169F4CA98A9}" type="presParOf" srcId="{E04ACD54-E2B6-46C9-B697-2412FF07C526}" destId="{1A878667-8898-4B02-B072-4194B95908D3}" srcOrd="1" destOrd="0" presId="urn:microsoft.com/office/officeart/2005/8/layout/hProcess6"/>
+    <dgm:cxn modelId="{615F7F7B-E9D2-4F3D-A07A-375AC80546D8}" type="presParOf" srcId="{E04ACD54-E2B6-46C9-B697-2412FF07C526}" destId="{BE054C5B-021C-447E-87D9-C44A631D168B}" srcOrd="2" destOrd="0" presId="urn:microsoft.com/office/officeart/2005/8/layout/hProcess6"/>
+    <dgm:cxn modelId="{518377F8-B218-4193-A9DF-1F7F2E578683}" type="presParOf" srcId="{E04ACD54-E2B6-46C9-B697-2412FF07C526}" destId="{8B9101BB-F59B-482E-AD47-6D5C6D13F4DD}" srcOrd="3" destOrd="0" presId="urn:microsoft.com/office/officeart/2005/8/layout/hProcess6"/>
+    <dgm:cxn modelId="{9122CA83-9689-44AD-83CA-AEA54FEF89F6}" type="presParOf" srcId="{D082C073-F84F-448F-98FD-0A1F5BAE3671}" destId="{8F20E048-2CBA-43A2-8628-16B32591A7DE}" srcOrd="1" destOrd="0" presId="urn:microsoft.com/office/officeart/2005/8/layout/hProcess6"/>
+    <dgm:cxn modelId="{32461BD1-4599-400D-9C60-C0A217E8A247}" type="presParOf" srcId="{D082C073-F84F-448F-98FD-0A1F5BAE3671}" destId="{02C3C5FC-5CE8-4E37-AB06-F73EE0BEB8E5}" srcOrd="2" destOrd="0" presId="urn:microsoft.com/office/officeart/2005/8/layout/hProcess6"/>
+    <dgm:cxn modelId="{4EB588A6-2606-4B29-92E5-2D70D6A58315}" type="presParOf" srcId="{02C3C5FC-5CE8-4E37-AB06-F73EE0BEB8E5}" destId="{5DE637A4-115D-48C9-90F6-AB8225317E34}" srcOrd="0" destOrd="0" presId="urn:microsoft.com/office/officeart/2005/8/layout/hProcess6"/>
+    <dgm:cxn modelId="{56ABC972-63EB-4D6A-82AE-DD9C71D8709A}" type="presParOf" srcId="{02C3C5FC-5CE8-4E37-AB06-F73EE0BEB8E5}" destId="{20BAF0C8-0B21-4FA5-9CCE-8720D9D07FCA}" srcOrd="1" destOrd="0" presId="urn:microsoft.com/office/officeart/2005/8/layout/hProcess6"/>
+    <dgm:cxn modelId="{DB4B13CB-F62E-41C8-8319-91FF22827519}" type="presParOf" srcId="{02C3C5FC-5CE8-4E37-AB06-F73EE0BEB8E5}" destId="{FE46435F-E0E1-486C-805C-B3C49D42985C}" srcOrd="2" destOrd="0" presId="urn:microsoft.com/office/officeart/2005/8/layout/hProcess6"/>
+    <dgm:cxn modelId="{02EAEE35-CEAE-40F2-B136-D480EA7F83EC}" type="presParOf" srcId="{02C3C5FC-5CE8-4E37-AB06-F73EE0BEB8E5}" destId="{93A919E0-81BA-43CA-90F2-E82F79C47E37}" srcOrd="3" destOrd="0" presId="urn:microsoft.com/office/officeart/2005/8/layout/hProcess6"/>
+    <dgm:cxn modelId="{99E200D1-127D-4C65-8A4E-7A6F84389687}" type="presParOf" srcId="{D082C073-F84F-448F-98FD-0A1F5BAE3671}" destId="{398A5E3A-F403-4393-A341-EFCE62674ED1}" srcOrd="3" destOrd="0" presId="urn:microsoft.com/office/officeart/2005/8/layout/hProcess6"/>
+    <dgm:cxn modelId="{C5D0B388-13B0-44AC-8EF0-C696E3AD21A4}" type="presParOf" srcId="{D082C073-F84F-448F-98FD-0A1F5BAE3671}" destId="{3F9644DB-320F-4D5D-A318-F38978D8F628}" srcOrd="4" destOrd="0" presId="urn:microsoft.com/office/officeart/2005/8/layout/hProcess6"/>
+    <dgm:cxn modelId="{60017F41-8CCA-40BE-8E21-30BA073237CA}" type="presParOf" srcId="{3F9644DB-320F-4D5D-A318-F38978D8F628}" destId="{01597CC8-48B9-471F-8DC7-E168BBFF678C}" srcOrd="0" destOrd="0" presId="urn:microsoft.com/office/officeart/2005/8/layout/hProcess6"/>
+    <dgm:cxn modelId="{64434F67-0636-4117-B8E2-93583E68D2AD}" type="presParOf" srcId="{3F9644DB-320F-4D5D-A318-F38978D8F628}" destId="{03956BAF-F3F7-4E46-AB3D-18F8DBD83F65}" srcOrd="1" destOrd="0" presId="urn:microsoft.com/office/officeart/2005/8/layout/hProcess6"/>
+    <dgm:cxn modelId="{42502E2D-5F2E-4D34-94A2-3A804B0B97FD}" type="presParOf" srcId="{3F9644DB-320F-4D5D-A318-F38978D8F628}" destId="{07528598-6CFA-417C-B704-59BDEA95B50D}" srcOrd="2" destOrd="0" presId="urn:microsoft.com/office/officeart/2005/8/layout/hProcess6"/>
+    <dgm:cxn modelId="{0F27C66F-F266-4E0B-ACE8-11FB7EE6FDB9}" type="presParOf" srcId="{3F9644DB-320F-4D5D-A318-F38978D8F628}" destId="{85CE0E2D-5E3A-4D99-9885-DF632FD1C5D1}" srcOrd="3" destOrd="0" presId="urn:microsoft.com/office/officeart/2005/8/layout/hProcess6"/>
+    <dgm:cxn modelId="{6800D615-A683-4436-98E3-12E811B033FC}" type="presParOf" srcId="{D082C073-F84F-448F-98FD-0A1F5BAE3671}" destId="{DBB470E4-A1CC-454B-8F53-44515AFDC4CC}" srcOrd="5" destOrd="0" presId="urn:microsoft.com/office/officeart/2005/8/layout/hProcess6"/>
+    <dgm:cxn modelId="{DFD0F9AC-ABFD-4B5E-8179-CB90D3F884F9}" type="presParOf" srcId="{D082C073-F84F-448F-98FD-0A1F5BAE3671}" destId="{7A25561A-0E40-48C9-BF26-3CDC47BC2778}" srcOrd="6" destOrd="0" presId="urn:microsoft.com/office/officeart/2005/8/layout/hProcess6"/>
+    <dgm:cxn modelId="{B991C06F-9084-4D5A-9ED4-70C99AE0FA46}" type="presParOf" srcId="{7A25561A-0E40-48C9-BF26-3CDC47BC2778}" destId="{891EE178-80A9-4286-A545-C2E32DE1DC8F}" srcOrd="0" destOrd="0" presId="urn:microsoft.com/office/officeart/2005/8/layout/hProcess6"/>
+    <dgm:cxn modelId="{D9B4C151-2EDA-4F33-96D7-9D987FDE2112}" type="presParOf" srcId="{7A25561A-0E40-48C9-BF26-3CDC47BC2778}" destId="{77767C37-72D9-4FBE-A8C3-6B8F9C9001EB}" srcOrd="1" destOrd="0" presId="urn:microsoft.com/office/officeart/2005/8/layout/hProcess6"/>
+    <dgm:cxn modelId="{2ACA83AB-6F85-4200-BF1D-94999D7CB30D}" type="presParOf" srcId="{7A25561A-0E40-48C9-BF26-3CDC47BC2778}" destId="{FB695A41-4E55-4942-8493-710A55076E7E}" srcOrd="2" destOrd="0" presId="urn:microsoft.com/office/officeart/2005/8/layout/hProcess6"/>
+    <dgm:cxn modelId="{B841A6E5-5B33-4A39-BD8E-BEBA60D51F5D}" type="presParOf" srcId="{7A25561A-0E40-48C9-BF26-3CDC47BC2778}" destId="{37468888-3F24-49E1-8D2D-B8F5E948C6DD}" srcOrd="3" destOrd="0" presId="urn:microsoft.com/office/officeart/2005/8/layout/hProcess6"/>
+  </dgm:cxnLst>
+  <dgm:bg/>
+  <dgm:whole/>
+  <dgm:extLst>
+    <a:ext uri="http://schemas.microsoft.com/office/drawing/2008/diagram">
+      <dsp:dataModelExt xmlns:dsp="http://schemas.microsoft.com/office/drawing/2008/diagram" relId="rId6" minVer="http://schemas.openxmlformats.org/drawingml/2006/diagram"/>
+    </a:ext>
+  </dgm:extLst>
+</dgm:dataModel>
+</file>
+
+<file path=ppt/diagrams/drawing1.xml><?xml version="1.0" encoding="utf-8"?>
+<dsp:drawing xmlns:dgm="http://schemas.openxmlformats.org/drawingml/2006/diagram" xmlns:dsp="http://schemas.microsoft.com/office/drawing/2008/diagram" xmlns:a="http://schemas.openxmlformats.org/drawingml/2006/main">
+  <dsp:spTree>
+    <dsp:nvGrpSpPr>
+      <dsp:cNvPr id="0" name=""/>
+      <dsp:cNvGrpSpPr/>
+    </dsp:nvGrpSpPr>
+    <dsp:grpSpPr/>
+    <dsp:sp modelId="{1A878667-8898-4B02-B072-4194B95908D3}">
+      <dsp:nvSpPr>
+        <dsp:cNvPr id="0" name=""/>
+        <dsp:cNvSpPr/>
+      </dsp:nvSpPr>
+      <dsp:spPr>
+        <a:xfrm>
+          <a:off x="395386" y="2025209"/>
+          <a:ext cx="1565275" cy="1368247"/>
+        </a:xfrm>
+        <a:prstGeom prst="rightArrow">
+          <a:avLst>
+            <a:gd name="adj1" fmla="val 70000"/>
+            <a:gd name="adj2" fmla="val 50000"/>
+          </a:avLst>
+        </a:prstGeom>
+        <a:solidFill>
+          <a:schemeClr val="accent1">
+            <a:alpha val="90000"/>
+            <a:tint val="40000"/>
+            <a:hueOff val="0"/>
+            <a:satOff val="0"/>
+            <a:lumOff val="0"/>
+            <a:alphaOff val="0"/>
+          </a:schemeClr>
+        </a:solidFill>
+        <a:ln w="15875" cap="rnd" cmpd="sng" algn="ctr">
+          <a:solidFill>
+            <a:schemeClr val="accent1">
+              <a:alpha val="90000"/>
+              <a:tint val="40000"/>
+              <a:hueOff val="0"/>
+              <a:satOff val="0"/>
+              <a:lumOff val="0"/>
+              <a:alphaOff val="0"/>
+            </a:schemeClr>
+          </a:solidFill>
+          <a:prstDash val="solid"/>
+        </a:ln>
+        <a:effectLst/>
+      </dsp:spPr>
+      <dsp:style>
+        <a:lnRef idx="2">
+          <a:scrgbClr r="0" g="0" b="0"/>
+        </a:lnRef>
+        <a:fillRef idx="1">
+          <a:scrgbClr r="0" g="0" b="0"/>
+        </a:fillRef>
+        <a:effectRef idx="0">
+          <a:scrgbClr r="0" g="0" b="0"/>
+        </a:effectRef>
+        <a:fontRef idx="minor"/>
+      </dsp:style>
+      <dsp:txBody>
+        <a:bodyPr spcFirstLastPara="0" vert="horz" wrap="square" lIns="40640" tIns="10160" rIns="20320" bIns="10160" numCol="1" spcCol="1270" anchor="ctr" anchorCtr="0">
+          <a:noAutofit/>
+        </a:bodyPr>
+        <a:lstStyle/>
+        <a:p>
+          <a:pPr marL="171450" lvl="1" indent="-171450" algn="l" defTabSz="711200">
+            <a:lnSpc>
+              <a:spcPct val="90000"/>
+            </a:lnSpc>
+            <a:spcBef>
+              <a:spcPct val="0"/>
+            </a:spcBef>
+            <a:spcAft>
+              <a:spcPct val="15000"/>
+            </a:spcAft>
+            <a:buChar char="•"/>
+          </a:pPr>
+          <a:endParaRPr lang="en-US" sz="1600" kern="1200"/>
+        </a:p>
+        <a:p>
+          <a:pPr marL="171450" lvl="1" indent="-171450" algn="l" defTabSz="711200">
+            <a:lnSpc>
+              <a:spcPct val="90000"/>
+            </a:lnSpc>
+            <a:spcBef>
+              <a:spcPct val="0"/>
+            </a:spcBef>
+            <a:spcAft>
+              <a:spcPct val="15000"/>
+            </a:spcAft>
+            <a:buChar char="•"/>
+          </a:pPr>
+          <a:endParaRPr lang="en-US" sz="1600" kern="1200"/>
+        </a:p>
+      </dsp:txBody>
+      <dsp:txXfrm>
+        <a:off x="786705" y="2230446"/>
+        <a:ext cx="763071" cy="957773"/>
+      </dsp:txXfrm>
+    </dsp:sp>
+    <dsp:sp modelId="{8B9101BB-F59B-482E-AD47-6D5C6D13F4DD}">
+      <dsp:nvSpPr>
+        <dsp:cNvPr id="0" name=""/>
+        <dsp:cNvSpPr/>
+      </dsp:nvSpPr>
+      <dsp:spPr>
+        <a:xfrm>
+          <a:off x="4067" y="2318014"/>
+          <a:ext cx="782637" cy="782637"/>
+        </a:xfrm>
+        <a:prstGeom prst="ellipse">
+          <a:avLst/>
+        </a:prstGeom>
+        <a:solidFill>
+          <a:schemeClr val="accent1">
+            <a:hueOff val="0"/>
+            <a:satOff val="0"/>
+            <a:lumOff val="0"/>
+            <a:alphaOff val="0"/>
+          </a:schemeClr>
+        </a:solidFill>
+        <a:ln w="15875" cap="rnd" cmpd="sng" algn="ctr">
+          <a:solidFill>
+            <a:schemeClr val="lt1">
+              <a:hueOff val="0"/>
+              <a:satOff val="0"/>
+              <a:lumOff val="0"/>
+              <a:alphaOff val="0"/>
+            </a:schemeClr>
+          </a:solidFill>
+          <a:prstDash val="solid"/>
+        </a:ln>
+        <a:effectLst/>
+      </dsp:spPr>
+      <dsp:style>
+        <a:lnRef idx="2">
+          <a:scrgbClr r="0" g="0" b="0"/>
+        </a:lnRef>
+        <a:fillRef idx="1">
+          <a:scrgbClr r="0" g="0" b="0"/>
+        </a:fillRef>
+        <a:effectRef idx="0">
+          <a:scrgbClr r="0" g="0" b="0"/>
+        </a:effectRef>
+        <a:fontRef idx="minor">
+          <a:schemeClr val="lt1"/>
+        </a:fontRef>
+      </dsp:style>
+      <dsp:txBody>
+        <a:bodyPr spcFirstLastPara="0" vert="horz" wrap="square" lIns="17780" tIns="17780" rIns="17780" bIns="17780" numCol="1" spcCol="1270" anchor="ctr" anchorCtr="0">
+          <a:noAutofit/>
+        </a:bodyPr>
+        <a:lstStyle/>
+        <a:p>
+          <a:pPr marL="0" lvl="0" indent="0" algn="ctr" defTabSz="1244600">
+            <a:lnSpc>
+              <a:spcPct val="90000"/>
+            </a:lnSpc>
+            <a:spcBef>
+              <a:spcPct val="0"/>
+            </a:spcBef>
+            <a:spcAft>
+              <a:spcPct val="35000"/>
+            </a:spcAft>
+            <a:buNone/>
+          </a:pPr>
+          <a:r>
+            <a:rPr lang="en-US" sz="2800" kern="1200" dirty="0"/>
+            <a:t>1G</a:t>
+          </a:r>
+        </a:p>
+      </dsp:txBody>
+      <dsp:txXfrm>
+        <a:off x="118682" y="2432629"/>
+        <a:ext cx="553407" cy="553407"/>
+      </dsp:txXfrm>
+    </dsp:sp>
+    <dsp:sp modelId="{20BAF0C8-0B21-4FA5-9CCE-8720D9D07FCA}">
+      <dsp:nvSpPr>
+        <dsp:cNvPr id="0" name=""/>
+        <dsp:cNvSpPr/>
+      </dsp:nvSpPr>
+      <dsp:spPr>
+        <a:xfrm>
+          <a:off x="2449810" y="2025209"/>
+          <a:ext cx="1565275" cy="1368247"/>
+        </a:xfrm>
+        <a:prstGeom prst="rightArrow">
+          <a:avLst>
+            <a:gd name="adj1" fmla="val 70000"/>
+            <a:gd name="adj2" fmla="val 50000"/>
+          </a:avLst>
+        </a:prstGeom>
+        <a:solidFill>
+          <a:schemeClr val="accent1">
+            <a:alpha val="90000"/>
+            <a:tint val="40000"/>
+            <a:hueOff val="0"/>
+            <a:satOff val="0"/>
+            <a:lumOff val="0"/>
+            <a:alphaOff val="0"/>
+          </a:schemeClr>
+        </a:solidFill>
+        <a:ln w="15875" cap="rnd" cmpd="sng" algn="ctr">
+          <a:solidFill>
+            <a:schemeClr val="accent1">
+              <a:alpha val="90000"/>
+              <a:tint val="40000"/>
+              <a:hueOff val="0"/>
+              <a:satOff val="0"/>
+              <a:lumOff val="0"/>
+              <a:alphaOff val="0"/>
+            </a:schemeClr>
+          </a:solidFill>
+          <a:prstDash val="solid"/>
+        </a:ln>
+        <a:effectLst/>
+      </dsp:spPr>
+      <dsp:style>
+        <a:lnRef idx="2">
+          <a:scrgbClr r="0" g="0" b="0"/>
+        </a:lnRef>
+        <a:fillRef idx="1">
+          <a:scrgbClr r="0" g="0" b="0"/>
+        </a:fillRef>
+        <a:effectRef idx="0">
+          <a:scrgbClr r="0" g="0" b="0"/>
+        </a:effectRef>
+        <a:fontRef idx="minor"/>
+      </dsp:style>
+      <dsp:txBody>
+        <a:bodyPr spcFirstLastPara="0" vert="horz" wrap="square" lIns="40640" tIns="10160" rIns="20320" bIns="10160" numCol="1" spcCol="1270" anchor="ctr" anchorCtr="0">
+          <a:noAutofit/>
+        </a:bodyPr>
+        <a:lstStyle/>
+        <a:p>
+          <a:pPr marL="171450" lvl="1" indent="-171450" algn="l" defTabSz="711200">
+            <a:lnSpc>
+              <a:spcPct val="90000"/>
+            </a:lnSpc>
+            <a:spcBef>
+              <a:spcPct val="0"/>
+            </a:spcBef>
+            <a:spcAft>
+              <a:spcPct val="15000"/>
+            </a:spcAft>
+            <a:buChar char="•"/>
+          </a:pPr>
+          <a:endParaRPr lang="en-US" sz="1600" kern="1200"/>
+        </a:p>
+        <a:p>
+          <a:pPr marL="171450" lvl="1" indent="-171450" algn="l" defTabSz="711200">
+            <a:lnSpc>
+              <a:spcPct val="90000"/>
+            </a:lnSpc>
+            <a:spcBef>
+              <a:spcPct val="0"/>
+            </a:spcBef>
+            <a:spcAft>
+              <a:spcPct val="15000"/>
+            </a:spcAft>
+            <a:buChar char="•"/>
+          </a:pPr>
+          <a:endParaRPr lang="en-US" sz="1600" kern="1200"/>
+        </a:p>
+      </dsp:txBody>
+      <dsp:txXfrm>
+        <a:off x="2841128" y="2230446"/>
+        <a:ext cx="763071" cy="957773"/>
+      </dsp:txXfrm>
+    </dsp:sp>
+    <dsp:sp modelId="{93A919E0-81BA-43CA-90F2-E82F79C47E37}">
+      <dsp:nvSpPr>
+        <dsp:cNvPr id="0" name=""/>
+        <dsp:cNvSpPr/>
+      </dsp:nvSpPr>
+      <dsp:spPr>
+        <a:xfrm>
+          <a:off x="2058491" y="2318014"/>
+          <a:ext cx="782637" cy="782637"/>
+        </a:xfrm>
+        <a:prstGeom prst="ellipse">
+          <a:avLst/>
+        </a:prstGeom>
+        <a:solidFill>
+          <a:schemeClr val="accent1">
+            <a:hueOff val="0"/>
+            <a:satOff val="0"/>
+            <a:lumOff val="0"/>
+            <a:alphaOff val="0"/>
+          </a:schemeClr>
+        </a:solidFill>
+        <a:ln w="15875" cap="rnd" cmpd="sng" algn="ctr">
+          <a:solidFill>
+            <a:schemeClr val="lt1">
+              <a:hueOff val="0"/>
+              <a:satOff val="0"/>
+              <a:lumOff val="0"/>
+              <a:alphaOff val="0"/>
+            </a:schemeClr>
+          </a:solidFill>
+          <a:prstDash val="solid"/>
+        </a:ln>
+        <a:effectLst/>
+      </dsp:spPr>
+      <dsp:style>
+        <a:lnRef idx="2">
+          <a:scrgbClr r="0" g="0" b="0"/>
+        </a:lnRef>
+        <a:fillRef idx="1">
+          <a:scrgbClr r="0" g="0" b="0"/>
+        </a:fillRef>
+        <a:effectRef idx="0">
+          <a:scrgbClr r="0" g="0" b="0"/>
+        </a:effectRef>
+        <a:fontRef idx="minor">
+          <a:schemeClr val="lt1"/>
+        </a:fontRef>
+      </dsp:style>
+      <dsp:txBody>
+        <a:bodyPr spcFirstLastPara="0" vert="horz" wrap="square" lIns="17780" tIns="17780" rIns="17780" bIns="17780" numCol="1" spcCol="1270" anchor="ctr" anchorCtr="0">
+          <a:noAutofit/>
+        </a:bodyPr>
+        <a:lstStyle/>
+        <a:p>
+          <a:pPr marL="0" lvl="0" indent="0" algn="ctr" defTabSz="1244600">
+            <a:lnSpc>
+              <a:spcPct val="90000"/>
+            </a:lnSpc>
+            <a:spcBef>
+              <a:spcPct val="0"/>
+            </a:spcBef>
+            <a:spcAft>
+              <a:spcPct val="35000"/>
+            </a:spcAft>
+            <a:buNone/>
+          </a:pPr>
+          <a:r>
+            <a:rPr lang="en-US" sz="2800" kern="1200" dirty="0"/>
+            <a:t>2G</a:t>
+          </a:r>
+        </a:p>
+      </dsp:txBody>
+      <dsp:txXfrm>
+        <a:off x="2173106" y="2432629"/>
+        <a:ext cx="553407" cy="553407"/>
+      </dsp:txXfrm>
+    </dsp:sp>
+    <dsp:sp modelId="{03956BAF-F3F7-4E46-AB3D-18F8DBD83F65}">
+      <dsp:nvSpPr>
+        <dsp:cNvPr id="0" name=""/>
+        <dsp:cNvSpPr/>
+      </dsp:nvSpPr>
+      <dsp:spPr>
+        <a:xfrm>
+          <a:off x="4504233" y="2025209"/>
+          <a:ext cx="1565275" cy="1368247"/>
+        </a:xfrm>
+        <a:prstGeom prst="rightArrow">
+          <a:avLst>
+            <a:gd name="adj1" fmla="val 70000"/>
+            <a:gd name="adj2" fmla="val 50000"/>
+          </a:avLst>
+        </a:prstGeom>
+        <a:solidFill>
+          <a:schemeClr val="accent1">
+            <a:alpha val="90000"/>
+            <a:tint val="40000"/>
+            <a:hueOff val="0"/>
+            <a:satOff val="0"/>
+            <a:lumOff val="0"/>
+            <a:alphaOff val="0"/>
+          </a:schemeClr>
+        </a:solidFill>
+        <a:ln w="15875" cap="rnd" cmpd="sng" algn="ctr">
+          <a:solidFill>
+            <a:schemeClr val="accent1">
+              <a:alpha val="90000"/>
+              <a:tint val="40000"/>
+              <a:hueOff val="0"/>
+              <a:satOff val="0"/>
+              <a:lumOff val="0"/>
+              <a:alphaOff val="0"/>
+            </a:schemeClr>
+          </a:solidFill>
+          <a:prstDash val="solid"/>
+        </a:ln>
+        <a:effectLst/>
+      </dsp:spPr>
+      <dsp:style>
+        <a:lnRef idx="2">
+          <a:scrgbClr r="0" g="0" b="0"/>
+        </a:lnRef>
+        <a:fillRef idx="1">
+          <a:scrgbClr r="0" g="0" b="0"/>
+        </a:fillRef>
+        <a:effectRef idx="0">
+          <a:scrgbClr r="0" g="0" b="0"/>
+        </a:effectRef>
+        <a:fontRef idx="minor"/>
+      </dsp:style>
+      <dsp:txBody>
+        <a:bodyPr spcFirstLastPara="0" vert="horz" wrap="square" lIns="40640" tIns="10160" rIns="20320" bIns="10160" numCol="1" spcCol="1270" anchor="ctr" anchorCtr="0">
+          <a:noAutofit/>
+        </a:bodyPr>
+        <a:lstStyle/>
+        <a:p>
+          <a:pPr marL="171450" lvl="1" indent="-171450" algn="l" defTabSz="711200">
+            <a:lnSpc>
+              <a:spcPct val="90000"/>
+            </a:lnSpc>
+            <a:spcBef>
+              <a:spcPct val="0"/>
+            </a:spcBef>
+            <a:spcAft>
+              <a:spcPct val="15000"/>
+            </a:spcAft>
+            <a:buChar char="•"/>
+          </a:pPr>
+          <a:endParaRPr lang="en-US" sz="1600" kern="1200"/>
+        </a:p>
+        <a:p>
+          <a:pPr marL="171450" lvl="1" indent="-171450" algn="l" defTabSz="711200">
+            <a:lnSpc>
+              <a:spcPct val="90000"/>
+            </a:lnSpc>
+            <a:spcBef>
+              <a:spcPct val="0"/>
+            </a:spcBef>
+            <a:spcAft>
+              <a:spcPct val="15000"/>
+            </a:spcAft>
+            <a:buChar char="•"/>
+          </a:pPr>
+          <a:endParaRPr lang="en-US" sz="1600" kern="1200" dirty="0"/>
+        </a:p>
+      </dsp:txBody>
+      <dsp:txXfrm>
+        <a:off x="4895552" y="2230446"/>
+        <a:ext cx="763071" cy="957773"/>
+      </dsp:txXfrm>
+    </dsp:sp>
+    <dsp:sp modelId="{85CE0E2D-5E3A-4D99-9885-DF632FD1C5D1}">
+      <dsp:nvSpPr>
+        <dsp:cNvPr id="0" name=""/>
+        <dsp:cNvSpPr/>
+      </dsp:nvSpPr>
+      <dsp:spPr>
+        <a:xfrm>
+          <a:off x="4112914" y="2318014"/>
+          <a:ext cx="782637" cy="782637"/>
+        </a:xfrm>
+        <a:prstGeom prst="ellipse">
+          <a:avLst/>
+        </a:prstGeom>
+        <a:solidFill>
+          <a:schemeClr val="accent1">
+            <a:hueOff val="0"/>
+            <a:satOff val="0"/>
+            <a:lumOff val="0"/>
+            <a:alphaOff val="0"/>
+          </a:schemeClr>
+        </a:solidFill>
+        <a:ln w="15875" cap="rnd" cmpd="sng" algn="ctr">
+          <a:solidFill>
+            <a:schemeClr val="lt1">
+              <a:hueOff val="0"/>
+              <a:satOff val="0"/>
+              <a:lumOff val="0"/>
+              <a:alphaOff val="0"/>
+            </a:schemeClr>
+          </a:solidFill>
+          <a:prstDash val="solid"/>
+        </a:ln>
+        <a:effectLst/>
+      </dsp:spPr>
+      <dsp:style>
+        <a:lnRef idx="2">
+          <a:scrgbClr r="0" g="0" b="0"/>
+        </a:lnRef>
+        <a:fillRef idx="1">
+          <a:scrgbClr r="0" g="0" b="0"/>
+        </a:fillRef>
+        <a:effectRef idx="0">
+          <a:scrgbClr r="0" g="0" b="0"/>
+        </a:effectRef>
+        <a:fontRef idx="minor">
+          <a:schemeClr val="lt1"/>
+        </a:fontRef>
+      </dsp:style>
+      <dsp:txBody>
+        <a:bodyPr spcFirstLastPara="0" vert="horz" wrap="square" lIns="17780" tIns="17780" rIns="17780" bIns="17780" numCol="1" spcCol="1270" anchor="ctr" anchorCtr="0">
+          <a:noAutofit/>
+        </a:bodyPr>
+        <a:lstStyle/>
+        <a:p>
+          <a:pPr marL="0" lvl="0" indent="0" algn="ctr" defTabSz="1244600">
+            <a:lnSpc>
+              <a:spcPct val="90000"/>
+            </a:lnSpc>
+            <a:spcBef>
+              <a:spcPct val="0"/>
+            </a:spcBef>
+            <a:spcAft>
+              <a:spcPct val="35000"/>
+            </a:spcAft>
+            <a:buNone/>
+          </a:pPr>
+          <a:r>
+            <a:rPr lang="en-US" sz="2800" kern="1200" dirty="0"/>
+            <a:t>3G</a:t>
+          </a:r>
+        </a:p>
+      </dsp:txBody>
+      <dsp:txXfrm>
+        <a:off x="4227529" y="2432629"/>
+        <a:ext cx="553407" cy="553407"/>
+      </dsp:txXfrm>
+    </dsp:sp>
+    <dsp:sp modelId="{77767C37-72D9-4FBE-A8C3-6B8F9C9001EB}">
+      <dsp:nvSpPr>
+        <dsp:cNvPr id="0" name=""/>
+        <dsp:cNvSpPr/>
+      </dsp:nvSpPr>
+      <dsp:spPr>
+        <a:xfrm>
+          <a:off x="6558657" y="2025209"/>
+          <a:ext cx="1565275" cy="1368247"/>
+        </a:xfrm>
+        <a:prstGeom prst="rightArrow">
+          <a:avLst>
+            <a:gd name="adj1" fmla="val 70000"/>
+            <a:gd name="adj2" fmla="val 50000"/>
+          </a:avLst>
+        </a:prstGeom>
+        <a:solidFill>
+          <a:schemeClr val="accent1">
+            <a:alpha val="90000"/>
+            <a:tint val="40000"/>
+            <a:hueOff val="0"/>
+            <a:satOff val="0"/>
+            <a:lumOff val="0"/>
+            <a:alphaOff val="0"/>
+          </a:schemeClr>
+        </a:solidFill>
+        <a:ln w="15875" cap="rnd" cmpd="sng" algn="ctr">
+          <a:solidFill>
+            <a:schemeClr val="accent1">
+              <a:alpha val="90000"/>
+              <a:tint val="40000"/>
+              <a:hueOff val="0"/>
+              <a:satOff val="0"/>
+              <a:lumOff val="0"/>
+              <a:alphaOff val="0"/>
+            </a:schemeClr>
+          </a:solidFill>
+          <a:prstDash val="solid"/>
+        </a:ln>
+        <a:effectLst/>
+      </dsp:spPr>
+      <dsp:style>
+        <a:lnRef idx="2">
+          <a:scrgbClr r="0" g="0" b="0"/>
+        </a:lnRef>
+        <a:fillRef idx="1">
+          <a:scrgbClr r="0" g="0" b="0"/>
+        </a:fillRef>
+        <a:effectRef idx="0">
+          <a:scrgbClr r="0" g="0" b="0"/>
+        </a:effectRef>
+        <a:fontRef idx="minor"/>
+      </dsp:style>
+    </dsp:sp>
+    <dsp:sp modelId="{37468888-3F24-49E1-8D2D-B8F5E948C6DD}">
+      <dsp:nvSpPr>
+        <dsp:cNvPr id="0" name=""/>
+        <dsp:cNvSpPr/>
+      </dsp:nvSpPr>
+      <dsp:spPr>
+        <a:xfrm>
+          <a:off x="6167338" y="2318014"/>
+          <a:ext cx="782637" cy="782637"/>
+        </a:xfrm>
+        <a:prstGeom prst="ellipse">
+          <a:avLst/>
+        </a:prstGeom>
+        <a:solidFill>
+          <a:schemeClr val="accent1">
+            <a:hueOff val="0"/>
+            <a:satOff val="0"/>
+            <a:lumOff val="0"/>
+            <a:alphaOff val="0"/>
+          </a:schemeClr>
+        </a:solidFill>
+        <a:ln w="15875" cap="rnd" cmpd="sng" algn="ctr">
+          <a:solidFill>
+            <a:schemeClr val="lt1">
+              <a:hueOff val="0"/>
+              <a:satOff val="0"/>
+              <a:lumOff val="0"/>
+              <a:alphaOff val="0"/>
+            </a:schemeClr>
+          </a:solidFill>
+          <a:prstDash val="solid"/>
+        </a:ln>
+        <a:effectLst/>
+      </dsp:spPr>
+      <dsp:style>
+        <a:lnRef idx="2">
+          <a:scrgbClr r="0" g="0" b="0"/>
+        </a:lnRef>
+        <a:fillRef idx="1">
+          <a:scrgbClr r="0" g="0" b="0"/>
+        </a:fillRef>
+        <a:effectRef idx="0">
+          <a:scrgbClr r="0" g="0" b="0"/>
+        </a:effectRef>
+        <a:fontRef idx="minor">
+          <a:schemeClr val="lt1"/>
+        </a:fontRef>
+      </dsp:style>
+      <dsp:txBody>
+        <a:bodyPr spcFirstLastPara="0" vert="horz" wrap="square" lIns="17780" tIns="17780" rIns="17780" bIns="17780" numCol="1" spcCol="1270" anchor="ctr" anchorCtr="0">
+          <a:noAutofit/>
+        </a:bodyPr>
+        <a:lstStyle/>
+        <a:p>
+          <a:pPr marL="0" lvl="0" indent="0" algn="ctr" defTabSz="1244600">
+            <a:lnSpc>
+              <a:spcPct val="90000"/>
+            </a:lnSpc>
+            <a:spcBef>
+              <a:spcPct val="0"/>
+            </a:spcBef>
+            <a:spcAft>
+              <a:spcPct val="35000"/>
+            </a:spcAft>
+            <a:buNone/>
+          </a:pPr>
+          <a:r>
+            <a:rPr lang="en-US" sz="2800" kern="1200" dirty="0"/>
+            <a:t>4G</a:t>
+          </a:r>
+        </a:p>
+      </dsp:txBody>
+      <dsp:txXfrm>
+        <a:off x="6281953" y="2432629"/>
+        <a:ext cx="553407" cy="553407"/>
+      </dsp:txXfrm>
+    </dsp:sp>
+  </dsp:spTree>
+</dsp:drawing>
+</file>
+
+<file path=ppt/diagrams/layout1.xml><?xml version="1.0" encoding="utf-8"?>
+<dgm:layoutDef xmlns:dgm="http://schemas.openxmlformats.org/drawingml/2006/diagram" xmlns:a="http://schemas.openxmlformats.org/drawingml/2006/main" uniqueId="urn:microsoft.com/office/officeart/2005/8/layout/hProcess6">
+  <dgm:title val=""/>
+  <dgm:desc val=""/>
+  <dgm:catLst>
+    <dgm:cat type="process" pri="7000"/>
+  </dgm:catLst>
+  <dgm:sampData>
+    <dgm:dataModel>
+      <dgm:ptLst>
+        <dgm:pt modelId="0" type="doc"/>
+        <dgm:pt modelId="1">
+          <dgm:prSet phldr="1"/>
+        </dgm:pt>
+        <dgm:pt modelId="11">
+          <dgm:prSet phldr="1"/>
+        </dgm:pt>
+        <dgm:pt modelId="12">
+          <dgm:prSet phldr="1"/>
+        </dgm:pt>
+        <dgm:pt modelId="2">
+          <dgm:prSet phldr="1"/>
+        </dgm:pt>
+        <dgm:pt modelId="21">
+          <dgm:prSet phldr="1"/>
+        </dgm:pt>
+        <dgm:pt modelId="22">
+          <dgm:prSet phldr="1"/>
+        </dgm:pt>
+        <dgm:pt modelId="3">
+          <dgm:prSet phldr="1"/>
+        </dgm:pt>
+        <dgm:pt modelId="31">
+          <dgm:prSet phldr="1"/>
+        </dgm:pt>
+        <dgm:pt modelId="32">
+          <dgm:prSet phldr="1"/>
+        </dgm:pt>
+      </dgm:ptLst>
+      <dgm:cxnLst>
+        <dgm:cxn modelId="4" srcId="0" destId="1" srcOrd="0" destOrd="0"/>
+        <dgm:cxn modelId="5" srcId="0" destId="2" srcOrd="1" destOrd="0"/>
+        <dgm:cxn modelId="13" srcId="1" destId="11" srcOrd="0" destOrd="0"/>
+        <dgm:cxn modelId="14" srcId="1" destId="12" srcOrd="0" destOrd="0"/>
+        <dgm:cxn modelId="23" srcId="2" destId="21" srcOrd="0" destOrd="0"/>
+        <dgm:cxn modelId="24" srcId="2" destId="22" srcOrd="0" destOrd="0"/>
+        <dgm:cxn modelId="33" srcId="3" destId="31" srcOrd="0" destOrd="0"/>
+        <dgm:cxn modelId="34" srcId="3" destId="32" srcOrd="0" destOrd="0"/>
+      </dgm:cxnLst>
+      <dgm:bg/>
+      <dgm:whole/>
+    </dgm:dataModel>
+  </dgm:sampData>
+  <dgm:styleData>
+    <dgm:dataModel>
+      <dgm:ptLst>
+        <dgm:pt modelId="0" type="doc"/>
+        <dgm:pt modelId="1"/>
+        <dgm:pt modelId="11"/>
+        <dgm:pt modelId="2"/>
+        <dgm:pt modelId="21"/>
+      </dgm:ptLst>
+      <dgm:cxnLst>
+        <dgm:cxn modelId="4" srcId="0" destId="1" srcOrd="0" destOrd="0"/>
+        <dgm:cxn modelId="5" srcId="0" destId="2" srcOrd="1" destOrd="0"/>
+        <dgm:cxn modelId="13" srcId="1" destId="11" srcOrd="0" destOrd="0"/>
+        <dgm:cxn modelId="23" srcId="2" destId="21" srcOrd="0" destOrd="0"/>
+      </dgm:cxnLst>
+      <dgm:bg/>
+      <dgm:whole/>
+    </dgm:dataModel>
+  </dgm:styleData>
+  <dgm:clrData>
+    <dgm:dataModel>
+      <dgm:ptLst>
+        <dgm:pt modelId="0" type="doc"/>
+        <dgm:pt modelId="1"/>
+        <dgm:pt modelId="11"/>
+        <dgm:pt modelId="2"/>
+        <dgm:pt modelId="21"/>
+        <dgm:pt modelId="3"/>
+        <dgm:pt modelId="31"/>
+        <dgm:pt modelId="4"/>
+        <dgm:pt modelId="41"/>
+      </dgm:ptLst>
+      <dgm:cxnLst>
+        <dgm:cxn modelId="5" srcId="0" destId="1" srcOrd="0" destOrd="0"/>
+        <dgm:cxn modelId="6" srcId="0" destId="2" srcOrd="1" destOrd="0"/>
+        <dgm:cxn modelId="7" srcId="0" destId="3" srcOrd="2" destOrd="0"/>
+        <dgm:cxn modelId="8" srcId="0" destId="4" srcOrd="3" destOrd="0"/>
+        <dgm:cxn modelId="13" srcId="1" destId="11" srcOrd="0" destOrd="0"/>
+        <dgm:cxn modelId="23" srcId="2" destId="21" srcOrd="0" destOrd="0"/>
+        <dgm:cxn modelId="33" srcId="3" destId="31" srcOrd="0" destOrd="0"/>
+        <dgm:cxn modelId="43" srcId="4" destId="41" srcOrd="0" destOrd="0"/>
+      </dgm:cxnLst>
+      <dgm:bg/>
+      <dgm:whole/>
+    </dgm:dataModel>
+  </dgm:clrData>
+  <dgm:layoutNode name="theList">
+    <dgm:varLst>
+      <dgm:dir/>
+      <dgm:animLvl val="lvl"/>
+      <dgm:resizeHandles val="exact"/>
+    </dgm:varLst>
+    <dgm:choose name="Name0">
+      <dgm:if name="Name1" func="var" arg="dir" op="equ" val="norm">
+        <dgm:alg type="lin">
+          <dgm:param type="linDir" val="fromL"/>
+          <dgm:param type="nodeHorzAlign" val="l"/>
+        </dgm:alg>
+      </dgm:if>
+      <dgm:else name="Name2">
+        <dgm:alg type="lin">
+          <dgm:param type="linDir" val="fromR"/>
+          <dgm:param type="nodeHorzAlign" val="r"/>
+        </dgm:alg>
+      </dgm:else>
+    </dgm:choose>
+    <dgm:shape xmlns:r="http://schemas.openxmlformats.org/officeDocument/2006/relationships" r:blip="">
+      <dgm:adjLst/>
+    </dgm:shape>
+    <dgm:presOf/>
+    <dgm:constrLst>
+      <dgm:constr type="w" for="ch" forName="compNode" refType="w"/>
+      <dgm:constr type="h" for="ch" forName="compNode" refType="w" refFor="ch" refForName="compNode" fact="0.7"/>
+      <dgm:constr type="ctrY" for="ch" forName="compNode" refType="h" fact="0.5"/>
+      <dgm:constr type="w" for="ch" forName="aSpace" refType="w" fact="0.05"/>
+      <dgm:constr type="primFontSz" for="des" forName="childTextHidden" op="equ" val="65"/>
+      <dgm:constr type="primFontSz" for="des" forName="parentText" op="equ"/>
+    </dgm:constrLst>
+    <dgm:ruleLst/>
+    <dgm:forEach name="aNodeForEach" axis="ch" ptType="node">
+      <dgm:layoutNode name="compNode">
+        <dgm:alg type="composite">
+          <dgm:param type="ar" val="1.43"/>
+        </dgm:alg>
+        <dgm:shape xmlns:r="http://schemas.openxmlformats.org/officeDocument/2006/relationships" r:blip="">
+          <dgm:adjLst/>
+        </dgm:shape>
+        <dgm:presOf/>
+        <dgm:choose name="Name3">
+          <dgm:if name="Name4" func="var" arg="dir" op="equ" val="norm">
+            <dgm:constrLst>
+              <dgm:constr type="w" for="ch" forName="childTextVisible" refType="w" fact="0.8"/>
+              <dgm:constr type="h" for="ch" forName="childTextVisible" refType="h"/>
+              <dgm:constr type="r" for="ch" forName="childTextVisible" refType="w"/>
+              <dgm:constr type="w" for="ch" forName="childTextHidden" refType="w" fact="0.6"/>
+              <dgm:constr type="h" for="ch" forName="childTextHidden" refType="h"/>
+              <dgm:constr type="r" for="ch" forName="childTextHidden" refType="w"/>
+              <dgm:constr type="l" for="ch" forName="parentText"/>
+              <dgm:constr type="w" for="ch" forName="parentText" refType="w" fact="0.4"/>
+              <dgm:constr type="h" for="ch" forName="parentText" refType="w" refFor="ch" refForName="parentText" op="equ"/>
+              <dgm:constr type="ctrY" for="ch" forName="parentText" refType="h" fact="0.5"/>
+            </dgm:constrLst>
+          </dgm:if>
+          <dgm:else name="Name5">
+            <dgm:constrLst>
+              <dgm:constr type="w" for="ch" forName="childTextVisible" refType="w" fact="0.8"/>
+              <dgm:constr type="h" for="ch" forName="childTextVisible" refType="h"/>
+              <dgm:constr type="l" for="ch" forName="childTextVisible"/>
+              <dgm:constr type="w" for="ch" forName="childTextHidden" refType="w" fact="0.6"/>
+              <dgm:constr type="h" for="ch" forName="childTextHidden" refType="h"/>
+              <dgm:constr type="l" for="ch" forName="childTextHidden"/>
+              <dgm:constr type="r" for="ch" forName="parentText" refType="w"/>
+              <dgm:constr type="w" for="ch" forName="parentText" refType="w" fact="0.4"/>
+              <dgm:constr type="h" for="ch" forName="parentText" refType="w" refFor="ch" refForName="parentText" op="equ"/>
+              <dgm:constr type="ctrY" for="ch" forName="parentText" refType="h" fact="0.5"/>
+            </dgm:constrLst>
+          </dgm:else>
+        </dgm:choose>
+        <dgm:ruleLst/>
+        <dgm:layoutNode name="noGeometry">
+          <dgm:alg type="sp"/>
+          <dgm:shape xmlns:r="http://schemas.openxmlformats.org/officeDocument/2006/relationships" r:blip="">
+            <dgm:adjLst/>
+          </dgm:shape>
+          <dgm:presOf/>
+          <dgm:constrLst/>
+          <dgm:ruleLst/>
+        </dgm:layoutNode>
+        <dgm:layoutNode name="childTextVisible" styleLbl="bgAccFollowNode1">
+          <dgm:varLst>
+            <dgm:bulletEnabled val="1"/>
+          </dgm:varLst>
+          <dgm:alg type="sp"/>
+          <dgm:choose name="Name6">
+            <dgm:if name="Name7" func="var" arg="dir" op="equ" val="norm">
+              <dgm:shape xmlns:r="http://schemas.openxmlformats.org/officeDocument/2006/relationships" type="rightArrow" r:blip="">
+                <dgm:adjLst>
+                  <dgm:adj idx="1" val="0.7"/>
+                  <dgm:adj idx="2" val="0.5"/>
+                </dgm:adjLst>
+              </dgm:shape>
+            </dgm:if>
+            <dgm:else name="Name8">
+              <dgm:shape xmlns:r="http://schemas.openxmlformats.org/officeDocument/2006/relationships" type="leftArrow" r:blip="">
+                <dgm:adjLst>
+                  <dgm:adj idx="1" val="0.7"/>
+                  <dgm:adj idx="2" val="0.5"/>
+                </dgm:adjLst>
+              </dgm:shape>
+            </dgm:else>
+          </dgm:choose>
+          <dgm:presOf axis="des" ptType="node"/>
+          <dgm:constrLst/>
+          <dgm:ruleLst/>
+        </dgm:layoutNode>
+        <dgm:layoutNode name="childTextHidden" styleLbl="bgAccFollowNode1">
+          <dgm:choose name="Name9">
+            <dgm:if name="Name10" axis="des followSib" ptType="node node" st="1 1" cnt="1 0" func="cnt" op="gte" val="1">
+              <dgm:alg type="tx">
+                <dgm:param type="stBulletLvl" val="1"/>
+                <dgm:param type="txAnchorVertCh" val="mid"/>
+              </dgm:alg>
+            </dgm:if>
+            <dgm:else name="Name11">
+              <dgm:alg type="tx">
+                <dgm:param type="stBulletLvl" val="2"/>
+                <dgm:param type="txAnchorVertCh" val="mid"/>
+              </dgm:alg>
+            </dgm:else>
+          </dgm:choose>
+          <dgm:choose name="Name12">
+            <dgm:if name="Name13" func="var" arg="dir" op="equ" val="norm">
+              <dgm:shape xmlns:r="http://schemas.openxmlformats.org/officeDocument/2006/relationships" type="rightArrow" r:blip="" hideGeom="1">
+                <dgm:adjLst>
+                  <dgm:adj idx="1" val="0.7"/>
+                  <dgm:adj idx="2" val="0.5"/>
+                </dgm:adjLst>
+              </dgm:shape>
+            </dgm:if>
+            <dgm:else name="Name14">
+              <dgm:shape xmlns:r="http://schemas.openxmlformats.org/officeDocument/2006/relationships" type="leftArrow" r:blip="" hideGeom="1">
+                <dgm:adjLst>
+                  <dgm:adj idx="1" val="0.7"/>
+                  <dgm:adj idx="2" val="0.5"/>
+                </dgm:adjLst>
+              </dgm:shape>
+            </dgm:else>
+          </dgm:choose>
+          <dgm:presOf axis="des" ptType="node"/>
+          <dgm:constrLst>
+            <dgm:constr type="secFontSz" refType="primFontSz"/>
+            <dgm:constr type="tMarg" refType="primFontSz" fact="0.05"/>
+            <dgm:constr type="bMarg" refType="primFontSz" fact="0.05"/>
+            <dgm:constr type="rMarg" refType="primFontSz" fact="0.1"/>
+            <dgm:constr type="lMarg" refType="primFontSz" fact="0.2"/>
+          </dgm:constrLst>
+          <dgm:ruleLst>
+            <dgm:rule type="primFontSz" val="5" fact="NaN" max="NaN"/>
+          </dgm:ruleLst>
+        </dgm:layoutNode>
+        <dgm:layoutNode name="parentText" styleLbl="node1">
+          <dgm:varLst>
+            <dgm:chMax val="1"/>
+            <dgm:bulletEnabled val="1"/>
+          </dgm:varLst>
+          <dgm:alg type="tx"/>
+          <dgm:shape xmlns:r="http://schemas.openxmlformats.org/officeDocument/2006/relationships" type="ellipse" r:blip="">
+            <dgm:adjLst/>
+          </dgm:shape>
+          <dgm:presOf axis="self"/>
+          <dgm:constrLst>
+            <dgm:constr type="primFontSz" val="65"/>
+            <dgm:constr type="tMarg" refType="primFontSz" fact="0.05"/>
+            <dgm:constr type="bMarg" refType="primFontSz" fact="0.05"/>
+            <dgm:constr type="lMarg" refType="primFontSz" fact="0.05"/>
+            <dgm:constr type="rMarg" refType="primFontSz" fact="0.05"/>
+          </dgm:constrLst>
+          <dgm:ruleLst>
+            <dgm:rule type="primFontSz" val="5" fact="NaN" max="NaN"/>
+          </dgm:ruleLst>
+        </dgm:layoutNode>
+      </dgm:layoutNode>
+      <dgm:choose name="Name15">
+        <dgm:if name="Name16" axis="self" ptType="node" func="revPos" op="gte" val="2">
+          <dgm:layoutNode name="aSpace">
+            <dgm:alg type="sp"/>
+            <dgm:shape xmlns:r="http://schemas.openxmlformats.org/officeDocument/2006/relationships" r:blip="">
+              <dgm:adjLst/>
+            </dgm:shape>
+            <dgm:presOf/>
+            <dgm:constrLst/>
+            <dgm:ruleLst/>
+          </dgm:layoutNode>
+        </dgm:if>
+        <dgm:else name="Name17"/>
+      </dgm:choose>
+    </dgm:forEach>
+  </dgm:layoutNode>
+</dgm:layoutDef>
+</file>
+
+<file path=ppt/diagrams/quickStyle1.xml><?xml version="1.0" encoding="utf-8"?>
+<dgm:styleDef xmlns:dgm="http://schemas.openxmlformats.org/drawingml/2006/diagram" xmlns:a="http://schemas.openxmlformats.org/drawingml/2006/main" uniqueId="urn:microsoft.com/office/officeart/2005/8/quickstyle/simple1">
+  <dgm:title val=""/>
+  <dgm:desc val=""/>
+  <dgm:catLst>
+    <dgm:cat type="simple" pri="10100"/>
+  </dgm:catLst>
+  <dgm:scene3d>
+    <a:camera prst="orthographicFront"/>
+    <a:lightRig rig="threePt" dir="t"/>
+  </dgm:scene3d>
+  <dgm:styleLbl name="node0">
+    <dgm:scene3d>
+      <a:camera prst="orthographicFront"/>
+      <a:lightRig rig="threePt" dir="t"/>
+    </dgm:scene3d>
+    <dgm:sp3d/>
+    <dgm:txPr/>
+    <dgm:style>
+      <a:lnRef idx="2">
+        <a:scrgbClr r="0" g="0" b="0"/>
+      </a:lnRef>
+      <a:fillRef idx="1">
+        <a:scrgbClr r="0" g="0" b="0"/>
+      </a:fillRef>
+      <a:effectRef idx="0">
+        <a:scrgbClr r="0" g="0" b="0"/>
+      </a:effectRef>
+      <a:fontRef idx="minor">
+        <a:schemeClr val="lt1"/>
+      </a:fontRef>
+    </dgm:style>
+  </dgm:styleLbl>
+  <dgm:styleLbl name="lnNode1">
+    <dgm:scene3d>
+      <a:camera prst="orthographicFront"/>
+      <a:lightRig rig="threePt" dir="t"/>
+    </dgm:scene3d>
+    <dgm:sp3d/>
+    <dgm:txPr/>
+    <dgm:style>
+      <a:lnRef idx="2">
+        <a:scrgbClr r="0" g="0" b="0"/>
+      </a:lnRef>
+      <a:fillRef idx="1">
+        <a:scrgbClr r="0" g="0" b="0"/>
+      </a:fillRef>
+      <a:effectRef idx="0">
+        <a:scrgbClr r="0" g="0" b="0"/>
+      </a:effectRef>
+      <a:fontRef idx="minor">
+        <a:schemeClr val="lt1"/>
+      </a:fontRef>
+    </dgm:style>
+  </dgm:styleLbl>
+  <dgm:styleLbl name="vennNode1">
+    <dgm:scene3d>
+      <a:camera prst="orthographicFront"/>
+      <a:lightRig rig="threePt" dir="t"/>
+    </dgm:scene3d>
+    <dgm:sp3d/>
+    <dgm:txPr/>
+    <dgm:style>
+      <a:lnRef idx="2">
+        <a:scrgbClr r="0" g="0" b="0"/>
+      </a:lnRef>
+      <a:fillRef idx="1">
+        <a:scrgbClr r="0" g="0" b="0"/>
+      </a:fillRef>
+      <a:effectRef idx="0">
+        <a:scrgbClr r="0" g="0" b="0"/>
+      </a:effectRef>
+      <a:fontRef idx="minor">
+        <a:schemeClr val="tx1"/>
+      </a:fontRef>
+    </dgm:style>
+  </dgm:styleLbl>
+  <dgm:styleLbl name="alignNode1">
+    <dgm:scene3d>
+      <a:camera prst="orthographicFront"/>
+      <a:lightRig rig="threePt" dir="t"/>
+    </dgm:scene3d>
+    <dgm:sp3d/>
+    <dgm:txPr/>
+    <dgm:style>
+      <a:lnRef idx="2">
+        <a:scrgbClr r="0" g="0" b="0"/>
+      </a:lnRef>
+      <a:fillRef idx="1">
+        <a:scrgbClr r="0" g="0" b="0"/>
+      </a:fillRef>
+      <a:effectRef idx="0">
+        <a:scrgbClr r="0" g="0" b="0"/>
+      </a:effectRef>
+      <a:fontRef idx="minor">
+        <a:schemeClr val="lt1"/>
+      </a:fontRef>
+    </dgm:style>
+  </dgm:styleLbl>
+  <dgm:styleLbl name="node1">
+    <dgm:scene3d>
+      <a:camera prst="orthographicFront"/>
+      <a:lightRig rig="threePt" dir="t"/>
+    </dgm:scene3d>
+    <dgm:sp3d/>
+    <dgm:txPr/>
+    <dgm:style>
+      <a:lnRef idx="2">
+        <a:scrgbClr r="0" g="0" b="0"/>
+      </a:lnRef>
+      <a:fillRef idx="1">
+        <a:scrgbClr r="0" g="0" b="0"/>
+      </a:fillRef>
+      <a:effectRef idx="0">
+        <a:scrgbClr r="0" g="0" b="0"/>
+      </a:effectRef>
+      <a:fontRef idx="minor">
+        <a:schemeClr val="lt1"/>
+      </a:fontRef>
+    </dgm:style>
+  </dgm:styleLbl>
+  <dgm:styleLbl name="node2">
+    <dgm:scene3d>
+      <a:camera prst="orthographicFront"/>
+      <a:lightRig rig="threePt" dir="t"/>
+    </dgm:scene3d>
+    <dgm:sp3d/>
+    <dgm:txPr/>
+    <dgm:style>
+      <a:lnRef idx="2">
+        <a:scrgbClr r="0" g="0" b="0"/>
+      </a:lnRef>
+      <a:fillRef idx="1">
+        <a:scrgbClr r="0" g="0" b="0"/>
+      </a:fillRef>
+      <a:effectRef idx="0">
+        <a:scrgbClr r="0" g="0" b="0"/>
+      </a:effectRef>
+      <a:fontRef idx="minor">
+        <a:schemeClr val="lt1"/>
+      </a:fontRef>
+    </dgm:style>
+  </dgm:styleLbl>
+  <dgm:styleLbl name="node3">
+    <dgm:scene3d>
+      <a:camera prst="orthographicFront"/>
+      <a:lightRig rig="threePt" dir="t"/>
+    </dgm:scene3d>
+    <dgm:sp3d/>
+    <dgm:txPr/>
+    <dgm:style>
+      <a:lnRef idx="2">
+        <a:scrgbClr r="0" g="0" b="0"/>
+      </a:lnRef>
+      <a:fillRef idx="1">
+        <a:scrgbClr r="0" g="0" b="0"/>
+      </a:fillRef>
+      <a:effectRef idx="0">
+        <a:scrgbClr r="0" g="0" b="0"/>
+      </a:effectRef>
+      <a:fontRef idx="minor">
+        <a:schemeClr val="lt1"/>
+      </a:fontRef>
+    </dgm:style>
+  </dgm:styleLbl>
+  <dgm:styleLbl name="node4">
+    <dgm:scene3d>
+      <a:camera prst="orthographicFront"/>
+      <a:lightRig rig="threePt" dir="t"/>
+    </dgm:scene3d>
+    <dgm:sp3d/>
+    <dgm:txPr/>
+    <dgm:style>
+      <a:lnRef idx="2">
+        <a:scrgbClr r="0" g="0" b="0"/>
+      </a:lnRef>
+      <a:fillRef idx="1">
+        <a:scrgbClr r="0" g="0" b="0"/>
+      </a:fillRef>
+      <a:effectRef idx="0">
+        <a:scrgbClr r="0" g="0" b="0"/>
+      </a:effectRef>
+      <a:fontRef idx="minor">
+        <a:schemeClr val="lt1"/>
+      </a:fontRef>
+    </dgm:style>
+  </dgm:styleLbl>
+  <dgm:styleLbl name="fgImgPlace1">
+    <dgm:scene3d>
+      <a:camera prst="orthographicFront"/>
+      <a:lightRig rig="threePt" dir="t"/>
+    </dgm:scene3d>
+    <dgm:sp3d/>
+    <dgm:txPr/>
+    <dgm:style>
+      <a:lnRef idx="2">
+        <a:scrgbClr r="0" g="0" b="0"/>
+      </a:lnRef>
+      <a:fillRef idx="1">
+        <a:scrgbClr r="0" g="0" b="0"/>
+      </a:fillRef>
+      <a:effectRef idx="0">
+        <a:scrgbClr r="0" g="0" b="0"/>
+      </a:effectRef>
+      <a:fontRef idx="minor"/>
+    </dgm:style>
+  </dgm:styleLbl>
+  <dgm:styleLbl name="alignImgPlace1">
+    <dgm:scene3d>
+      <a:camera prst="orthographicFront"/>
+      <a:lightRig rig="threePt" dir="t"/>
+    </dgm:scene3d>
+    <dgm:sp3d/>
+    <dgm:txPr/>
+    <dgm:style>
+      <a:lnRef idx="2">
+        <a:scrgbClr r="0" g="0" b="0"/>
+      </a:lnRef>
+      <a:fillRef idx="1">
+        <a:scrgbClr r="0" g="0" b="0"/>
+      </a:fillRef>
+      <a:effectRef idx="0">
+        <a:scrgbClr r="0" g="0" b="0"/>
+      </a:effectRef>
+      <a:fontRef idx="minor"/>
+    </dgm:style>
+  </dgm:styleLbl>
+  <dgm:styleLbl name="bgImgPlace1">
+    <dgm:scene3d>
+      <a:camera prst="orthographicFront"/>
+      <a:lightRig rig="threePt" dir="t"/>
+    </dgm:scene3d>
+    <dgm:sp3d/>
+    <dgm:txPr/>
+    <dgm:style>
+      <a:lnRef idx="2">
+        <a:scrgbClr r="0" g="0" b="0"/>
+      </a:lnRef>
+      <a:fillRef idx="1">
+        <a:scrgbClr r="0" g="0" b="0"/>
+      </a:fillRef>
+      <a:effectRef idx="0">
+        <a:scrgbClr r="0" g="0" b="0"/>
+      </a:effectRef>
+      <a:fontRef idx="minor"/>
+    </dgm:style>
+  </dgm:styleLbl>
+  <dgm:styleLbl name="sibTrans2D1">
+    <dgm:scene3d>
+      <a:camera prst="orthographicFront"/>
+      <a:lightRig rig="threePt" dir="t"/>
+    </dgm:scene3d>
+    <dgm:sp3d/>
+    <dgm:txPr/>
+    <dgm:style>
+      <a:lnRef idx="0">
+        <a:scrgbClr r="0" g="0" b="0"/>
+      </a:lnRef>
+      <a:fillRef idx="1">
+        <a:scrgbClr r="0" g="0" b="0"/>
+      </a:fillRef>
+      <a:effectRef idx="0">
+        <a:scrgbClr r="0" g="0" b="0"/>
+      </a:effectRef>
+      <a:fontRef idx="minor">
+        <a:schemeClr val="lt1"/>
+      </a:fontRef>
+    </dgm:style>
+  </dgm:styleLbl>
+  <dgm:styleLbl name="fgSibTrans2D1">
+    <dgm:scene3d>
+      <a:camera prst="orthographicFront"/>
+      <a:lightRig rig="threePt" dir="t"/>
+    </dgm:scene3d>
+    <dgm:sp3d/>
+    <dgm:txPr/>
+    <dgm:style>
+      <a:lnRef idx="0">
+        <a:scrgbClr r="0" g="0" b="0"/>
+      </a:lnRef>
+      <a:fillRef idx="1">
+        <a:scrgbClr r="0" g="0" b="0"/>
+      </a:fillRef>
+      <a:effectRef idx="0">
+        <a:scrgbClr r="0" g="0" b="0"/>
+      </a:effectRef>
+      <a:fontRef idx="minor">
+        <a:schemeClr val="lt1"/>
+      </a:fontRef>
+    </dgm:style>
+  </dgm:styleLbl>
+  <dgm:styleLbl name="bgSibTrans2D1">
+    <dgm:scene3d>
+      <a:camera prst="orthographicFront"/>
+      <a:lightRig rig="threePt" dir="t"/>
+    </dgm:scene3d>
+    <dgm:sp3d/>
+    <dgm:txPr/>
+    <dgm:style>
+      <a:lnRef idx="0">
+        <a:scrgbClr r="0" g="0" b="0"/>
+      </a:lnRef>
+      <a:fillRef idx="1">
+        <a:scrgbClr r="0" g="0" b="0"/>
+      </a:fillRef>
+      <a:effectRef idx="0">
+        <a:scrgbClr r="0" g="0" b="0"/>
+      </a:effectRef>
+      <a:fontRef idx="minor">
+        <a:schemeClr val="lt1"/>
+      </a:fontRef>
+    </dgm:style>
+  </dgm:styleLbl>
+  <dgm:styleLbl name="sibTrans1D1">
+    <dgm:scene3d>
+      <a:camera prst="orthographicFront"/>
+      <a:lightRig rig="threePt" dir="t"/>
+    </dgm:scene3d>
+    <dgm:sp3d/>
+    <dgm:txPr/>
+    <dgm:style>
+      <a:lnRef idx="1">
+        <a:scrgbClr r="0" g="0" b="0"/>
+      </a:lnRef>
+      <a:fillRef idx="0">
+        <a:scrgbClr r="0" g="0" b="0"/>
+      </a:fillRef>
+      <a:effectRef idx="0">
+        <a:scrgbClr r="0" g="0" b="0"/>
+      </a:effectRef>
+      <a:fontRef idx="minor"/>
+    </dgm:style>
+  </dgm:styleLbl>
+  <dgm:styleLbl name="callout">
+    <dgm:scene3d>
+      <a:camera prst="orthographicFront"/>
+      <a:lightRig rig="threePt" dir="t"/>
+    </dgm:scene3d>
+    <dgm:sp3d/>
+    <dgm:txPr/>
+    <dgm:style>
+      <a:lnRef idx="2">
+        <a:scrgbClr r="0" g="0" b="0"/>
+      </a:lnRef>
+      <a:fillRef idx="1">
+        <a:scrgbClr r="0" g="0" b="0"/>
+      </a:fillRef>
+      <a:effectRef idx="0">
+        <a:scrgbClr r="0" g="0" b="0"/>
+      </a:effectRef>
+      <a:fontRef idx="minor"/>
+    </dgm:style>
+  </dgm:styleLbl>
+  <dgm:styleLbl name="asst0">
+    <dgm:scene3d>
+      <a:camera prst="orthographicFront"/>
+      <a:lightRig rig="threePt" dir="t"/>
+    </dgm:scene3d>
+    <dgm:sp3d/>
+    <dgm:txPr/>
+    <dgm:style>
+      <a:lnRef idx="2">
+        <a:scrgbClr r="0" g="0" b="0"/>
+      </a:lnRef>
+      <a:fillRef idx="1">
+        <a:scrgbClr r="0" g="0" b="0"/>
+      </a:fillRef>
+      <a:effectRef idx="0">
+        <a:scrgbClr r="0" g="0" b="0"/>
+      </a:effectRef>
+      <a:fontRef idx="minor">
+        <a:schemeClr val="lt1"/>
+      </a:fontRef>
+    </dgm:style>
+  </dgm:styleLbl>
+  <dgm:styleLbl name="asst1">
+    <dgm:scene3d>
+      <a:camera prst="orthographicFront"/>
+      <a:lightRig rig="threePt" dir="t"/>
+    </dgm:scene3d>
+    <dgm:sp3d/>
+    <dgm:txPr/>
+    <dgm:style>
+      <a:lnRef idx="2">
+        <a:scrgbClr r="0" g="0" b="0"/>
+      </a:lnRef>
+      <a:fillRef idx="1">
+        <a:scrgbClr r="0" g="0" b="0"/>
+      </a:fillRef>
+      <a:effectRef idx="0">
+        <a:scrgbClr r="0" g="0" b="0"/>
+      </a:effectRef>
+      <a:fontRef idx="minor">
+        <a:schemeClr val="lt1"/>
+      </a:fontRef>
+    </dgm:style>
+  </dgm:styleLbl>
+  <dgm:styleLbl name="asst2">
+    <dgm:scene3d>
+      <a:camera prst="orthographicFront"/>
+      <a:lightRig rig="threePt" dir="t"/>
+    </dgm:scene3d>
+    <dgm:sp3d/>
+    <dgm:txPr/>
+    <dgm:style>
+      <a:lnRef idx="2">
+        <a:scrgbClr r="0" g="0" b="0"/>
+      </a:lnRef>
+      <a:fillRef idx="1">
+        <a:scrgbClr r="0" g="0" b="0"/>
+      </a:fillRef>
+      <a:effectRef idx="0">
+        <a:scrgbClr r="0" g="0" b="0"/>
+      </a:effectRef>
+      <a:fontRef idx="minor">
+        <a:schemeClr val="lt1"/>
+      </a:fontRef>
+    </dgm:style>
+  </dgm:styleLbl>
+  <dgm:styleLbl name="asst3">
+    <dgm:scene3d>
+      <a:camera prst="orthographicFront"/>
+      <a:lightRig rig="threePt" dir="t"/>
+    </dgm:scene3d>
+    <dgm:sp3d/>
+    <dgm:txPr/>
+    <dgm:style>
+      <a:lnRef idx="2">
+        <a:scrgbClr r="0" g="0" b="0"/>
+      </a:lnRef>
+      <a:fillRef idx="1">
+        <a:scrgbClr r="0" g="0" b="0"/>
+      </a:fillRef>
+      <a:effectRef idx="0">
+        <a:scrgbClr r="0" g="0" b="0"/>
+      </a:effectRef>
+      <a:fontRef idx="minor">
+        <a:schemeClr val="lt1"/>
+      </a:fontRef>
+    </dgm:style>
+  </dgm:styleLbl>
+  <dgm:styleLbl name="asst4">
+    <dgm:scene3d>
+      <a:camera prst="orthographicFront"/>
+      <a:lightRig rig="threePt" dir="t"/>
+    </dgm:scene3d>
+    <dgm:sp3d/>
+    <dgm:txPr/>
+    <dgm:style>
+      <a:lnRef idx="2">
+        <a:scrgbClr r="0" g="0" b="0"/>
+      </a:lnRef>
+      <a:fillRef idx="1">
+        <a:scrgbClr r="0" g="0" b="0"/>
+      </a:fillRef>
+      <a:effectRef idx="0">
+        <a:scrgbClr r="0" g="0" b="0"/>
+      </a:effectRef>
+      <a:fontRef idx="minor">
+        <a:schemeClr val="lt1"/>
+      </a:fontRef>
+    </dgm:style>
+  </dgm:styleLbl>
+  <dgm:styleLbl name="parChTrans2D1">
+    <dgm:scene3d>
+      <a:camera prst="orthographicFront"/>
+      <a:lightRig rig="threePt" dir="t"/>
+    </dgm:scene3d>
+    <dgm:sp3d/>
+    <dgm:txPr/>
+    <dgm:style>
+      <a:lnRef idx="2">
+        <a:scrgbClr r="0" g="0" b="0"/>
+      </a:lnRef>
+      <a:fillRef idx="1">
+        <a:scrgbClr r="0" g="0" b="0"/>
+      </a:fillRef>
+      <a:effectRef idx="0">
+        <a:scrgbClr r="0" g="0" b="0"/>
+      </a:effectRef>
+      <a:fontRef idx="minor">
+        <a:schemeClr val="lt1"/>
+      </a:fontRef>
+    </dgm:style>
+  </dgm:styleLbl>
+  <dgm:styleLbl name="parChTrans2D2">
+    <dgm:scene3d>
+      <a:camera prst="orthographicFront"/>
+      <a:lightRig rig="threePt" dir="t"/>
+    </dgm:scene3d>
+    <dgm:sp3d/>
+    <dgm:txPr/>
+    <dgm:style>
+      <a:lnRef idx="2">
+        <a:scrgbClr r="0" g="0" b="0"/>
+      </a:lnRef>
+      <a:fillRef idx="1">
+        <a:scrgbClr r="0" g="0" b="0"/>
+      </a:fillRef>
+      <a:effectRef idx="0">
+        <a:scrgbClr r="0" g="0" b="0"/>
+      </a:effectRef>
+      <a:fontRef idx="minor">
+        <a:schemeClr val="lt1"/>
+      </a:fontRef>
+    </dgm:style>
+  </dgm:styleLbl>
+  <dgm:styleLbl name="parChTrans2D3">
+    <dgm:scene3d>
+      <a:camera prst="orthographicFront"/>
+      <a:lightRig rig="threePt" dir="t"/>
+    </dgm:scene3d>
+    <dgm:sp3d/>
+    <dgm:txPr/>
+    <dgm:style>
+      <a:lnRef idx="2">
+        <a:scrgbClr r="0" g="0" b="0"/>
+      </a:lnRef>
+      <a:fillRef idx="1">
+        <a:scrgbClr r="0" g="0" b="0"/>
+      </a:fillRef>
+      <a:effectRef idx="0">
+        <a:scrgbClr r="0" g="0" b="0"/>
+      </a:effectRef>
+      <a:fontRef idx="minor">
+        <a:schemeClr val="lt1"/>
+      </a:fontRef>
+    </dgm:style>
+  </dgm:styleLbl>
+  <dgm:styleLbl name="parChTrans2D4">
+    <dgm:scene3d>
+      <a:camera prst="orthographicFront"/>
+      <a:lightRig rig="threePt" dir="t"/>
+    </dgm:scene3d>
+    <dgm:sp3d/>
+    <dgm:txPr/>
+    <dgm:style>
+      <a:lnRef idx="2">
+        <a:scrgbClr r="0" g="0" b="0"/>
+      </a:lnRef>
+      <a:fillRef idx="1">
+        <a:scrgbClr r="0" g="0" b="0"/>
+      </a:fillRef>
+      <a:effectRef idx="0">
+        <a:scrgbClr r="0" g="0" b="0"/>
+      </a:effectRef>
+      <a:fontRef idx="minor">
+        <a:schemeClr val="lt1"/>
+      </a:fontRef>
+    </dgm:style>
+  </dgm:styleLbl>
+  <dgm:styleLbl name="parChTrans1D1">
+    <dgm:scene3d>
+      <a:camera prst="orthographicFront"/>
+      <a:lightRig rig="threePt" dir="t"/>
+    </dgm:scene3d>
+    <dgm:sp3d/>
+    <dgm:txPr/>
+    <dgm:style>
+      <a:lnRef idx="2">
+        <a:scrgbClr r="0" g="0" b="0"/>
+      </a:lnRef>
+      <a:fillRef idx="0">
+        <a:scrgbClr r="0" g="0" b="0"/>
+      </a:fillRef>
+      <a:effectRef idx="0">
+        <a:scrgbClr r="0" g="0" b="0"/>
+      </a:effectRef>
+      <a:fontRef idx="minor"/>
+    </dgm:style>
+  </dgm:styleLbl>
+  <dgm:styleLbl name="parChTrans1D2">
+    <dgm:scene3d>
+      <a:camera prst="orthographicFront"/>
+      <a:lightRig rig="threePt" dir="t"/>
+    </dgm:scene3d>
+    <dgm:sp3d/>
+    <dgm:txPr/>
+    <dgm:style>
+      <a:lnRef idx="2">
+        <a:scrgbClr r="0" g="0" b="0"/>
+      </a:lnRef>
+      <a:fillRef idx="0">
+        <a:scrgbClr r="0" g="0" b="0"/>
+      </a:fillRef>
+      <a:effectRef idx="0">
+        <a:scrgbClr r="0" g="0" b="0"/>
+      </a:effectRef>
+      <a:fontRef idx="minor"/>
+    </dgm:style>
+  </dgm:styleLbl>
+  <dgm:styleLbl name="parChTrans1D3">
+    <dgm:scene3d>
+      <a:camera prst="orthographicFront"/>
+      <a:lightRig rig="threePt" dir="t"/>
+    </dgm:scene3d>
+    <dgm:sp3d/>
+    <dgm:txPr/>
+    <dgm:style>
+      <a:lnRef idx="2">
+        <a:scrgbClr r="0" g="0" b="0"/>
+      </a:lnRef>
+      <a:fillRef idx="0">
+        <a:scrgbClr r="0" g="0" b="0"/>
+      </a:fillRef>
+      <a:effectRef idx="0">
+        <a:scrgbClr r="0" g="0" b="0"/>
+      </a:effectRef>
+      <a:fontRef idx="minor"/>
+    </dgm:style>
+  </dgm:styleLbl>
+  <dgm:styleLbl name="parChTrans1D4">
+    <dgm:scene3d>
+      <a:camera prst="orthographicFront"/>
+      <a:lightRig rig="threePt" dir="t"/>
+    </dgm:scene3d>
+    <dgm:sp3d/>
+    <dgm:txPr/>
+    <dgm:style>
+      <a:lnRef idx="2">
+        <a:scrgbClr r="0" g="0" b="0"/>
+      </a:lnRef>
+      <a:fillRef idx="0">
+        <a:scrgbClr r="0" g="0" b="0"/>
+      </a:fillRef>
+      <a:effectRef idx="0">
+        <a:scrgbClr r="0" g="0" b="0"/>
+      </a:effectRef>
+      <a:fontRef idx="minor"/>
+    </dgm:style>
+  </dgm:styleLbl>
+  <dgm:styleLbl name="fgAcc1">
+    <dgm:scene3d>
+      <a:camera prst="orthographicFront"/>
+      <a:lightRig rig="threePt" dir="t"/>
+    </dgm:scene3d>
+    <dgm:sp3d/>
+    <dgm:txPr/>
+    <dgm:style>
+      <a:lnRef idx="2">
+        <a:scrgbClr r="0" g="0" b="0"/>
+      </a:lnRef>
+      <a:fillRef idx="1">
+        <a:scrgbClr r="0" g="0" b="0"/>
+      </a:fillRef>
+      <a:effectRef idx="0">
+        <a:scrgbClr r="0" g="0" b="0"/>
+      </a:effectRef>
+      <a:fontRef idx="minor"/>
+    </dgm:style>
+  </dgm:styleLbl>
+  <dgm:styleLbl name="conFgAcc1">
+    <dgm:scene3d>
+      <a:camera prst="orthographicFront"/>
+      <a:lightRig rig="threePt" dir="t"/>
+    </dgm:scene3d>
+    <dgm:sp3d/>
+    <dgm:txPr/>
+    <dgm:style>
+      <a:lnRef idx="2">
+        <a:scrgbClr r="0" g="0" b="0"/>
+      </a:lnRef>
+      <a:fillRef idx="1">
+        <a:scrgbClr r="0" g="0" b="0"/>
+      </a:fillRef>
+      <a:effectRef idx="0">
+        <a:scrgbClr r="0" g="0" b="0"/>
+      </a:effectRef>
+      <a:fontRef idx="minor"/>
+    </dgm:style>
+  </dgm:styleLbl>
+  <dgm:styleLbl name="alignAcc1">
+    <dgm:scene3d>
+      <a:camera prst="orthographicFront"/>
+      <a:lightRig rig="threePt" dir="t"/>
+    </dgm:scene3d>
+    <dgm:sp3d/>
+    <dgm:txPr/>
+    <dgm:style>
+      <a:lnRef idx="2">
+        <a:scrgbClr r="0" g="0" b="0"/>
+      </a:lnRef>
+      <a:fillRef idx="1">
+        <a:scrgbClr r="0" g="0" b="0"/>
+      </a:fillRef>
+      <a:effectRef idx="0">
+        <a:scrgbClr r="0" g="0" b="0"/>
+      </a:effectRef>
+      <a:fontRef idx="minor"/>
+    </dgm:style>
+  </dgm:styleLbl>
+  <dgm:styleLbl name="trAlignAcc1">
+    <dgm:scene3d>
+      <a:camera prst="orthographicFront"/>
+      <a:lightRig rig="threePt" dir="t"/>
+    </dgm:scene3d>
+    <dgm:sp3d/>
+    <dgm:txPr/>
+    <dgm:style>
+      <a:lnRef idx="1">
+        <a:scrgbClr r="0" g="0" b="0"/>
+      </a:lnRef>
+      <a:fillRef idx="1">
+        <a:scrgbClr r="0" g="0" b="0"/>
+      </a:fillRef>
+      <a:effectRef idx="0">
+        <a:scrgbClr r="0" g="0" b="0"/>
+      </a:effectRef>
+      <a:fontRef idx="minor"/>
+    </dgm:style>
+  </dgm:styleLbl>
+  <dgm:styleLbl name="bgAcc1">
+    <dgm:scene3d>
+      <a:camera prst="orthographicFront"/>
+      <a:lightRig rig="threePt" dir="t"/>
+    </dgm:scene3d>
+    <dgm:sp3d/>
+    <dgm:txPr/>
+    <dgm:style>
+      <a:lnRef idx="2">
+        <a:scrgbClr r="0" g="0" b="0"/>
+      </a:lnRef>
+      <a:fillRef idx="1">
+        <a:scrgbClr r="0" g="0" b="0"/>
+      </a:fillRef>
+      <a:effectRef idx="0">
+        <a:scrgbClr r="0" g="0" b="0"/>
+      </a:effectRef>
+      <a:fontRef idx="minor"/>
+    </dgm:style>
+  </dgm:styleLbl>
+  <dgm:styleLbl name="solidFgAcc1">
+    <dgm:scene3d>
+      <a:camera prst="orthographicFront"/>
+      <a:lightRig rig="threePt" dir="t"/>
+    </dgm:scene3d>
+    <dgm:sp3d/>
+    <dgm:txPr/>
+    <dgm:style>
+      <a:lnRef idx="2">
+        <a:scrgbClr r="0" g="0" b="0"/>
+      </a:lnRef>
+      <a:fillRef idx="1">
+        <a:scrgbClr r="0" g="0" b="0"/>
+      </a:fillRef>
+      <a:effectRef idx="0">
+        <a:scrgbClr r="0" g="0" b="0"/>
+      </a:effectRef>
+      <a:fontRef idx="minor"/>
+    </dgm:style>
+  </dgm:styleLbl>
+  <dgm:styleLbl name="solidAlignAcc1">
+    <dgm:scene3d>
+      <a:camera prst="orthographicFront"/>
+      <a:lightRig rig="threePt" dir="t"/>
+    </dgm:scene3d>
+    <dgm:sp3d/>
+    <dgm:txPr/>
+    <dgm:style>
+      <a:lnRef idx="2">
+        <a:scrgbClr r="0" g="0" b="0"/>
+      </a:lnRef>
+      <a:fillRef idx="1">
+        <a:scrgbClr r="0" g="0" b="0"/>
+      </a:fillRef>
+      <a:effectRef idx="0">
+        <a:scrgbClr r="0" g="0" b="0"/>
+      </a:effectRef>
+      <a:fontRef idx="minor"/>
+    </dgm:style>
+  </dgm:styleLbl>
+  <dgm:styleLbl name="solidBgAcc1">
+    <dgm:scene3d>
+      <a:camera prst="orthographicFront"/>
+      <a:lightRig rig="threePt" dir="t"/>
+    </dgm:scene3d>
+    <dgm:sp3d/>
+    <dgm:txPr/>
+    <dgm:style>
+      <a:lnRef idx="2">
+        <a:scrgbClr r="0" g="0" b="0"/>
+      </a:lnRef>
+      <a:fillRef idx="1">
+        <a:scrgbClr r="0" g="0" b="0"/>
+      </a:fillRef>
+      <a:effectRef idx="0">
+        <a:scrgbClr r="0" g="0" b="0"/>
+      </a:effectRef>
+      <a:fontRef idx="minor"/>
+    </dgm:style>
+  </dgm:styleLbl>
+  <dgm:styleLbl name="fgAccFollowNode1">
+    <dgm:scene3d>
+      <a:camera prst="orthographicFront"/>
+      <a:lightRig rig="threePt" dir="t"/>
+    </dgm:scene3d>
+    <dgm:sp3d/>
+    <dgm:txPr/>
+    <dgm:style>
+      <a:lnRef idx="2">
+        <a:scrgbClr r="0" g="0" b="0"/>
+      </a:lnRef>
+      <a:fillRef idx="1">
+        <a:scrgbClr r="0" g="0" b="0"/>
+      </a:fillRef>
+      <a:effectRef idx="0">
+        <a:scrgbClr r="0" g="0" b="0"/>
+      </a:effectRef>
+      <a:fontRef idx="minor"/>
+    </dgm:style>
+  </dgm:styleLbl>
+  <dgm:styleLbl name="alignAccFollowNode1">
+    <dgm:scene3d>
+      <a:camera prst="orthographicFront"/>
+      <a:lightRig rig="threePt" dir="t"/>
+    </dgm:scene3d>
+    <dgm:sp3d/>
+    <dgm:txPr/>
+    <dgm:style>
+      <a:lnRef idx="2">
+        <a:scrgbClr r="0" g="0" b="0"/>
+      </a:lnRef>
+      <a:fillRef idx="1">
+        <a:scrgbClr r="0" g="0" b="0"/>
+      </a:fillRef>
+      <a:effectRef idx="0">
+        <a:scrgbClr r="0" g="0" b="0"/>
+      </a:effectRef>
+      <a:fontRef idx="minor"/>
+    </dgm:style>
+  </dgm:styleLbl>
+  <dgm:styleLbl name="bgAccFollowNode1">
+    <dgm:scene3d>
+      <a:camera prst="orthographicFront"/>
+      <a:lightRig rig="threePt" dir="t"/>
+    </dgm:scene3d>
+    <dgm:sp3d/>
+    <dgm:txPr/>
+    <dgm:style>
+      <a:lnRef idx="2">
+        <a:scrgbClr r="0" g="0" b="0"/>
+      </a:lnRef>
+      <a:fillRef idx="1">
+        <a:scrgbClr r="0" g="0" b="0"/>
+      </a:fillRef>
+      <a:effectRef idx="0">
+        <a:scrgbClr r="0" g="0" b="0"/>
+      </a:effectRef>
+      <a:fontRef idx="minor"/>
+    </dgm:style>
+  </dgm:styleLbl>
+  <dgm:styleLbl name="fgAcc0">
+    <dgm:scene3d>
+      <a:camera prst="orthographicFront"/>
+      <a:lightRig rig="threePt" dir="t"/>
+    </dgm:scene3d>
+    <dgm:sp3d/>
+    <dgm:txPr/>
+    <dgm:style>
+      <a:lnRef idx="2">
+        <a:scrgbClr r="0" g="0" b="0"/>
+      </a:lnRef>
+      <a:fillRef idx="1">
+        <a:scrgbClr r="0" g="0" b="0"/>
+      </a:fillRef>
+      <a:effectRef idx="0">
+        <a:scrgbClr r="0" g="0" b="0"/>
+      </a:effectRef>
+      <a:fontRef idx="minor"/>
+    </dgm:style>
+  </dgm:styleLbl>
+  <dgm:styleLbl name="fgAcc2">
+    <dgm:scene3d>
+      <a:camera prst="orthographicFront"/>
+      <a:lightRig rig="threePt" dir="t"/>
+    </dgm:scene3d>
+    <dgm:sp3d/>
+    <dgm:txPr/>
+    <dgm:style>
+      <a:lnRef idx="2">
+        <a:scrgbClr r="0" g="0" b="0"/>
+      </a:lnRef>
+      <a:fillRef idx="1">
+        <a:scrgbClr r="0" g="0" b="0"/>
+      </a:fillRef>
+      <a:effectRef idx="0">
+        <a:scrgbClr r="0" g="0" b="0"/>
+      </a:effectRef>
+      <a:fontRef idx="minor"/>
+    </dgm:style>
+  </dgm:styleLbl>
+  <dgm:styleLbl name="fgAcc3">
+    <dgm:scene3d>
+      <a:camera prst="orthographicFront"/>
+      <a:lightRig rig="threePt" dir="t"/>
+    </dgm:scene3d>
+    <dgm:sp3d/>
+    <dgm:txPr/>
+    <dgm:style>
+      <a:lnRef idx="2">
+        <a:scrgbClr r="0" g="0" b="0"/>
+      </a:lnRef>
+      <a:fillRef idx="1">
+        <a:scrgbClr r="0" g="0" b="0"/>
+      </a:fillRef>
+      <a:effectRef idx="0">
+        <a:scrgbClr r="0" g="0" b="0"/>
+      </a:effectRef>
+      <a:fontRef idx="minor"/>
+    </dgm:style>
+  </dgm:styleLbl>
+  <dgm:styleLbl name="fgAcc4">
+    <dgm:scene3d>
+      <a:camera prst="orthographicFront"/>
+      <a:lightRig rig="threePt" dir="t"/>
+    </dgm:scene3d>
+    <dgm:sp3d/>
+    <dgm:txPr/>
+    <dgm:style>
+      <a:lnRef idx="2">
+        <a:scrgbClr r="0" g="0" b="0"/>
+      </a:lnRef>
+      <a:fillRef idx="1">
+        <a:scrgbClr r="0" g="0" b="0"/>
+      </a:fillRef>
+      <a:effectRef idx="0">
+        <a:scrgbClr r="0" g="0" b="0"/>
+      </a:effectRef>
+      <a:fontRef idx="minor"/>
+    </dgm:style>
+  </dgm:styleLbl>
+  <dgm:styleLbl name="bgShp">
+    <dgm:scene3d>
+      <a:camera prst="orthographicFront"/>
+      <a:lightRig rig="threePt" dir="t"/>
+    </dgm:scene3d>
+    <dgm:sp3d/>
+    <dgm:txPr/>
+    <dgm:style>
+      <a:lnRef idx="0">
+        <a:scrgbClr r="0" g="0" b="0"/>
+      </a:lnRef>
+      <a:fillRef idx="1">
+        <a:scrgbClr r="0" g="0" b="0"/>
+      </a:fillRef>
+      <a:effectRef idx="0">
+        <a:scrgbClr r="0" g="0" b="0"/>
+      </a:effectRef>
+      <a:fontRef idx="minor"/>
+    </dgm:style>
+  </dgm:styleLbl>
+  <dgm:styleLbl name="dkBgShp">
+    <dgm:scene3d>
+      <a:camera prst="orthographicFront"/>
+      <a:lightRig rig="threePt" dir="t"/>
+    </dgm:scene3d>
+    <dgm:sp3d/>
+    <dgm:txPr/>
+    <dgm:style>
+      <a:lnRef idx="0">
+        <a:scrgbClr r="0" g="0" b="0"/>
+      </a:lnRef>
+      <a:fillRef idx="1">
+        <a:scrgbClr r="0" g="0" b="0"/>
+      </a:fillRef>
+      <a:effectRef idx="0">
+        <a:scrgbClr r="0" g="0" b="0"/>
+      </a:effectRef>
+      <a:fontRef idx="minor"/>
+    </dgm:style>
+  </dgm:styleLbl>
+  <dgm:styleLbl name="trBgShp">
+    <dgm:scene3d>
+      <a:camera prst="orthographicFront"/>
+      <a:lightRig rig="threePt" dir="t"/>
+    </dgm:scene3d>
+    <dgm:sp3d/>
+    <dgm:txPr/>
+    <dgm:style>
+      <a:lnRef idx="0">
+        <a:scrgbClr r="0" g="0" b="0"/>
+      </a:lnRef>
+      <a:fillRef idx="1">
+        <a:scrgbClr r="0" g="0" b="0"/>
+      </a:fillRef>
+      <a:effectRef idx="0">
+        <a:scrgbClr r="0" g="0" b="0"/>
+      </a:effectRef>
+      <a:fontRef idx="minor"/>
+    </dgm:style>
+  </dgm:styleLbl>
+  <dgm:styleLbl name="fgShp">
+    <dgm:scene3d>
+      <a:camera prst="orthographicFront"/>
+      <a:lightRig rig="threePt" dir="t"/>
+    </dgm:scene3d>
+    <dgm:sp3d/>
+    <dgm:txPr/>
+    <dgm:style>
+      <a:lnRef idx="2">
+        <a:scrgbClr r="0" g="0" b="0"/>
+      </a:lnRef>
+      <a:fillRef idx="1">
+        <a:scrgbClr r="0" g="0" b="0"/>
+      </a:fillRef>
+      <a:effectRef idx="0">
+        <a:scrgbClr r="0" g="0" b="0"/>
+      </a:effectRef>
+      <a:fontRef idx="minor"/>
+    </dgm:style>
+  </dgm:styleLbl>
+  <dgm:styleLbl name="revTx">
+    <dgm:scene3d>
+      <a:camera prst="orthographicFront"/>
+      <a:lightRig rig="threePt" dir="t"/>
+    </dgm:scene3d>
+    <dgm:sp3d/>
+    <dgm:txPr/>
+    <dgm:style>
+      <a:lnRef idx="0">
+        <a:scrgbClr r="0" g="0" b="0"/>
+      </a:lnRef>
+      <a:fillRef idx="0">
+        <a:scrgbClr r="0" g="0" b="0"/>
+      </a:fillRef>
+      <a:effectRef idx="0">
+        <a:scrgbClr r="0" g="0" b="0"/>
+      </a:effectRef>
+      <a:fontRef idx="minor"/>
+    </dgm:style>
+  </dgm:styleLbl>
+</dgm:styleDef>
 </file>
 
 <file path=ppt/slideLayouts/slideLayout1.xml><?xml version="1.0" encoding="utf-8"?>
@@ -274,7 +3587,7 @@
           </a:lstStyle>
           <a:p>
             <a:r>
-              <a:rPr lang="en-US" smtClean="0"/>
+              <a:rPr lang="en-US"/>
               <a:t>Click to edit Master title style</a:t>
             </a:r>
             <a:endParaRPr lang="en-US" dirty="0"/>
@@ -391,7 +3704,7 @@
           </a:lstStyle>
           <a:p>
             <a:r>
-              <a:rPr lang="en-US" smtClean="0"/>
+              <a:rPr lang="en-US"/>
               <a:t>Click to edit Master subtitle style</a:t>
             </a:r>
             <a:endParaRPr lang="en-US" dirty="0"/>
@@ -517,7 +3830,7 @@
           </a:lstStyle>
           <a:p>
             <a:r>
-              <a:rPr lang="en-US" smtClean="0"/>
+              <a:rPr lang="en-US"/>
               <a:t>Click to edit Master title style</a:t>
             </a:r>
             <a:endParaRPr lang="en-US" dirty="0"/>
@@ -639,7 +3952,7 @@
           </a:lstStyle>
           <a:p>
             <a:r>
-              <a:rPr lang="en-US" smtClean="0"/>
+              <a:rPr lang="en-US"/>
               <a:t>Click icon to add picture</a:t>
             </a:r>
             <a:endParaRPr lang="en-US" dirty="0"/>
@@ -707,7 +4020,7 @@
           <a:p>
             <a:pPr lvl="0"/>
             <a:r>
-              <a:rPr lang="en-US" smtClean="0"/>
+              <a:rPr lang="en-US"/>
               <a:t>Click to edit Master text styles</a:t>
             </a:r>
           </a:p>
@@ -1038,7 +4351,7 @@
           </a:lstStyle>
           <a:p>
             <a:r>
-              <a:rPr lang="en-US" smtClean="0"/>
+              <a:rPr lang="en-US"/>
               <a:t>Click to edit Master title style</a:t>
             </a:r>
             <a:endParaRPr lang="en-US" dirty="0"/>
@@ -1158,7 +4471,7 @@
           <a:p>
             <a:pPr lvl="0"/>
             <a:r>
-              <a:rPr lang="en-US" smtClean="0"/>
+              <a:rPr lang="en-US"/>
               <a:t>Click to edit Master text styles</a:t>
             </a:r>
           </a:p>
@@ -1192,7 +4505,7 @@
           <a:p>
             <a:pPr lvl="0"/>
             <a:r>
-              <a:rPr lang="en-US" smtClean="0"/>
+              <a:rPr lang="en-US"/>
               <a:t>Click to edit Master text styles</a:t>
             </a:r>
           </a:p>
@@ -1523,7 +4836,7 @@
           </a:lstStyle>
           <a:p>
             <a:r>
-              <a:rPr lang="en-US" smtClean="0"/>
+              <a:rPr lang="en-US"/>
               <a:t>Click to edit Master title style</a:t>
             </a:r>
             <a:endParaRPr lang="en-US" dirty="0"/>
@@ -1558,7 +4871,7 @@
           <a:p>
             <a:pPr lvl="0"/>
             <a:r>
-              <a:rPr lang="en-US" smtClean="0"/>
+              <a:rPr lang="en-US"/>
               <a:t>Click to edit Master text styles</a:t>
             </a:r>
           </a:p>
@@ -1775,7 +5088,7 @@
           <a:lstStyle/>
           <a:p>
             <a:r>
-              <a:rPr lang="en-US" smtClean="0"/>
+              <a:rPr lang="en-US"/>
               <a:t>Click to edit Master title style</a:t>
             </a:r>
             <a:endParaRPr lang="en-US" dirty="0"/>
@@ -1799,35 +5112,35 @@
           <a:p>
             <a:pPr lvl="0"/>
             <a:r>
-              <a:rPr lang="en-US" smtClean="0"/>
+              <a:rPr lang="en-US"/>
               <a:t>Click to edit Master text styles</a:t>
             </a:r>
           </a:p>
           <a:p>
             <a:pPr lvl="1"/>
             <a:r>
-              <a:rPr lang="en-US" smtClean="0"/>
+              <a:rPr lang="en-US"/>
               <a:t>Second level</a:t>
             </a:r>
           </a:p>
           <a:p>
             <a:pPr lvl="2"/>
             <a:r>
-              <a:rPr lang="en-US" smtClean="0"/>
+              <a:rPr lang="en-US"/>
               <a:t>Third level</a:t>
             </a:r>
           </a:p>
           <a:p>
             <a:pPr lvl="3"/>
             <a:r>
-              <a:rPr lang="en-US" smtClean="0"/>
+              <a:rPr lang="en-US"/>
               <a:t>Fourth level</a:t>
             </a:r>
           </a:p>
           <a:p>
             <a:pPr lvl="4"/>
             <a:r>
-              <a:rPr lang="en-US" smtClean="0"/>
+              <a:rPr lang="en-US"/>
               <a:t>Fifth level</a:t>
             </a:r>
             <a:endParaRPr lang="en-US" dirty="0"/>
@@ -2052,7 +5365,7 @@
           <a:lstStyle/>
           <a:p>
             <a:r>
-              <a:rPr lang="en-US" smtClean="0"/>
+              <a:rPr lang="en-US"/>
               <a:t>Click to edit Master title style</a:t>
             </a:r>
             <a:endParaRPr lang="en-US" dirty="0"/>
@@ -2081,35 +5394,35 @@
           <a:p>
             <a:pPr lvl="0"/>
             <a:r>
-              <a:rPr lang="en-US" smtClean="0"/>
+              <a:rPr lang="en-US"/>
               <a:t>Click to edit Master text styles</a:t>
             </a:r>
           </a:p>
           <a:p>
             <a:pPr lvl="1"/>
             <a:r>
-              <a:rPr lang="en-US" smtClean="0"/>
+              <a:rPr lang="en-US"/>
               <a:t>Second level</a:t>
             </a:r>
           </a:p>
           <a:p>
             <a:pPr lvl="2"/>
             <a:r>
-              <a:rPr lang="en-US" smtClean="0"/>
+              <a:rPr lang="en-US"/>
               <a:t>Third level</a:t>
             </a:r>
           </a:p>
           <a:p>
             <a:pPr lvl="3"/>
             <a:r>
-              <a:rPr lang="en-US" smtClean="0"/>
+              <a:rPr lang="en-US"/>
               <a:t>Fourth level</a:t>
             </a:r>
           </a:p>
           <a:p>
             <a:pPr lvl="4"/>
             <a:r>
-              <a:rPr lang="en-US" smtClean="0"/>
+              <a:rPr lang="en-US"/>
               <a:t>Fifth level</a:t>
             </a:r>
             <a:endParaRPr lang="en-US" dirty="0"/>
@@ -2332,7 +5645,7 @@
           <a:lstStyle/>
           <a:p>
             <a:r>
-              <a:rPr lang="en-US" smtClean="0"/>
+              <a:rPr lang="en-US"/>
               <a:t>Click to edit Master title style</a:t>
             </a:r>
             <a:endParaRPr lang="en-US" dirty="0"/>
@@ -2361,35 +5674,35 @@
           <a:p>
             <a:pPr lvl="0"/>
             <a:r>
-              <a:rPr lang="en-US" smtClean="0"/>
+              <a:rPr lang="en-US"/>
               <a:t>Click to edit Master text styles</a:t>
             </a:r>
           </a:p>
           <a:p>
             <a:pPr lvl="1"/>
             <a:r>
-              <a:rPr lang="en-US" smtClean="0"/>
+              <a:rPr lang="en-US"/>
               <a:t>Second level</a:t>
             </a:r>
           </a:p>
           <a:p>
             <a:pPr lvl="2"/>
             <a:r>
-              <a:rPr lang="en-US" smtClean="0"/>
+              <a:rPr lang="en-US"/>
               <a:t>Third level</a:t>
             </a:r>
           </a:p>
           <a:p>
             <a:pPr lvl="3"/>
             <a:r>
-              <a:rPr lang="en-US" smtClean="0"/>
+              <a:rPr lang="en-US"/>
               <a:t>Fourth level</a:t>
             </a:r>
           </a:p>
           <a:p>
             <a:pPr lvl="4"/>
             <a:r>
-              <a:rPr lang="en-US" smtClean="0"/>
+              <a:rPr lang="en-US"/>
               <a:t>Fifth level</a:t>
             </a:r>
             <a:endParaRPr lang="en-US" dirty="0"/>
@@ -2610,7 +5923,7 @@
           </a:lstStyle>
           <a:p>
             <a:r>
-              <a:rPr lang="en-US" smtClean="0"/>
+              <a:rPr lang="en-US"/>
               <a:t>Click to edit Master title style</a:t>
             </a:r>
             <a:endParaRPr lang="en-US" dirty="0"/>
@@ -2730,7 +6043,7 @@
           <a:p>
             <a:pPr lvl="0"/>
             <a:r>
-              <a:rPr lang="en-US" smtClean="0"/>
+              <a:rPr lang="en-US"/>
               <a:t>Click to edit Master text styles</a:t>
             </a:r>
           </a:p>
@@ -2947,7 +6260,7 @@
           <a:lstStyle/>
           <a:p>
             <a:r>
-              <a:rPr lang="en-US" smtClean="0"/>
+              <a:rPr lang="en-US"/>
               <a:t>Click to edit Master title style</a:t>
             </a:r>
             <a:endParaRPr lang="en-US" dirty="0"/>
@@ -2978,35 +6291,35 @@
           <a:p>
             <a:pPr lvl="0"/>
             <a:r>
-              <a:rPr lang="en-US" smtClean="0"/>
+              <a:rPr lang="en-US"/>
               <a:t>Click to edit Master text styles</a:t>
             </a:r>
           </a:p>
           <a:p>
             <a:pPr lvl="1"/>
             <a:r>
-              <a:rPr lang="en-US" smtClean="0"/>
+              <a:rPr lang="en-US"/>
               <a:t>Second level</a:t>
             </a:r>
           </a:p>
           <a:p>
             <a:pPr lvl="2"/>
             <a:r>
-              <a:rPr lang="en-US" smtClean="0"/>
+              <a:rPr lang="en-US"/>
               <a:t>Third level</a:t>
             </a:r>
           </a:p>
           <a:p>
             <a:pPr lvl="3"/>
             <a:r>
-              <a:rPr lang="en-US" smtClean="0"/>
+              <a:rPr lang="en-US"/>
               <a:t>Fourth level</a:t>
             </a:r>
           </a:p>
           <a:p>
             <a:pPr lvl="4"/>
             <a:r>
-              <a:rPr lang="en-US" smtClean="0"/>
+              <a:rPr lang="en-US"/>
               <a:t>Fifth level</a:t>
             </a:r>
             <a:endParaRPr lang="en-US" dirty="0"/>
@@ -3037,35 +6350,35 @@
           <a:p>
             <a:pPr lvl="0"/>
             <a:r>
-              <a:rPr lang="en-US" smtClean="0"/>
+              <a:rPr lang="en-US"/>
               <a:t>Click to edit Master text styles</a:t>
             </a:r>
           </a:p>
           <a:p>
             <a:pPr lvl="1"/>
             <a:r>
-              <a:rPr lang="en-US" smtClean="0"/>
+              <a:rPr lang="en-US"/>
               <a:t>Second level</a:t>
             </a:r>
           </a:p>
           <a:p>
             <a:pPr lvl="2"/>
             <a:r>
-              <a:rPr lang="en-US" smtClean="0"/>
+              <a:rPr lang="en-US"/>
               <a:t>Third level</a:t>
             </a:r>
           </a:p>
           <a:p>
             <a:pPr lvl="3"/>
             <a:r>
-              <a:rPr lang="en-US" smtClean="0"/>
+              <a:rPr lang="en-US"/>
               <a:t>Fourth level</a:t>
             </a:r>
           </a:p>
           <a:p>
             <a:pPr lvl="4"/>
             <a:r>
-              <a:rPr lang="en-US" smtClean="0"/>
+              <a:rPr lang="en-US"/>
               <a:t>Fifth level</a:t>
             </a:r>
             <a:endParaRPr lang="en-US" dirty="0"/>
@@ -3287,7 +6600,7 @@
           </a:lstStyle>
           <a:p>
             <a:r>
-              <a:rPr lang="en-US" smtClean="0"/>
+              <a:rPr lang="en-US"/>
               <a:t>Click to edit Master title style</a:t>
             </a:r>
             <a:endParaRPr lang="en-US" dirty="0"/>
@@ -3355,7 +6668,7 @@
           <a:p>
             <a:pPr lvl="0"/>
             <a:r>
-              <a:rPr lang="en-US" smtClean="0"/>
+              <a:rPr lang="en-US"/>
               <a:t>Click to edit Master text styles</a:t>
             </a:r>
           </a:p>
@@ -3385,35 +6698,35 @@
           <a:p>
             <a:pPr lvl="0"/>
             <a:r>
-              <a:rPr lang="en-US" smtClean="0"/>
+              <a:rPr lang="en-US"/>
               <a:t>Click to edit Master text styles</a:t>
             </a:r>
           </a:p>
           <a:p>
             <a:pPr lvl="1"/>
             <a:r>
-              <a:rPr lang="en-US" smtClean="0"/>
+              <a:rPr lang="en-US"/>
               <a:t>Second level</a:t>
             </a:r>
           </a:p>
           <a:p>
             <a:pPr lvl="2"/>
             <a:r>
-              <a:rPr lang="en-US" smtClean="0"/>
+              <a:rPr lang="en-US"/>
               <a:t>Third level</a:t>
             </a:r>
           </a:p>
           <a:p>
             <a:pPr lvl="3"/>
             <a:r>
-              <a:rPr lang="en-US" smtClean="0"/>
+              <a:rPr lang="en-US"/>
               <a:t>Fourth level</a:t>
             </a:r>
           </a:p>
           <a:p>
             <a:pPr lvl="4"/>
             <a:r>
-              <a:rPr lang="en-US" smtClean="0"/>
+              <a:rPr lang="en-US"/>
               <a:t>Fifth level</a:t>
             </a:r>
             <a:endParaRPr lang="en-US" dirty="0"/>
@@ -3481,7 +6794,7 @@
           <a:p>
             <a:pPr lvl="0"/>
             <a:r>
-              <a:rPr lang="en-US" smtClean="0"/>
+              <a:rPr lang="en-US"/>
               <a:t>Click to edit Master text styles</a:t>
             </a:r>
           </a:p>
@@ -3511,35 +6824,35 @@
           <a:p>
             <a:pPr lvl="0"/>
             <a:r>
-              <a:rPr lang="en-US" smtClean="0"/>
+              <a:rPr lang="en-US"/>
               <a:t>Click to edit Master text styles</a:t>
             </a:r>
           </a:p>
           <a:p>
             <a:pPr lvl="1"/>
             <a:r>
-              <a:rPr lang="en-US" smtClean="0"/>
+              <a:rPr lang="en-US"/>
               <a:t>Second level</a:t>
             </a:r>
           </a:p>
           <a:p>
             <a:pPr lvl="2"/>
             <a:r>
-              <a:rPr lang="en-US" smtClean="0"/>
+              <a:rPr lang="en-US"/>
               <a:t>Third level</a:t>
             </a:r>
           </a:p>
           <a:p>
             <a:pPr lvl="3"/>
             <a:r>
-              <a:rPr lang="en-US" smtClean="0"/>
+              <a:rPr lang="en-US"/>
               <a:t>Fourth level</a:t>
             </a:r>
           </a:p>
           <a:p>
             <a:pPr lvl="4"/>
             <a:r>
-              <a:rPr lang="en-US" smtClean="0"/>
+              <a:rPr lang="en-US"/>
               <a:t>Fifth level</a:t>
             </a:r>
             <a:endParaRPr lang="en-US" dirty="0"/>
@@ -3757,7 +7070,7 @@
           <a:lstStyle/>
           <a:p>
             <a:r>
-              <a:rPr lang="en-US" smtClean="0"/>
+              <a:rPr lang="en-US"/>
               <a:t>Click to edit Master title style</a:t>
             </a:r>
             <a:endParaRPr lang="en-US" dirty="0"/>
@@ -4189,7 +7502,7 @@
           </a:lstStyle>
           <a:p>
             <a:r>
-              <a:rPr lang="en-US" smtClean="0"/>
+              <a:rPr lang="en-US"/>
               <a:t>Click to edit Master title style</a:t>
             </a:r>
             <a:endParaRPr lang="en-US" dirty="0"/>
@@ -4220,35 +7533,35 @@
           <a:p>
             <a:pPr lvl="0"/>
             <a:r>
-              <a:rPr lang="en-US" smtClean="0"/>
+              <a:rPr lang="en-US"/>
               <a:t>Click to edit Master text styles</a:t>
             </a:r>
           </a:p>
           <a:p>
             <a:pPr lvl="1"/>
             <a:r>
-              <a:rPr lang="en-US" smtClean="0"/>
+              <a:rPr lang="en-US"/>
               <a:t>Second level</a:t>
             </a:r>
           </a:p>
           <a:p>
             <a:pPr lvl="2"/>
             <a:r>
-              <a:rPr lang="en-US" smtClean="0"/>
+              <a:rPr lang="en-US"/>
               <a:t>Third level</a:t>
             </a:r>
           </a:p>
           <a:p>
             <a:pPr lvl="3"/>
             <a:r>
-              <a:rPr lang="en-US" smtClean="0"/>
+              <a:rPr lang="en-US"/>
               <a:t>Fourth level</a:t>
             </a:r>
           </a:p>
           <a:p>
             <a:pPr lvl="4"/>
             <a:r>
-              <a:rPr lang="en-US" smtClean="0"/>
+              <a:rPr lang="en-US"/>
               <a:t>Fifth level</a:t>
             </a:r>
             <a:endParaRPr lang="en-US" dirty="0"/>
@@ -4314,7 +7627,7 @@
           <a:p>
             <a:pPr lvl="0"/>
             <a:r>
-              <a:rPr lang="en-US" smtClean="0"/>
+              <a:rPr lang="en-US"/>
               <a:t>Click to edit Master text styles</a:t>
             </a:r>
           </a:p>
@@ -4439,7 +7752,7 @@
           </a:lstStyle>
           <a:p>
             <a:r>
-              <a:rPr lang="en-US" smtClean="0"/>
+              <a:rPr lang="en-US"/>
               <a:t>Click to edit Master title style</a:t>
             </a:r>
             <a:endParaRPr lang="en-US" dirty="0"/>
@@ -4551,7 +7864,7 @@
           </a:lstStyle>
           <a:p>
             <a:r>
-              <a:rPr lang="en-US" smtClean="0"/>
+              <a:rPr lang="en-US"/>
               <a:t>Click icon to add picture</a:t>
             </a:r>
             <a:endParaRPr lang="en-US" dirty="0"/>
@@ -4619,7 +7932,7 @@
           <a:p>
             <a:pPr lvl="0"/>
             <a:r>
-              <a:rPr lang="en-US" smtClean="0"/>
+              <a:rPr lang="en-US"/>
               <a:t>Click to edit Master text styles</a:t>
             </a:r>
           </a:p>
@@ -4775,7 +8088,7 @@
           <a:lstStyle/>
           <a:p>
             <a:r>
-              <a:rPr lang="en-US" smtClean="0"/>
+              <a:rPr lang="en-US"/>
               <a:t>Click to edit Master title style</a:t>
             </a:r>
             <a:endParaRPr lang="en-US" dirty="0"/>
@@ -4816,35 +8129,35 @@
           <a:p>
             <a:pPr lvl="0"/>
             <a:r>
-              <a:rPr lang="en-US" smtClean="0"/>
+              <a:rPr lang="en-US"/>
               <a:t>Click to edit Master text styles</a:t>
             </a:r>
           </a:p>
           <a:p>
             <a:pPr lvl="1"/>
             <a:r>
-              <a:rPr lang="en-US" smtClean="0"/>
+              <a:rPr lang="en-US"/>
               <a:t>Second level</a:t>
             </a:r>
           </a:p>
           <a:p>
             <a:pPr lvl="2"/>
             <a:r>
-              <a:rPr lang="en-US" smtClean="0"/>
+              <a:rPr lang="en-US"/>
               <a:t>Third level</a:t>
             </a:r>
           </a:p>
           <a:p>
             <a:pPr lvl="3"/>
             <a:r>
-              <a:rPr lang="en-US" smtClean="0"/>
+              <a:rPr lang="en-US"/>
               <a:t>Fourth level</a:t>
             </a:r>
           </a:p>
           <a:p>
             <a:pPr lvl="4"/>
             <a:r>
-              <a:rPr lang="en-US" smtClean="0"/>
+              <a:rPr lang="en-US"/>
               <a:t>Fifth level</a:t>
             </a:r>
             <a:endParaRPr lang="en-US" dirty="0"/>
@@ -5382,7 +8695,7 @@
           <a:lstStyle/>
           <a:p>
             <a:r>
-              <a:rPr lang="en-029" dirty="0" smtClean="0"/>
+              <a:rPr lang="en-029" dirty="0"/>
               <a:t>5G Technologies</a:t>
             </a:r>
             <a:endParaRPr lang="en-GB" dirty="0"/>
@@ -5405,24 +8718,8 @@
           <a:lstStyle/>
           <a:p>
             <a:r>
-              <a:rPr lang="en-029" dirty="0" smtClean="0"/>
-              <a:t>The Future </a:t>
-            </a:r>
-            <a:r>
               <a:rPr lang="en-029" dirty="0"/>
-              <a:t>G</a:t>
-            </a:r>
-            <a:r>
-              <a:rPr lang="en-029" dirty="0" smtClean="0"/>
-              <a:t>eneration of Wireless </a:t>
-            </a:r>
-            <a:r>
-              <a:rPr lang="en-029" dirty="0"/>
-              <a:t>N</a:t>
-            </a:r>
-            <a:r>
-              <a:rPr lang="en-029" dirty="0" smtClean="0"/>
-              <a:t>etwork</a:t>
+              <a:t>The Future Generation of Wireless Network</a:t>
             </a:r>
             <a:endParaRPr lang="en-GB" dirty="0"/>
           </a:p>
@@ -5432,6 +8729,519 @@
     <p:extLst>
       <p:ext uri="{BB962C8B-B14F-4D97-AF65-F5344CB8AC3E}">
         <p14:creationId xmlns:p14="http://schemas.microsoft.com/office/powerpoint/2010/main" val="1010606047"/>
+      </p:ext>
+    </p:extLst>
+  </p:cSld>
+  <p:clrMapOvr>
+    <a:masterClrMapping/>
+  </p:clrMapOvr>
+</p:sld>
+</file>
+
+<file path=ppt/slides/slide10.xml><?xml version="1.0" encoding="utf-8"?>
+<p:sld xmlns:a="http://schemas.openxmlformats.org/drawingml/2006/main" xmlns:r="http://schemas.openxmlformats.org/officeDocument/2006/relationships" xmlns:p="http://schemas.openxmlformats.org/presentationml/2006/main">
+  <p:cSld>
+    <p:spTree>
+      <p:nvGrpSpPr>
+        <p:cNvPr id="1" name=""/>
+        <p:cNvGrpSpPr/>
+        <p:nvPr/>
+      </p:nvGrpSpPr>
+      <p:grpSpPr>
+        <a:xfrm>
+          <a:off x="0" y="0"/>
+          <a:ext cx="0" cy="0"/>
+          <a:chOff x="0" y="0"/>
+          <a:chExt cx="0" cy="0"/>
+        </a:xfrm>
+      </p:grpSpPr>
+      <p:sp>
+        <p:nvSpPr>
+          <p:cNvPr id="2" name="Title 1">
+            <a:extLst>
+              <a:ext uri="{FF2B5EF4-FFF2-40B4-BE49-F238E27FC236}">
+                <a16:creationId xmlns:a16="http://schemas.microsoft.com/office/drawing/2014/main" id="{06610131-4B02-4583-8AC0-3F1398EBA83E}"/>
+              </a:ext>
+            </a:extLst>
+          </p:cNvPr>
+          <p:cNvSpPr>
+            <a:spLocks noGrp="1"/>
+          </p:cNvSpPr>
+          <p:nvPr>
+            <p:ph type="title"/>
+          </p:nvPr>
+        </p:nvSpPr>
+        <p:spPr/>
+        <p:txBody>
+          <a:bodyPr/>
+          <a:lstStyle/>
+          <a:p>
+            <a:r>
+              <a:rPr lang="en-US" dirty="0"/>
+              <a:t>3G technology</a:t>
+            </a:r>
+          </a:p>
+        </p:txBody>
+      </p:sp>
+      <p:sp>
+        <p:nvSpPr>
+          <p:cNvPr id="3" name="Content Placeholder 2">
+            <a:extLst>
+              <a:ext uri="{FF2B5EF4-FFF2-40B4-BE49-F238E27FC236}">
+                <a16:creationId xmlns:a16="http://schemas.microsoft.com/office/drawing/2014/main" id="{6E41C27D-F7B3-4B7A-87C9-6C5105E510E3}"/>
+              </a:ext>
+            </a:extLst>
+          </p:cNvPr>
+          <p:cNvSpPr>
+            <a:spLocks noGrp="1"/>
+          </p:cNvSpPr>
+          <p:nvPr>
+            <p:ph idx="1"/>
+          </p:nvPr>
+        </p:nvSpPr>
+        <p:spPr/>
+        <p:txBody>
+          <a:bodyPr>
+            <a:normAutofit fontScale="92500" lnSpcReduction="10000"/>
+          </a:bodyPr>
+          <a:lstStyle/>
+          <a:p>
+            <a:r>
+              <a:rPr lang="en-US" dirty="0"/>
+              <a:t>More affordable due to the agreement of industry </a:t>
+            </a:r>
+          </a:p>
+          <a:p>
+            <a:r>
+              <a:rPr lang="en-US" dirty="0"/>
+              <a:t>Enhanced audio and video streaming;</a:t>
+            </a:r>
+          </a:p>
+          <a:p>
+            <a:r>
+              <a:rPr lang="en-US" dirty="0"/>
+              <a:t>Several Times higher data speed</a:t>
+            </a:r>
+          </a:p>
+          <a:p>
+            <a:r>
+              <a:rPr lang="en-US" dirty="0"/>
+              <a:t>Video-conferencing support</a:t>
+            </a:r>
+          </a:p>
+          <a:p>
+            <a:r>
+              <a:rPr lang="en-US" dirty="0"/>
+              <a:t>Web and WAP browsing at higher speeds</a:t>
+            </a:r>
+          </a:p>
+          <a:p>
+            <a:r>
+              <a:rPr lang="en-US" dirty="0"/>
+              <a:t> IPTV (TV through the Internet) support. </a:t>
+            </a:r>
+          </a:p>
+          <a:p>
+            <a:r>
+              <a:rPr lang="en-US" dirty="0"/>
+              <a:t>Utilizes :</a:t>
+            </a:r>
+          </a:p>
+          <a:p>
+            <a:pPr lvl="1"/>
+            <a:r>
+              <a:rPr lang="en-US" dirty="0"/>
+              <a:t>WCDMA</a:t>
+            </a:r>
+          </a:p>
+          <a:p>
+            <a:pPr lvl="1"/>
+            <a:r>
+              <a:rPr lang="en-US" dirty="0"/>
+              <a:t>UMTS</a:t>
+            </a:r>
+          </a:p>
+          <a:p>
+            <a:pPr lvl="1"/>
+            <a:r>
+              <a:rPr lang="en-US" dirty="0"/>
+              <a:t>CDMA</a:t>
+            </a:r>
+          </a:p>
+        </p:txBody>
+      </p:sp>
+    </p:spTree>
+    <p:extLst>
+      <p:ext uri="{BB962C8B-B14F-4D97-AF65-F5344CB8AC3E}">
+        <p14:creationId xmlns:p14="http://schemas.microsoft.com/office/powerpoint/2010/main" val="97260675"/>
+      </p:ext>
+    </p:extLst>
+  </p:cSld>
+  <p:clrMapOvr>
+    <a:masterClrMapping/>
+  </p:clrMapOvr>
+</p:sld>
+</file>
+
+<file path=ppt/slides/slide11.xml><?xml version="1.0" encoding="utf-8"?>
+<p:sld xmlns:a="http://schemas.openxmlformats.org/drawingml/2006/main" xmlns:r="http://schemas.openxmlformats.org/officeDocument/2006/relationships" xmlns:p="http://schemas.openxmlformats.org/presentationml/2006/main">
+  <p:cSld>
+    <p:spTree>
+      <p:nvGrpSpPr>
+        <p:cNvPr id="1" name=""/>
+        <p:cNvGrpSpPr/>
+        <p:nvPr/>
+      </p:nvGrpSpPr>
+      <p:grpSpPr>
+        <a:xfrm>
+          <a:off x="0" y="0"/>
+          <a:ext cx="0" cy="0"/>
+          <a:chOff x="0" y="0"/>
+          <a:chExt cx="0" cy="0"/>
+        </a:xfrm>
+      </p:grpSpPr>
+      <p:sp>
+        <p:nvSpPr>
+          <p:cNvPr id="2" name="Title 1">
+            <a:extLst>
+              <a:ext uri="{FF2B5EF4-FFF2-40B4-BE49-F238E27FC236}">
+                <a16:creationId xmlns:a16="http://schemas.microsoft.com/office/drawing/2014/main" id="{58200A99-4956-4184-A222-0C1F03C74CDB}"/>
+              </a:ext>
+            </a:extLst>
+          </p:cNvPr>
+          <p:cNvSpPr>
+            <a:spLocks noGrp="1"/>
+          </p:cNvSpPr>
+          <p:nvPr>
+            <p:ph type="title"/>
+          </p:nvPr>
+        </p:nvSpPr>
+        <p:spPr/>
+        <p:txBody>
+          <a:bodyPr/>
+          <a:lstStyle/>
+          <a:p>
+            <a:r>
+              <a:rPr lang="en-US" dirty="0"/>
+              <a:t>4G technology </a:t>
+            </a:r>
+          </a:p>
+        </p:txBody>
+      </p:sp>
+      <p:sp>
+        <p:nvSpPr>
+          <p:cNvPr id="3" name="Content Placeholder 2">
+            <a:extLst>
+              <a:ext uri="{FF2B5EF4-FFF2-40B4-BE49-F238E27FC236}">
+                <a16:creationId xmlns:a16="http://schemas.microsoft.com/office/drawing/2014/main" id="{31E438A6-B176-4B51-B32E-116F10FAFD62}"/>
+              </a:ext>
+            </a:extLst>
+          </p:cNvPr>
+          <p:cNvSpPr>
+            <a:spLocks noGrp="1"/>
+          </p:cNvSpPr>
+          <p:nvPr>
+            <p:ph idx="1"/>
+          </p:nvPr>
+        </p:nvSpPr>
+        <p:spPr/>
+        <p:txBody>
+          <a:bodyPr/>
+          <a:lstStyle/>
+          <a:p>
+            <a:r>
+              <a:rPr lang="en-US" dirty="0"/>
+              <a:t>Established in 2011</a:t>
+            </a:r>
+          </a:p>
+          <a:p>
+            <a:r>
+              <a:rPr lang="en-US" dirty="0"/>
+              <a:t>Mainly faster speeds </a:t>
+            </a:r>
+          </a:p>
+          <a:p>
+            <a:r>
+              <a:rPr lang="en-US" dirty="0"/>
+              <a:t>Amenities like voice, data and multimedia will be</a:t>
+            </a:r>
+          </a:p>
+          <a:p>
+            <a:pPr marL="0" indent="0">
+              <a:buNone/>
+            </a:pPr>
+            <a:r>
+              <a:rPr lang="en-US" dirty="0"/>
+              <a:t>imparted to subscribers on every time and everywhere basis</a:t>
+            </a:r>
+          </a:p>
+          <a:p>
+            <a:pPr marL="0" indent="0">
+              <a:buNone/>
+            </a:pPr>
+            <a:r>
+              <a:rPr lang="en-US" dirty="0"/>
+              <a:t>and at quite higher data rates as related to earlier generations.</a:t>
+            </a:r>
+          </a:p>
+        </p:txBody>
+      </p:sp>
+    </p:spTree>
+    <p:extLst>
+      <p:ext uri="{BB962C8B-B14F-4D97-AF65-F5344CB8AC3E}">
+        <p14:creationId xmlns:p14="http://schemas.microsoft.com/office/powerpoint/2010/main" val="1078048076"/>
+      </p:ext>
+    </p:extLst>
+  </p:cSld>
+  <p:clrMapOvr>
+    <a:masterClrMapping/>
+  </p:clrMapOvr>
+</p:sld>
+</file>
+
+<file path=ppt/slides/slide12.xml><?xml version="1.0" encoding="utf-8"?>
+<p:sld xmlns:a="http://schemas.openxmlformats.org/drawingml/2006/main" xmlns:r="http://schemas.openxmlformats.org/officeDocument/2006/relationships" xmlns:p="http://schemas.openxmlformats.org/presentationml/2006/main">
+  <p:cSld>
+    <p:spTree>
+      <p:nvGrpSpPr>
+        <p:cNvPr id="1" name=""/>
+        <p:cNvGrpSpPr/>
+        <p:nvPr/>
+      </p:nvGrpSpPr>
+      <p:grpSpPr>
+        <a:xfrm>
+          <a:off x="0" y="0"/>
+          <a:ext cx="0" cy="0"/>
+          <a:chOff x="0" y="0"/>
+          <a:chExt cx="0" cy="0"/>
+        </a:xfrm>
+      </p:grpSpPr>
+      <p:graphicFrame>
+        <p:nvGraphicFramePr>
+          <p:cNvPr id="5" name="Diagram 4">
+            <a:extLst>
+              <a:ext uri="{FF2B5EF4-FFF2-40B4-BE49-F238E27FC236}">
+                <a16:creationId xmlns:a16="http://schemas.microsoft.com/office/drawing/2014/main" id="{FFB5C712-70E8-4644-BF75-DE58443B0CAE}"/>
+              </a:ext>
+            </a:extLst>
+          </p:cNvPr>
+          <p:cNvGraphicFramePr/>
+          <p:nvPr>
+            <p:extLst>
+              <p:ext uri="{D42A27DB-BD31-4B8C-83A1-F6EECF244321}">
+                <p14:modId xmlns:p14="http://schemas.microsoft.com/office/powerpoint/2010/main" val="172019697"/>
+              </p:ext>
+            </p:extLst>
+          </p:nvPr>
+        </p:nvGraphicFramePr>
+        <p:xfrm>
+          <a:off x="2032000" y="719666"/>
+          <a:ext cx="8128000" cy="5418667"/>
+        </p:xfrm>
+        <a:graphic>
+          <a:graphicData uri="http://schemas.openxmlformats.org/drawingml/2006/diagram">
+            <dgm:relIds xmlns:dgm="http://schemas.openxmlformats.org/drawingml/2006/diagram" xmlns:r="http://schemas.openxmlformats.org/officeDocument/2006/relationships" r:dm="rId2" r:lo="rId3" r:qs="rId4" r:cs="rId5"/>
+          </a:graphicData>
+        </a:graphic>
+      </p:graphicFrame>
+    </p:spTree>
+    <p:extLst>
+      <p:ext uri="{BB962C8B-B14F-4D97-AF65-F5344CB8AC3E}">
+        <p14:creationId xmlns:p14="http://schemas.microsoft.com/office/powerpoint/2010/main" val="719429697"/>
+      </p:ext>
+    </p:extLst>
+  </p:cSld>
+  <p:clrMapOvr>
+    <a:masterClrMapping/>
+  </p:clrMapOvr>
+</p:sld>
+</file>
+
+<file path=ppt/slides/slide13.xml><?xml version="1.0" encoding="utf-8"?>
+<p:sld xmlns:a="http://schemas.openxmlformats.org/drawingml/2006/main" xmlns:r="http://schemas.openxmlformats.org/officeDocument/2006/relationships" xmlns:p="http://schemas.openxmlformats.org/presentationml/2006/main">
+  <p:cSld>
+    <p:spTree>
+      <p:nvGrpSpPr>
+        <p:cNvPr id="1" name=""/>
+        <p:cNvGrpSpPr/>
+        <p:nvPr/>
+      </p:nvGrpSpPr>
+      <p:grpSpPr>
+        <a:xfrm>
+          <a:off x="0" y="0"/>
+          <a:ext cx="0" cy="0"/>
+          <a:chOff x="0" y="0"/>
+          <a:chExt cx="0" cy="0"/>
+        </a:xfrm>
+      </p:grpSpPr>
+      <p:sp>
+        <p:nvSpPr>
+          <p:cNvPr id="2" name="Title 1">
+            <a:extLst>
+              <a:ext uri="{FF2B5EF4-FFF2-40B4-BE49-F238E27FC236}">
+                <a16:creationId xmlns:a16="http://schemas.microsoft.com/office/drawing/2014/main" id="{8D849921-0260-42DC-A6DE-6AEA449193CB}"/>
+              </a:ext>
+            </a:extLst>
+          </p:cNvPr>
+          <p:cNvSpPr>
+            <a:spLocks noGrp="1"/>
+          </p:cNvSpPr>
+          <p:nvPr>
+            <p:ph type="title"/>
+          </p:nvPr>
+        </p:nvSpPr>
+        <p:spPr/>
+        <p:txBody>
+          <a:bodyPr/>
+          <a:lstStyle/>
+          <a:p>
+            <a:r>
+              <a:rPr lang="en-US" dirty="0"/>
+              <a:t>References </a:t>
+            </a:r>
+          </a:p>
+        </p:txBody>
+      </p:sp>
+      <p:sp>
+        <p:nvSpPr>
+          <p:cNvPr id="3" name="Text Placeholder 2">
+            <a:extLst>
+              <a:ext uri="{FF2B5EF4-FFF2-40B4-BE49-F238E27FC236}">
+                <a16:creationId xmlns:a16="http://schemas.microsoft.com/office/drawing/2014/main" id="{2DABE83D-DFE4-4C04-9FBD-007D8A6D9DD2}"/>
+              </a:ext>
+            </a:extLst>
+          </p:cNvPr>
+          <p:cNvSpPr>
+            <a:spLocks noGrp="1"/>
+          </p:cNvSpPr>
+          <p:nvPr>
+            <p:ph type="body" idx="1"/>
+          </p:nvPr>
+        </p:nvSpPr>
+        <p:spPr/>
+        <p:txBody>
+          <a:bodyPr/>
+          <a:lstStyle/>
+          <a:p>
+            <a:r>
+              <a:rPr lang="en-US" dirty="0"/>
+              <a:t>Journals</a:t>
+            </a:r>
+          </a:p>
+        </p:txBody>
+      </p:sp>
+      <p:sp>
+        <p:nvSpPr>
+          <p:cNvPr id="4" name="Content Placeholder 3">
+            <a:extLst>
+              <a:ext uri="{FF2B5EF4-FFF2-40B4-BE49-F238E27FC236}">
+                <a16:creationId xmlns:a16="http://schemas.microsoft.com/office/drawing/2014/main" id="{6B685C8F-D68B-478E-B978-254021748161}"/>
+              </a:ext>
+            </a:extLst>
+          </p:cNvPr>
+          <p:cNvSpPr>
+            <a:spLocks noGrp="1"/>
+          </p:cNvSpPr>
+          <p:nvPr>
+            <p:ph sz="half" idx="2"/>
+          </p:nvPr>
+        </p:nvSpPr>
+        <p:spPr/>
+        <p:txBody>
+          <a:bodyPr/>
+          <a:lstStyle/>
+          <a:p>
+            <a:r>
+              <a:rPr lang="en-US" dirty="0"/>
+              <a:t>Bhalla, Mudit </a:t>
+            </a:r>
+            <a:r>
+              <a:rPr lang="en-US" dirty="0" err="1"/>
+              <a:t>Ratana</a:t>
+            </a:r>
+            <a:r>
+              <a:rPr lang="en-US" dirty="0"/>
+              <a:t>, and Anand </a:t>
+            </a:r>
+            <a:r>
+              <a:rPr lang="en-US" dirty="0" err="1"/>
+              <a:t>Vardhan</a:t>
+            </a:r>
+            <a:r>
+              <a:rPr lang="en-US" dirty="0"/>
+              <a:t> Bhalla. "Generations of Mobile Wireless Technology: A Survey ." </a:t>
+            </a:r>
+            <a:r>
+              <a:rPr lang="en-US" i="1" dirty="0"/>
+              <a:t>International Journal of Computer Applications</a:t>
+            </a:r>
+            <a:r>
+              <a:rPr lang="en-US" dirty="0"/>
+              <a:t> 5, no. 4 (August 2010): 26-30</a:t>
+            </a:r>
+          </a:p>
+          <a:p>
+            <a:endParaRPr lang="en-US" dirty="0"/>
+          </a:p>
+        </p:txBody>
+      </p:sp>
+      <p:sp>
+        <p:nvSpPr>
+          <p:cNvPr id="5" name="Text Placeholder 4">
+            <a:extLst>
+              <a:ext uri="{FF2B5EF4-FFF2-40B4-BE49-F238E27FC236}">
+                <a16:creationId xmlns:a16="http://schemas.microsoft.com/office/drawing/2014/main" id="{6A979401-488D-45D3-845C-815BDAB55F7C}"/>
+              </a:ext>
+            </a:extLst>
+          </p:cNvPr>
+          <p:cNvSpPr>
+            <a:spLocks noGrp="1"/>
+          </p:cNvSpPr>
+          <p:nvPr>
+            <p:ph type="body" sz="quarter" idx="3"/>
+          </p:nvPr>
+        </p:nvSpPr>
+        <p:spPr/>
+        <p:txBody>
+          <a:bodyPr/>
+          <a:lstStyle/>
+          <a:p>
+            <a:r>
+              <a:rPr lang="en-US" dirty="0"/>
+              <a:t>Links </a:t>
+            </a:r>
+          </a:p>
+        </p:txBody>
+      </p:sp>
+      <p:sp>
+        <p:nvSpPr>
+          <p:cNvPr id="6" name="Content Placeholder 5">
+            <a:extLst>
+              <a:ext uri="{FF2B5EF4-FFF2-40B4-BE49-F238E27FC236}">
+                <a16:creationId xmlns:a16="http://schemas.microsoft.com/office/drawing/2014/main" id="{9A5ED856-A12B-4938-84A4-36A5D193AE87}"/>
+              </a:ext>
+            </a:extLst>
+          </p:cNvPr>
+          <p:cNvSpPr>
+            <a:spLocks noGrp="1"/>
+          </p:cNvSpPr>
+          <p:nvPr>
+            <p:ph sz="quarter" idx="4"/>
+          </p:nvPr>
+        </p:nvSpPr>
+        <p:spPr/>
+        <p:txBody>
+          <a:bodyPr/>
+          <a:lstStyle/>
+          <a:p>
+            <a:endParaRPr lang="en-US"/>
+          </a:p>
+        </p:txBody>
+      </p:sp>
+    </p:spTree>
+    <p:extLst>
+      <p:ext uri="{BB962C8B-B14F-4D97-AF65-F5344CB8AC3E}">
+        <p14:creationId xmlns:p14="http://schemas.microsoft.com/office/powerpoint/2010/main" val="2698717761"/>
       </p:ext>
     </p:extLst>
   </p:cSld>
@@ -5474,7 +9284,7 @@
           <a:lstStyle/>
           <a:p>
             <a:r>
-              <a:rPr lang="en-029" dirty="0" smtClean="0"/>
+              <a:rPr lang="en-029" dirty="0"/>
               <a:t>Introduction: What is 5G?</a:t>
             </a:r>
             <a:endParaRPr lang="en-GB" dirty="0"/>
@@ -5491,50 +9301,38 @@
             <p:ph idx="1"/>
           </p:nvPr>
         </p:nvSpPr>
-        <p:spPr/>
+        <p:spPr>
+          <a:xfrm>
+            <a:off x="810000" y="1771713"/>
+            <a:ext cx="10554574" cy="3636511"/>
+          </a:xfrm>
+        </p:spPr>
         <p:txBody>
           <a:bodyPr/>
           <a:lstStyle/>
           <a:p>
             <a:r>
-              <a:rPr lang="en-029" dirty="0" smtClean="0"/>
-              <a:t>Definition</a:t>
-            </a:r>
-          </a:p>
-          <a:p>
-            <a:r>
-              <a:rPr lang="en-029" dirty="0" smtClean="0"/>
-              <a:t>Presentation overview:</a:t>
-            </a:r>
-          </a:p>
-          <a:p>
-            <a:r>
-              <a:rPr lang="en-029" dirty="0" smtClean="0"/>
+              <a:rPr lang="en-029" dirty="0"/>
+              <a:t>What is meant by 5G technologies? </a:t>
+            </a:r>
+          </a:p>
+          <a:p>
+            <a:r>
+              <a:rPr lang="en-029" dirty="0"/>
               <a:t>Comparison of Past technologies</a:t>
             </a:r>
           </a:p>
           <a:p>
             <a:r>
-              <a:rPr lang="en-029" dirty="0" smtClean="0"/>
+              <a:rPr lang="en-029" dirty="0"/>
               <a:t>Present technologies</a:t>
             </a:r>
           </a:p>
           <a:p>
             <a:r>
-              <a:rPr lang="en-029" dirty="0" smtClean="0"/>
-              <a:t>The future of wireless </a:t>
-            </a:r>
-            <a:r>
-              <a:rPr lang="en-029" dirty="0" smtClean="0"/>
-              <a:t>networks</a:t>
-            </a:r>
-          </a:p>
-          <a:p>
-            <a:r>
-              <a:rPr lang="en-029" smtClean="0"/>
-              <a:t>Random change</a:t>
-            </a:r>
-            <a:endParaRPr lang="en-029" dirty="0"/>
+              <a:rPr lang="en-029" dirty="0"/>
+              <a:t>The future of wireless networks</a:t>
+            </a:r>
           </a:p>
         </p:txBody>
       </p:sp>
@@ -5583,7 +9381,10 @@
           <a:bodyPr/>
           <a:lstStyle/>
           <a:p>
-            <a:endParaRPr lang="en-GB" dirty="0"/>
+            <a:r>
+              <a:rPr lang="en-GB" dirty="0"/>
+              <a:t>What is meant by 5G technologies?</a:t>
+            </a:r>
           </a:p>
         </p:txBody>
       </p:sp>
@@ -5610,6 +9411,836 @@
     <p:extLst>
       <p:ext uri="{BB962C8B-B14F-4D97-AF65-F5344CB8AC3E}">
         <p14:creationId xmlns:p14="http://schemas.microsoft.com/office/powerpoint/2010/main" val="183485136"/>
+      </p:ext>
+    </p:extLst>
+  </p:cSld>
+  <p:clrMapOvr>
+    <a:masterClrMapping/>
+  </p:clrMapOvr>
+</p:sld>
+</file>
+
+<file path=ppt/slides/slide4.xml><?xml version="1.0" encoding="utf-8"?>
+<p:sld xmlns:a="http://schemas.openxmlformats.org/drawingml/2006/main" xmlns:r="http://schemas.openxmlformats.org/officeDocument/2006/relationships" xmlns:p="http://schemas.openxmlformats.org/presentationml/2006/main">
+  <p:cSld>
+    <p:spTree>
+      <p:nvGrpSpPr>
+        <p:cNvPr id="1" name=""/>
+        <p:cNvGrpSpPr/>
+        <p:nvPr/>
+      </p:nvGrpSpPr>
+      <p:grpSpPr>
+        <a:xfrm>
+          <a:off x="0" y="0"/>
+          <a:ext cx="0" cy="0"/>
+          <a:chOff x="0" y="0"/>
+          <a:chExt cx="0" cy="0"/>
+        </a:xfrm>
+      </p:grpSpPr>
+      <p:sp>
+        <p:nvSpPr>
+          <p:cNvPr id="2" name="Title 1">
+            <a:extLst>
+              <a:ext uri="{FF2B5EF4-FFF2-40B4-BE49-F238E27FC236}">
+                <a16:creationId xmlns:a16="http://schemas.microsoft.com/office/drawing/2014/main" id="{AE8CA1E0-7C11-41F6-B5D0-37B5CA98012E}"/>
+              </a:ext>
+            </a:extLst>
+          </p:cNvPr>
+          <p:cNvSpPr>
+            <a:spLocks noGrp="1"/>
+          </p:cNvSpPr>
+          <p:nvPr>
+            <p:ph type="title"/>
+          </p:nvPr>
+        </p:nvSpPr>
+        <p:spPr/>
+        <p:txBody>
+          <a:bodyPr/>
+          <a:lstStyle/>
+          <a:p>
+            <a:r>
+              <a:rPr lang="en-US" dirty="0"/>
+              <a:t>Comparison of Past Technologies</a:t>
+            </a:r>
+          </a:p>
+        </p:txBody>
+      </p:sp>
+      <p:sp>
+        <p:nvSpPr>
+          <p:cNvPr id="3" name="Text Placeholder 2">
+            <a:extLst>
+              <a:ext uri="{FF2B5EF4-FFF2-40B4-BE49-F238E27FC236}">
+                <a16:creationId xmlns:a16="http://schemas.microsoft.com/office/drawing/2014/main" id="{C1617228-AC93-47CD-A0FA-115B691521BF}"/>
+              </a:ext>
+            </a:extLst>
+          </p:cNvPr>
+          <p:cNvSpPr>
+            <a:spLocks noGrp="1"/>
+          </p:cNvSpPr>
+          <p:nvPr>
+            <p:ph type="body" idx="1"/>
+          </p:nvPr>
+        </p:nvSpPr>
+        <p:spPr/>
+        <p:txBody>
+          <a:bodyPr/>
+          <a:lstStyle/>
+          <a:p>
+            <a:r>
+              <a:rPr lang="en-US" dirty="0"/>
+              <a:t>Where did It all begin?</a:t>
+            </a:r>
+          </a:p>
+        </p:txBody>
+      </p:sp>
+    </p:spTree>
+    <p:extLst>
+      <p:ext uri="{BB962C8B-B14F-4D97-AF65-F5344CB8AC3E}">
+        <p14:creationId xmlns:p14="http://schemas.microsoft.com/office/powerpoint/2010/main" val="1542843912"/>
+      </p:ext>
+    </p:extLst>
+  </p:cSld>
+  <p:clrMapOvr>
+    <a:masterClrMapping/>
+  </p:clrMapOvr>
+</p:sld>
+</file>
+
+<file path=ppt/slides/slide5.xml><?xml version="1.0" encoding="utf-8"?>
+<p:sld xmlns:a="http://schemas.openxmlformats.org/drawingml/2006/main" xmlns:r="http://schemas.openxmlformats.org/officeDocument/2006/relationships" xmlns:p="http://schemas.openxmlformats.org/presentationml/2006/main">
+  <p:cSld>
+    <p:spTree>
+      <p:nvGrpSpPr>
+        <p:cNvPr id="1" name=""/>
+        <p:cNvGrpSpPr/>
+        <p:nvPr/>
+      </p:nvGrpSpPr>
+      <p:grpSpPr>
+        <a:xfrm>
+          <a:off x="0" y="0"/>
+          <a:ext cx="0" cy="0"/>
+          <a:chOff x="0" y="0"/>
+          <a:chExt cx="0" cy="0"/>
+        </a:xfrm>
+      </p:grpSpPr>
+      <p:sp>
+        <p:nvSpPr>
+          <p:cNvPr id="2" name="Title 1">
+            <a:extLst>
+              <a:ext uri="{FF2B5EF4-FFF2-40B4-BE49-F238E27FC236}">
+                <a16:creationId xmlns:a16="http://schemas.microsoft.com/office/drawing/2014/main" id="{A4F89484-470A-4B36-A0A7-AAF1A69C835B}"/>
+              </a:ext>
+            </a:extLst>
+          </p:cNvPr>
+          <p:cNvSpPr>
+            <a:spLocks noGrp="1"/>
+          </p:cNvSpPr>
+          <p:nvPr>
+            <p:ph type="title"/>
+          </p:nvPr>
+        </p:nvSpPr>
+        <p:spPr/>
+        <p:txBody>
+          <a:bodyPr/>
+          <a:lstStyle/>
+          <a:p>
+            <a:r>
+              <a:rPr lang="en-US" dirty="0"/>
+              <a:t>1G technology – 1</a:t>
+            </a:r>
+            <a:r>
+              <a:rPr lang="en-US" baseline="30000" dirty="0"/>
+              <a:t>st</a:t>
+            </a:r>
+            <a:r>
+              <a:rPr lang="en-US" dirty="0"/>
+              <a:t> Generation</a:t>
+            </a:r>
+          </a:p>
+        </p:txBody>
+      </p:sp>
+      <p:sp>
+        <p:nvSpPr>
+          <p:cNvPr id="3" name="Content Placeholder 2">
+            <a:extLst>
+              <a:ext uri="{FF2B5EF4-FFF2-40B4-BE49-F238E27FC236}">
+                <a16:creationId xmlns:a16="http://schemas.microsoft.com/office/drawing/2014/main" id="{2DD51F30-556F-4D41-83C6-402D5B759A01}"/>
+              </a:ext>
+            </a:extLst>
+          </p:cNvPr>
+          <p:cNvSpPr>
+            <a:spLocks noGrp="1"/>
+          </p:cNvSpPr>
+          <p:nvPr>
+            <p:ph idx="1"/>
+          </p:nvPr>
+        </p:nvSpPr>
+        <p:spPr>
+          <a:xfrm>
+            <a:off x="827424" y="2386055"/>
+            <a:ext cx="10554574" cy="3915698"/>
+          </a:xfrm>
+        </p:spPr>
+        <p:txBody>
+          <a:bodyPr>
+            <a:normAutofit lnSpcReduction="10000"/>
+          </a:bodyPr>
+          <a:lstStyle/>
+          <a:p>
+            <a:r>
+              <a:rPr lang="en-US" dirty="0"/>
+              <a:t>Developed in the 1980’s</a:t>
+            </a:r>
+          </a:p>
+          <a:p>
+            <a:r>
+              <a:rPr lang="en-US" dirty="0"/>
+              <a:t>Calls only</a:t>
+            </a:r>
+          </a:p>
+          <a:p>
+            <a:r>
+              <a:rPr lang="en-US" dirty="0"/>
+              <a:t>Used Analog Radio signals </a:t>
+            </a:r>
+          </a:p>
+          <a:p>
+            <a:r>
+              <a:rPr lang="en-US" dirty="0"/>
+              <a:t>Voice call gets modulated to higher frequency as it is transmitted between radio towers </a:t>
+            </a:r>
+          </a:p>
+          <a:p>
+            <a:r>
+              <a:rPr lang="en-US" dirty="0"/>
+              <a:t>Standards : NMT , AMPS, TACS </a:t>
+            </a:r>
+          </a:p>
+          <a:p>
+            <a:r>
+              <a:rPr lang="en-US" dirty="0"/>
+              <a:t>Downfalls :</a:t>
+            </a:r>
+          </a:p>
+          <a:p>
+            <a:pPr lvl="1"/>
+            <a:r>
+              <a:rPr lang="en-US" dirty="0"/>
+              <a:t>Low capacity </a:t>
+            </a:r>
+          </a:p>
+          <a:p>
+            <a:pPr lvl="1"/>
+            <a:r>
+              <a:rPr lang="en-US" dirty="0" err="1"/>
+              <a:t>Ureliable</a:t>
+            </a:r>
+            <a:r>
+              <a:rPr lang="en-US" dirty="0"/>
+              <a:t> handoff </a:t>
+            </a:r>
+          </a:p>
+          <a:p>
+            <a:pPr lvl="1"/>
+            <a:r>
+              <a:rPr lang="en-US" dirty="0"/>
+              <a:t>Poor voice </a:t>
+            </a:r>
+            <a:r>
+              <a:rPr lang="en-US" dirty="0" err="1"/>
+              <a:t>liks</a:t>
+            </a:r>
+            <a:r>
+              <a:rPr lang="en-US" dirty="0"/>
+              <a:t> </a:t>
+            </a:r>
+          </a:p>
+          <a:p>
+            <a:pPr lvl="1"/>
+            <a:r>
+              <a:rPr lang="en-US" dirty="0"/>
+              <a:t>No security </a:t>
+            </a:r>
+          </a:p>
+          <a:p>
+            <a:pPr lvl="1"/>
+            <a:endParaRPr lang="en-US" dirty="0"/>
+          </a:p>
+          <a:p>
+            <a:pPr marL="457200" lvl="1" indent="0">
+              <a:buNone/>
+            </a:pPr>
+            <a:endParaRPr lang="en-US" dirty="0"/>
+          </a:p>
+        </p:txBody>
+      </p:sp>
+    </p:spTree>
+    <p:extLst>
+      <p:ext uri="{BB962C8B-B14F-4D97-AF65-F5344CB8AC3E}">
+        <p14:creationId xmlns:p14="http://schemas.microsoft.com/office/powerpoint/2010/main" val="3963519088"/>
+      </p:ext>
+    </p:extLst>
+  </p:cSld>
+  <p:clrMapOvr>
+    <a:masterClrMapping/>
+  </p:clrMapOvr>
+</p:sld>
+</file>
+
+<file path=ppt/slides/slide6.xml><?xml version="1.0" encoding="utf-8"?>
+<p:sld xmlns:a="http://schemas.openxmlformats.org/drawingml/2006/main" xmlns:r="http://schemas.openxmlformats.org/officeDocument/2006/relationships" xmlns:p="http://schemas.openxmlformats.org/presentationml/2006/main">
+  <p:cSld>
+    <p:spTree>
+      <p:nvGrpSpPr>
+        <p:cNvPr id="1" name=""/>
+        <p:cNvGrpSpPr/>
+        <p:nvPr/>
+      </p:nvGrpSpPr>
+      <p:grpSpPr>
+        <a:xfrm>
+          <a:off x="0" y="0"/>
+          <a:ext cx="0" cy="0"/>
+          <a:chOff x="0" y="0"/>
+          <a:chExt cx="0" cy="0"/>
+        </a:xfrm>
+      </p:grpSpPr>
+      <p:sp>
+        <p:nvSpPr>
+          <p:cNvPr id="2" name="Title 1">
+            <a:extLst>
+              <a:ext uri="{FF2B5EF4-FFF2-40B4-BE49-F238E27FC236}">
+                <a16:creationId xmlns:a16="http://schemas.microsoft.com/office/drawing/2014/main" id="{FFE7A5BF-A0C6-4ED9-A97B-EE67561CFDCA}"/>
+              </a:ext>
+            </a:extLst>
+          </p:cNvPr>
+          <p:cNvSpPr>
+            <a:spLocks noGrp="1"/>
+          </p:cNvSpPr>
+          <p:nvPr>
+            <p:ph type="title"/>
+          </p:nvPr>
+        </p:nvSpPr>
+        <p:spPr/>
+        <p:txBody>
+          <a:bodyPr/>
+          <a:lstStyle/>
+          <a:p>
+            <a:r>
+              <a:rPr lang="en-US" dirty="0"/>
+              <a:t>2G technology </a:t>
+            </a:r>
+          </a:p>
+        </p:txBody>
+      </p:sp>
+      <p:sp>
+        <p:nvSpPr>
+          <p:cNvPr id="3" name="Content Placeholder 2">
+            <a:extLst>
+              <a:ext uri="{FF2B5EF4-FFF2-40B4-BE49-F238E27FC236}">
+                <a16:creationId xmlns:a16="http://schemas.microsoft.com/office/drawing/2014/main" id="{4491F56C-76D5-4DFA-92F6-56142B399547}"/>
+              </a:ext>
+            </a:extLst>
+          </p:cNvPr>
+          <p:cNvSpPr>
+            <a:spLocks noGrp="1"/>
+          </p:cNvSpPr>
+          <p:nvPr>
+            <p:ph idx="1"/>
+          </p:nvPr>
+        </p:nvSpPr>
+        <p:spPr>
+          <a:xfrm>
+            <a:off x="818712" y="2506067"/>
+            <a:ext cx="10554574" cy="3636511"/>
+          </a:xfrm>
+        </p:spPr>
+        <p:txBody>
+          <a:bodyPr>
+            <a:normAutofit fontScale="92500" lnSpcReduction="10000"/>
+          </a:bodyPr>
+          <a:lstStyle/>
+          <a:p>
+            <a:r>
+              <a:rPr lang="en-US" dirty="0"/>
+              <a:t>Launched in 1991 on GSM standard </a:t>
+            </a:r>
+          </a:p>
+          <a:p>
+            <a:r>
+              <a:rPr lang="en-US" dirty="0"/>
+              <a:t>Used digital radio signals </a:t>
+            </a:r>
+          </a:p>
+          <a:p>
+            <a:r>
+              <a:rPr lang="en-US" dirty="0"/>
+              <a:t>Voice calls and SMS for some standards </a:t>
+            </a:r>
+          </a:p>
+          <a:p>
+            <a:r>
+              <a:rPr lang="en-US" dirty="0"/>
+              <a:t>Can pack more calls per amount of bandwidth </a:t>
+            </a:r>
+          </a:p>
+          <a:p>
+            <a:r>
+              <a:rPr lang="en-US" dirty="0"/>
+              <a:t>Featured Digital encryption , increasing security on voice calls and data transfer</a:t>
+            </a:r>
+          </a:p>
+          <a:p>
+            <a:r>
+              <a:rPr lang="en-US" dirty="0"/>
+              <a:t>Downfall: digital signals are reliant on location and proximity.</a:t>
+            </a:r>
+          </a:p>
+          <a:p>
+            <a:r>
+              <a:rPr lang="en-US" dirty="0"/>
+              <a:t>Advantages : </a:t>
+            </a:r>
+          </a:p>
+          <a:p>
+            <a:pPr lvl="1"/>
+            <a:r>
+              <a:rPr lang="en-US" dirty="0"/>
+              <a:t>Less battery consumption</a:t>
+            </a:r>
+          </a:p>
+          <a:p>
+            <a:pPr lvl="1"/>
+            <a:r>
+              <a:rPr lang="en-US" dirty="0"/>
+              <a:t>Improved voice clarity and reduced noise </a:t>
+            </a:r>
+          </a:p>
+          <a:p>
+            <a:pPr lvl="1"/>
+            <a:r>
+              <a:rPr lang="en-US" dirty="0"/>
+              <a:t>Environmentally friendly signals </a:t>
+            </a:r>
+          </a:p>
+          <a:p>
+            <a:endParaRPr lang="en-US" dirty="0"/>
+          </a:p>
+          <a:p>
+            <a:endParaRPr lang="en-US" dirty="0"/>
+          </a:p>
+        </p:txBody>
+      </p:sp>
+    </p:spTree>
+    <p:extLst>
+      <p:ext uri="{BB962C8B-B14F-4D97-AF65-F5344CB8AC3E}">
+        <p14:creationId xmlns:p14="http://schemas.microsoft.com/office/powerpoint/2010/main" val="918310698"/>
+      </p:ext>
+    </p:extLst>
+  </p:cSld>
+  <p:clrMapOvr>
+    <a:masterClrMapping/>
+  </p:clrMapOvr>
+</p:sld>
+</file>
+
+<file path=ppt/slides/slide7.xml><?xml version="1.0" encoding="utf-8"?>
+<p:sld xmlns:a="http://schemas.openxmlformats.org/drawingml/2006/main" xmlns:r="http://schemas.openxmlformats.org/officeDocument/2006/relationships" xmlns:p="http://schemas.openxmlformats.org/presentationml/2006/main">
+  <p:cSld>
+    <p:spTree>
+      <p:nvGrpSpPr>
+        <p:cNvPr id="1" name=""/>
+        <p:cNvGrpSpPr/>
+        <p:nvPr/>
+      </p:nvGrpSpPr>
+      <p:grpSpPr>
+        <a:xfrm>
+          <a:off x="0" y="0"/>
+          <a:ext cx="0" cy="0"/>
+          <a:chOff x="0" y="0"/>
+          <a:chExt cx="0" cy="0"/>
+        </a:xfrm>
+      </p:grpSpPr>
+      <p:sp>
+        <p:nvSpPr>
+          <p:cNvPr id="2" name="Title 1">
+            <a:extLst>
+              <a:ext uri="{FF2B5EF4-FFF2-40B4-BE49-F238E27FC236}">
+                <a16:creationId xmlns:a16="http://schemas.microsoft.com/office/drawing/2014/main" id="{0EE21196-70F5-4CEA-9BB2-038B34886BC8}"/>
+              </a:ext>
+            </a:extLst>
+          </p:cNvPr>
+          <p:cNvSpPr>
+            <a:spLocks noGrp="1"/>
+          </p:cNvSpPr>
+          <p:nvPr>
+            <p:ph type="title"/>
+          </p:nvPr>
+        </p:nvSpPr>
+        <p:spPr/>
+        <p:txBody>
+          <a:bodyPr/>
+          <a:lstStyle/>
+          <a:p>
+            <a:r>
+              <a:rPr lang="en-US" dirty="0"/>
+              <a:t>2.5G technology  </a:t>
+            </a:r>
+          </a:p>
+        </p:txBody>
+      </p:sp>
+      <p:sp>
+        <p:nvSpPr>
+          <p:cNvPr id="3" name="Content Placeholder 2">
+            <a:extLst>
+              <a:ext uri="{FF2B5EF4-FFF2-40B4-BE49-F238E27FC236}">
+                <a16:creationId xmlns:a16="http://schemas.microsoft.com/office/drawing/2014/main" id="{A6D574C8-922D-4371-B0B1-E21FA92080FF}"/>
+              </a:ext>
+            </a:extLst>
+          </p:cNvPr>
+          <p:cNvSpPr>
+            <a:spLocks noGrp="1"/>
+          </p:cNvSpPr>
+          <p:nvPr>
+            <p:ph idx="1"/>
+          </p:nvPr>
+        </p:nvSpPr>
+        <p:spPr/>
+        <p:txBody>
+          <a:bodyPr/>
+          <a:lstStyle/>
+          <a:p>
+            <a:r>
+              <a:rPr lang="en-US" dirty="0"/>
+              <a:t>An informal term, used more for marketing</a:t>
+            </a:r>
+          </a:p>
+          <a:p>
+            <a:r>
+              <a:rPr lang="en-US" dirty="0"/>
+              <a:t>2G merged with General Packet Radio </a:t>
+            </a:r>
+            <a:r>
+              <a:rPr lang="en-US" dirty="0" err="1"/>
+              <a:t>Serices</a:t>
+            </a:r>
+            <a:r>
+              <a:rPr lang="en-US" dirty="0"/>
+              <a:t> (GPRS) </a:t>
+            </a:r>
+          </a:p>
+          <a:p>
+            <a:r>
+              <a:rPr lang="en-US" dirty="0"/>
+              <a:t>GPRS used for services such as WAP, MMS  and email and WWW access</a:t>
+            </a:r>
+          </a:p>
+          <a:p>
+            <a:r>
+              <a:rPr lang="en-US" dirty="0"/>
+              <a:t>Applies packet and circuit switching to 2G frameworks</a:t>
+            </a:r>
+          </a:p>
+          <a:p>
+            <a:r>
+              <a:rPr lang="en-US" dirty="0"/>
+              <a:t>GPRS data transfer charged per MB of traffic transfer</a:t>
+            </a:r>
+          </a:p>
+          <a:p>
+            <a:r>
+              <a:rPr lang="en-US" dirty="0"/>
+              <a:t>Traditional circuit switching billed per minute of connection time</a:t>
+            </a:r>
+          </a:p>
+        </p:txBody>
+      </p:sp>
+    </p:spTree>
+    <p:extLst>
+      <p:ext uri="{BB962C8B-B14F-4D97-AF65-F5344CB8AC3E}">
+        <p14:creationId xmlns:p14="http://schemas.microsoft.com/office/powerpoint/2010/main" val="3138595564"/>
+      </p:ext>
+    </p:extLst>
+  </p:cSld>
+  <p:clrMapOvr>
+    <a:masterClrMapping/>
+  </p:clrMapOvr>
+</p:sld>
+</file>
+
+<file path=ppt/slides/slide8.xml><?xml version="1.0" encoding="utf-8"?>
+<p:sld xmlns:a="http://schemas.openxmlformats.org/drawingml/2006/main" xmlns:r="http://schemas.openxmlformats.org/officeDocument/2006/relationships" xmlns:p="http://schemas.openxmlformats.org/presentationml/2006/main">
+  <p:cSld>
+    <p:spTree>
+      <p:nvGrpSpPr>
+        <p:cNvPr id="1" name=""/>
+        <p:cNvGrpSpPr/>
+        <p:nvPr/>
+      </p:nvGrpSpPr>
+      <p:grpSpPr>
+        <a:xfrm>
+          <a:off x="0" y="0"/>
+          <a:ext cx="0" cy="0"/>
+          <a:chOff x="0" y="0"/>
+          <a:chExt cx="0" cy="0"/>
+        </a:xfrm>
+      </p:grpSpPr>
+      <p:sp>
+        <p:nvSpPr>
+          <p:cNvPr id="2" name="Title 1">
+            <a:extLst>
+              <a:ext uri="{FF2B5EF4-FFF2-40B4-BE49-F238E27FC236}">
+                <a16:creationId xmlns:a16="http://schemas.microsoft.com/office/drawing/2014/main" id="{DAA5D09A-E185-44D9-983B-7F784D99D7B7}"/>
+              </a:ext>
+            </a:extLst>
+          </p:cNvPr>
+          <p:cNvSpPr>
+            <a:spLocks noGrp="1"/>
+          </p:cNvSpPr>
+          <p:nvPr>
+            <p:ph type="title"/>
+          </p:nvPr>
+        </p:nvSpPr>
+        <p:spPr/>
+        <p:txBody>
+          <a:bodyPr/>
+          <a:lstStyle/>
+          <a:p>
+            <a:r>
+              <a:rPr lang="en-US" dirty="0"/>
+              <a:t>2.75G technology </a:t>
+            </a:r>
+          </a:p>
+        </p:txBody>
+      </p:sp>
+      <p:sp>
+        <p:nvSpPr>
+          <p:cNvPr id="3" name="Content Placeholder 2">
+            <a:extLst>
+              <a:ext uri="{FF2B5EF4-FFF2-40B4-BE49-F238E27FC236}">
+                <a16:creationId xmlns:a16="http://schemas.microsoft.com/office/drawing/2014/main" id="{BC79878D-0994-4F1F-B066-3E4A992C0A88}"/>
+              </a:ext>
+            </a:extLst>
+          </p:cNvPr>
+          <p:cNvSpPr>
+            <a:spLocks noGrp="1"/>
+          </p:cNvSpPr>
+          <p:nvPr>
+            <p:ph idx="1"/>
+          </p:nvPr>
+        </p:nvSpPr>
+        <p:spPr/>
+        <p:txBody>
+          <a:bodyPr/>
+          <a:lstStyle/>
+          <a:p>
+            <a:r>
+              <a:rPr lang="en-US" dirty="0"/>
+              <a:t>Implements EDGE ; extended version of GSM </a:t>
+            </a:r>
+          </a:p>
+          <a:p>
+            <a:r>
+              <a:rPr lang="en-US" dirty="0"/>
+              <a:t>Clear and fast transmission of data </a:t>
+            </a:r>
+          </a:p>
+          <a:p>
+            <a:r>
+              <a:rPr lang="en-US" dirty="0"/>
+              <a:t>Preferred over GSM – flexibility to carry packet and circuit switch data</a:t>
+            </a:r>
+          </a:p>
+          <a:p>
+            <a:r>
+              <a:rPr lang="en-US" dirty="0"/>
+              <a:t>Includes no additional charges</a:t>
+            </a:r>
+          </a:p>
+        </p:txBody>
+      </p:sp>
+    </p:spTree>
+    <p:extLst>
+      <p:ext uri="{BB962C8B-B14F-4D97-AF65-F5344CB8AC3E}">
+        <p14:creationId xmlns:p14="http://schemas.microsoft.com/office/powerpoint/2010/main" val="1103491775"/>
+      </p:ext>
+    </p:extLst>
+  </p:cSld>
+  <p:clrMapOvr>
+    <a:masterClrMapping/>
+  </p:clrMapOvr>
+</p:sld>
+</file>
+
+<file path=ppt/slides/slide9.xml><?xml version="1.0" encoding="utf-8"?>
+<p:sld xmlns:a="http://schemas.openxmlformats.org/drawingml/2006/main" xmlns:r="http://schemas.openxmlformats.org/officeDocument/2006/relationships" xmlns:p="http://schemas.openxmlformats.org/presentationml/2006/main">
+  <p:cSld>
+    <p:spTree>
+      <p:nvGrpSpPr>
+        <p:cNvPr id="1" name=""/>
+        <p:cNvGrpSpPr/>
+        <p:nvPr/>
+      </p:nvGrpSpPr>
+      <p:grpSpPr>
+        <a:xfrm>
+          <a:off x="0" y="0"/>
+          <a:ext cx="0" cy="0"/>
+          <a:chOff x="0" y="0"/>
+          <a:chExt cx="0" cy="0"/>
+        </a:xfrm>
+      </p:grpSpPr>
+      <p:sp>
+        <p:nvSpPr>
+          <p:cNvPr id="2" name="Title 1">
+            <a:extLst>
+              <a:ext uri="{FF2B5EF4-FFF2-40B4-BE49-F238E27FC236}">
+                <a16:creationId xmlns:a16="http://schemas.microsoft.com/office/drawing/2014/main" id="{55A3C274-72F2-4869-BEB6-5CAA837F07AB}"/>
+              </a:ext>
+            </a:extLst>
+          </p:cNvPr>
+          <p:cNvSpPr>
+            <a:spLocks noGrp="1"/>
+          </p:cNvSpPr>
+          <p:nvPr>
+            <p:ph type="title"/>
+          </p:nvPr>
+        </p:nvSpPr>
+        <p:spPr/>
+        <p:txBody>
+          <a:bodyPr/>
+          <a:lstStyle/>
+          <a:p>
+            <a:r>
+              <a:rPr lang="en-US" dirty="0"/>
+              <a:t>3G technology </a:t>
+            </a:r>
+          </a:p>
+        </p:txBody>
+      </p:sp>
+      <p:sp>
+        <p:nvSpPr>
+          <p:cNvPr id="3" name="Content Placeholder 2">
+            <a:extLst>
+              <a:ext uri="{FF2B5EF4-FFF2-40B4-BE49-F238E27FC236}">
+                <a16:creationId xmlns:a16="http://schemas.microsoft.com/office/drawing/2014/main" id="{153D931E-7092-4D96-8052-1D1B12F87F94}"/>
+              </a:ext>
+            </a:extLst>
+          </p:cNvPr>
+          <p:cNvSpPr>
+            <a:spLocks noGrp="1"/>
+          </p:cNvSpPr>
+          <p:nvPr>
+            <p:ph idx="1"/>
+          </p:nvPr>
+        </p:nvSpPr>
+        <p:spPr>
+          <a:xfrm>
+            <a:off x="818712" y="2222287"/>
+            <a:ext cx="10554574" cy="4483313"/>
+          </a:xfrm>
+        </p:spPr>
+        <p:txBody>
+          <a:bodyPr>
+            <a:normAutofit fontScale="92500" lnSpcReduction="20000"/>
+          </a:bodyPr>
+          <a:lstStyle/>
+          <a:p>
+            <a:r>
+              <a:rPr lang="en-US" dirty="0"/>
+              <a:t>Established I late 2000s</a:t>
+            </a:r>
+          </a:p>
+          <a:p>
+            <a:r>
+              <a:rPr lang="en-US" dirty="0"/>
+              <a:t>Merge high speed mobile access to services based on Internet Protocol (IP)</a:t>
+            </a:r>
+          </a:p>
+          <a:p>
+            <a:r>
+              <a:rPr lang="en-US" dirty="0"/>
+              <a:t>Fast data transfer rates </a:t>
+            </a:r>
+          </a:p>
+          <a:p>
+            <a:r>
+              <a:rPr lang="en-US" dirty="0"/>
+              <a:t>Makes use of value added services like GPS and video conferencing </a:t>
+            </a:r>
+          </a:p>
+          <a:p>
+            <a:r>
+              <a:rPr lang="en-US" dirty="0"/>
+              <a:t>Services include :</a:t>
+            </a:r>
+          </a:p>
+          <a:p>
+            <a:pPr lvl="1"/>
+            <a:r>
+              <a:rPr lang="en-US" dirty="0"/>
+              <a:t>Wide area wireless voice telephony </a:t>
+            </a:r>
+          </a:p>
+          <a:p>
+            <a:pPr lvl="1"/>
+            <a:r>
+              <a:rPr lang="en-US" dirty="0"/>
+              <a:t>High speed internet access </a:t>
+            </a:r>
+          </a:p>
+          <a:p>
+            <a:pPr lvl="1"/>
+            <a:r>
+              <a:rPr lang="en-US" dirty="0"/>
+              <a:t>Video calls</a:t>
+            </a:r>
+          </a:p>
+          <a:p>
+            <a:pPr lvl="1"/>
+            <a:r>
+              <a:rPr lang="en-US" dirty="0"/>
+              <a:t>Broadband wireless data </a:t>
+            </a:r>
+          </a:p>
+          <a:p>
+            <a:pPr lvl="1"/>
+            <a:r>
+              <a:rPr lang="en-US" dirty="0"/>
+              <a:t>Global  roaming </a:t>
+            </a:r>
+          </a:p>
+          <a:p>
+            <a:pPr lvl="1"/>
+            <a:r>
+              <a:rPr lang="en-US" dirty="0"/>
+              <a:t>HSPA data transmission capabilities </a:t>
+            </a:r>
+          </a:p>
+          <a:p>
+            <a:r>
+              <a:rPr lang="en-US" dirty="0"/>
+              <a:t>Disadvantage: </a:t>
+            </a:r>
+          </a:p>
+          <a:p>
+            <a:pPr lvl="1"/>
+            <a:r>
+              <a:rPr lang="en-US" dirty="0"/>
+              <a:t>requires more power than 2G</a:t>
+            </a:r>
+          </a:p>
+          <a:p>
+            <a:pPr lvl="1"/>
+            <a:r>
+              <a:rPr lang="en-US" dirty="0"/>
+              <a:t>Plans are more expensive </a:t>
+            </a:r>
+          </a:p>
+        </p:txBody>
+      </p:sp>
+    </p:spTree>
+    <p:extLst>
+      <p:ext uri="{BB962C8B-B14F-4D97-AF65-F5344CB8AC3E}">
+        <p14:creationId xmlns:p14="http://schemas.microsoft.com/office/powerpoint/2010/main" val="3679280950"/>
       </p:ext>
     </p:extLst>
   </p:cSld>

--- a/5G Technologies.pptx
+++ b/5G Technologies.pptx
@@ -8957,7 +8957,13 @@
           <a:p>
             <a:r>
               <a:rPr lang="en-US" dirty="0"/>
-              <a:t>Mainly faster speeds </a:t>
+              <a:t>More bandwidth and services than 3G</a:t>
+            </a:r>
+          </a:p>
+          <a:p>
+            <a:r>
+              <a:rPr lang="en-US" dirty="0"/>
+              <a:t>Offers high quality audio/video streaming over end to end IP</a:t>
             </a:r>
           </a:p>
           <a:p>
@@ -8972,7 +8978,7 @@
             </a:pPr>
             <a:r>
               <a:rPr lang="en-US" dirty="0"/>
-              <a:t>imparted to subscribers on every time and everywhere basis</a:t>
+              <a:t>	imparted to subscribers on every time and everywhere basis</a:t>
             </a:r>
           </a:p>
           <a:p>
@@ -8980,8 +8986,12 @@
               <a:buNone/>
             </a:pPr>
             <a:r>
-              <a:rPr lang="en-US" dirty="0"/>
-              <a:t>and at quite higher data rates as related to earlier generations.</a:t>
+              <a:rPr lang="en-US"/>
+              <a:t>	and </a:t>
+            </a:r>
+            <a:r>
+              <a:rPr lang="en-US" dirty="0"/>
+              <a:t>at quite higher data rates as related to earlier generations.</a:t>
             </a:r>
           </a:p>
         </p:txBody>

--- a/5G Technologies.pptx
+++ b/5G Technologies.pptx
@@ -3536,7 +3536,7 @@
           <a:effectLst/>
           <a:extLst>
             <a:ext uri="{91240B29-F687-4f45-9708-019B960494DF}">
-              <a14:hiddenLine xmlns="" xmlns:a14="http://schemas.microsoft.com/office/drawing/2010/main" w="9525">
+              <a14:hiddenLine xmlns:a14="http://schemas.microsoft.com/office/drawing/2010/main" xmlns="" w="9525">
                 <a:solidFill>
                   <a:srgbClr val="000000"/>
                 </a:solidFill>
@@ -3729,7 +3729,7 @@
             <a:fld id="{08B9EBBA-996F-894A-B54A-D6246ED52CEA}" type="datetimeFigureOut">
               <a:rPr lang="en-US" dirty="0"/>
               <a:pPr/>
-              <a:t>10/31/2017</a:t>
+              <a:t>11/1/2017</a:t>
             </a:fld>
             <a:endParaRPr lang="en-US" dirty="0"/>
           </a:p>
@@ -4044,7 +4044,7 @@
             <a:fld id="{18C79C5D-2A6F-F04D-97DA-BEF2467B64E4}" type="datetimeFigureOut">
               <a:rPr lang="en-US" dirty="0"/>
               <a:pPr/>
-              <a:t>10/31/2017</a:t>
+              <a:t>11/1/2017</a:t>
             </a:fld>
             <a:endParaRPr lang="en-US" dirty="0"/>
           </a:p>
@@ -4529,7 +4529,7 @@
             <a:fld id="{8DFA1846-DA80-1C48-A609-854EA85C59AD}" type="datetimeFigureOut">
               <a:rPr lang="en-US" dirty="0"/>
               <a:pPr/>
-              <a:t>10/31/2017</a:t>
+              <a:t>11/1/2017</a:t>
             </a:fld>
             <a:endParaRPr lang="en-US" dirty="0"/>
           </a:p>
@@ -4895,7 +4895,7 @@
             <a:fld id="{FBF54567-0DE4-3F47-BF90-CB84690072F9}" type="datetimeFigureOut">
               <a:rPr lang="en-US" dirty="0"/>
               <a:pPr/>
-              <a:t>10/31/2017</a:t>
+              <a:t>11/1/2017</a:t>
             </a:fld>
             <a:endParaRPr lang="en-US" dirty="0"/>
           </a:p>
@@ -5046,7 +5046,7 @@
           <a:ln/>
           <a:extLst>
             <a:ext uri="{91240B29-F687-4f45-9708-019B960494DF}">
-              <a14:hiddenLine xmlns="" xmlns:a14="http://schemas.microsoft.com/office/drawing/2010/main" w="9525">
+              <a14:hiddenLine xmlns:a14="http://schemas.microsoft.com/office/drawing/2010/main" xmlns="" w="9525">
                 <a:solidFill>
                   <a:srgbClr val="000000"/>
                 </a:solidFill>
@@ -5165,7 +5165,7 @@
             <a:fld id="{C6C52C72-DE31-F449-A4ED-4C594FD91407}" type="datetimeFigureOut">
               <a:rPr lang="en-US" dirty="0"/>
               <a:pPr/>
-              <a:t>10/31/2017</a:t>
+              <a:t>11/1/2017</a:t>
             </a:fld>
             <a:endParaRPr lang="en-US" dirty="0"/>
           </a:p>
@@ -5318,7 +5318,7 @@
           <a:ln/>
           <a:extLst>
             <a:ext uri="{91240B29-F687-4f45-9708-019B960494DF}">
-              <a14:hiddenLine xmlns="" xmlns:a14="http://schemas.microsoft.com/office/drawing/2010/main" w="9525">
+              <a14:hiddenLine xmlns:a14="http://schemas.microsoft.com/office/drawing/2010/main" xmlns="" w="9525">
                 <a:solidFill>
                   <a:srgbClr val="000000"/>
                 </a:solidFill>
@@ -5447,7 +5447,7 @@
             <a:fld id="{ED62726E-379B-B349-9EED-81ED093FA806}" type="datetimeFigureOut">
               <a:rPr lang="en-US" dirty="0"/>
               <a:pPr/>
-              <a:t>10/31/2017</a:t>
+              <a:t>11/1/2017</a:t>
             </a:fld>
             <a:endParaRPr lang="en-US" dirty="0"/>
           </a:p>
@@ -5598,7 +5598,7 @@
           <a:ln/>
           <a:extLst>
             <a:ext uri="{91240B29-F687-4f45-9708-019B960494DF}">
-              <a14:hiddenLine xmlns="" xmlns:a14="http://schemas.microsoft.com/office/drawing/2010/main" w="9525">
+              <a14:hiddenLine xmlns:a14="http://schemas.microsoft.com/office/drawing/2010/main" xmlns="" w="9525">
                 <a:solidFill>
                   <a:srgbClr val="000000"/>
                 </a:solidFill>
@@ -5727,7 +5727,7 @@
             <a:fld id="{9B3A1323-8D79-1946-B0D7-40001CF92E9D}" type="datetimeFigureOut">
               <a:rPr lang="en-US" dirty="0"/>
               <a:pPr/>
-              <a:t>10/31/2017</a:t>
+              <a:t>11/1/2017</a:t>
             </a:fld>
             <a:endParaRPr lang="en-US" dirty="0"/>
           </a:p>
@@ -6067,7 +6067,7 @@
             <a:fld id="{8DFA1846-DA80-1C48-A609-854EA85C59AD}" type="datetimeFigureOut">
               <a:rPr lang="en-US" dirty="0"/>
               <a:pPr/>
-              <a:t>10/31/2017</a:t>
+              <a:t>11/1/2017</a:t>
             </a:fld>
             <a:endParaRPr lang="en-US" dirty="0"/>
           </a:p>
@@ -6218,7 +6218,7 @@
           <a:ln/>
           <a:extLst>
             <a:ext uri="{91240B29-F687-4f45-9708-019B960494DF}">
-              <a14:hiddenLine xmlns="" xmlns:a14="http://schemas.microsoft.com/office/drawing/2010/main" w="9525">
+              <a14:hiddenLine xmlns:a14="http://schemas.microsoft.com/office/drawing/2010/main" xmlns="" w="9525">
                 <a:solidFill>
                   <a:srgbClr val="000000"/>
                 </a:solidFill>
@@ -6403,7 +6403,7 @@
             <a:fld id="{57302355-E14B-8545-A8F8-0FE83CC9D524}" type="datetimeFigureOut">
               <a:rPr lang="en-US" dirty="0"/>
               <a:pPr/>
-              <a:t>10/31/2017</a:t>
+              <a:t>11/1/2017</a:t>
             </a:fld>
             <a:endParaRPr lang="en-US" dirty="0"/>
           </a:p>
@@ -6554,7 +6554,7 @@
           <a:ln/>
           <a:extLst>
             <a:ext uri="{91240B29-F687-4f45-9708-019B960494DF}">
-              <a14:hiddenLine xmlns="" xmlns:a14="http://schemas.microsoft.com/office/drawing/2010/main" w="9525">
+              <a14:hiddenLine xmlns:a14="http://schemas.microsoft.com/office/drawing/2010/main" xmlns="" w="9525">
                 <a:solidFill>
                   <a:srgbClr val="000000"/>
                 </a:solidFill>
@@ -6877,7 +6877,7 @@
             <a:fld id="{02640F58-564D-2B4F-AE67-E407BA4FCF45}" type="datetimeFigureOut">
               <a:rPr lang="en-US" dirty="0"/>
               <a:pPr/>
-              <a:t>10/31/2017</a:t>
+              <a:t>11/1/2017</a:t>
             </a:fld>
             <a:endParaRPr lang="en-US" dirty="0"/>
           </a:p>
@@ -7028,7 +7028,7 @@
           <a:ln/>
           <a:extLst>
             <a:ext uri="{91240B29-F687-4f45-9708-019B960494DF}">
-              <a14:hiddenLine xmlns="" xmlns:a14="http://schemas.microsoft.com/office/drawing/2010/main" w="9525">
+              <a14:hiddenLine xmlns:a14="http://schemas.microsoft.com/office/drawing/2010/main" xmlns="" w="9525">
                 <a:solidFill>
                   <a:srgbClr val="000000"/>
                 </a:solidFill>
@@ -7095,7 +7095,7 @@
             <a:fld id="{F13A34C8-038E-2045-AF43-DF7DBB8E0E9E}" type="datetimeFigureOut">
               <a:rPr lang="en-US" dirty="0"/>
               <a:pPr/>
-              <a:t>10/31/2017</a:t>
+              <a:t>11/1/2017</a:t>
             </a:fld>
             <a:endParaRPr lang="en-US" dirty="0"/>
           </a:p>
@@ -7187,7 +7187,7 @@
             <a:fld id="{8818C68F-D26B-8F47-958C-23B49CF8A634}" type="datetimeFigureOut">
               <a:rPr lang="en-US" dirty="0"/>
               <a:pPr/>
-              <a:t>10/31/2017</a:t>
+              <a:t>11/1/2017</a:t>
             </a:fld>
             <a:endParaRPr lang="en-US" dirty="0"/>
           </a:p>
@@ -7451,7 +7451,7 @@
           <a:ln/>
           <a:extLst>
             <a:ext uri="{91240B29-F687-4f45-9708-019B960494DF}">
-              <a14:hiddenLine xmlns="" xmlns:a14="http://schemas.microsoft.com/office/drawing/2010/main" w="9525">
+              <a14:hiddenLine xmlns:a14="http://schemas.microsoft.com/office/drawing/2010/main" xmlns="" w="9525">
                 <a:solidFill>
                   <a:srgbClr val="000000"/>
                 </a:solidFill>
@@ -7651,7 +7651,7 @@
             <a:fld id="{D0DF5E60-9974-AC48-9591-99C2BB44B7CF}" type="datetimeFigureOut">
               <a:rPr lang="en-US" dirty="0"/>
               <a:pPr/>
-              <a:t>10/31/2017</a:t>
+              <a:t>11/1/2017</a:t>
             </a:fld>
             <a:endParaRPr lang="en-US" dirty="0"/>
           </a:p>
@@ -7961,7 +7961,7 @@
             <a:fld id="{18C79C5D-2A6F-F04D-97DA-BEF2467B64E4}" type="datetimeFigureOut">
               <a:rPr lang="en-US" dirty="0"/>
               <a:pPr/>
-              <a:t>10/31/2017</a:t>
+              <a:t>11/1/2017</a:t>
             </a:fld>
             <a:endParaRPr lang="en-US" dirty="0"/>
           </a:p>
@@ -8233,7 +8233,7 @@
             <a:fld id="{09B482E8-6E0E-1B4F-B1FD-C69DB9E858D9}" type="datetimeFigureOut">
               <a:rPr lang="en-US" dirty="0"/>
               <a:pPr/>
-              <a:t>10/31/2017</a:t>
+              <a:t>11/1/2017</a:t>
             </a:fld>
             <a:endParaRPr lang="en-US" dirty="0"/>
           </a:p>
@@ -8864,7 +8864,7 @@
           <a:p>
             <a:pPr lvl="1"/>
             <a:r>
-              <a:rPr lang="en-US" dirty="0"/>
+              <a:rPr lang="en-US"/>
               <a:t>CDMA</a:t>
             </a:r>
           </a:p>
@@ -9593,7 +9593,7 @@
         </p:spPr>
         <p:txBody>
           <a:bodyPr>
-            <a:normAutofit lnSpcReduction="10000"/>
+            <a:normAutofit fontScale="92500" lnSpcReduction="10000"/>
           </a:bodyPr>
           <a:lstStyle/>
           <a:p>
@@ -9629,6 +9629,12 @@
           <a:p>
             <a:r>
               <a:rPr lang="en-US" dirty="0"/>
+              <a:t>Data Rates up to 2.4 Kbps </a:t>
+            </a:r>
+          </a:p>
+          <a:p>
+            <a:r>
+              <a:rPr lang="en-US" dirty="0"/>
               <a:t>Downfalls :</a:t>
             </a:r>
           </a:p>
@@ -9642,27 +9648,15 @@
           <a:p>
             <a:pPr lvl="1"/>
             <a:r>
-              <a:rPr lang="en-US" dirty="0" err="1"/>
-              <a:t>Ureliable</a:t>
-            </a:r>
-            <a:r>
-              <a:rPr lang="en-US" dirty="0"/>
-              <a:t> handoff </a:t>
+              <a:rPr lang="en-US" dirty="0"/>
+              <a:t>Unreliable handoff </a:t>
             </a:r>
           </a:p>
           <a:p>
             <a:pPr lvl="1"/>
             <a:r>
               <a:rPr lang="en-US" dirty="0"/>
-              <a:t>Poor voice </a:t>
-            </a:r>
-            <a:r>
-              <a:rPr lang="en-US" dirty="0" err="1"/>
-              <a:t>liks</a:t>
-            </a:r>
-            <a:r>
-              <a:rPr lang="en-US" dirty="0"/>
-              <a:t> </a:t>
+              <a:t>Poor voice links </a:t>
             </a:r>
           </a:p>
           <a:p>
@@ -9766,7 +9760,7 @@
         </p:spPr>
         <p:txBody>
           <a:bodyPr>
-            <a:normAutofit fontScale="92500" lnSpcReduction="10000"/>
+            <a:normAutofit fontScale="92500" lnSpcReduction="20000"/>
           </a:bodyPr>
           <a:lstStyle/>
           <a:p>
@@ -9785,6 +9779,12 @@
             <a:r>
               <a:rPr lang="en-US" dirty="0"/>
               <a:t>Voice calls and SMS for some standards </a:t>
+            </a:r>
+          </a:p>
+          <a:p>
+            <a:r>
+              <a:rPr lang="en-US" dirty="0"/>
+              <a:t>Data rates up to 64 kbps</a:t>
             </a:r>
           </a:p>
           <a:p>
@@ -9961,6 +9961,17 @@
               <a:rPr lang="en-US" dirty="0"/>
               <a:t>Traditional circuit switching billed per minute of connection time</a:t>
             </a:r>
+          </a:p>
+          <a:p>
+            <a:r>
+              <a:rPr lang="en-US" dirty="0"/>
+              <a:t>Data rates up to 115 </a:t>
+            </a:r>
+            <a:r>
+              <a:rPr lang="en-US" dirty="0" err="1"/>
+              <a:t>Kpbs</a:t>
+            </a:r>
+            <a:endParaRPr lang="en-US" dirty="0"/>
           </a:p>
         </p:txBody>
       </p:sp>
